--- a/Week_11/1조_11주차_cd_발표PPT.pptx
+++ b/Week_11/1조_11주차_cd_발표PPT.pptx
@@ -5,10 +5,10 @@
     <p:sldMasterId id="2147483648" r:id="rId1"/>
   </p:sldMasterIdLst>
   <p:notesMasterIdLst>
-    <p:notesMasterId r:id="rId36"/>
+    <p:notesMasterId r:id="rId37"/>
   </p:notesMasterIdLst>
   <p:handoutMasterIdLst>
-    <p:handoutMasterId r:id="rId37"/>
+    <p:handoutMasterId r:id="rId38"/>
   </p:handoutMasterIdLst>
   <p:sldIdLst>
     <p:sldId id="256" r:id="rId2"/>
@@ -29,22 +29,23 @@
     <p:sldId id="335" r:id="rId17"/>
     <p:sldId id="343" r:id="rId18"/>
     <p:sldId id="361" r:id="rId19"/>
-    <p:sldId id="357" r:id="rId20"/>
-    <p:sldId id="363" r:id="rId21"/>
-    <p:sldId id="360" r:id="rId22"/>
-    <p:sldId id="362" r:id="rId23"/>
-    <p:sldId id="351" r:id="rId24"/>
-    <p:sldId id="352" r:id="rId25"/>
-    <p:sldId id="347" r:id="rId26"/>
-    <p:sldId id="364" r:id="rId27"/>
-    <p:sldId id="348" r:id="rId28"/>
-    <p:sldId id="366" r:id="rId29"/>
-    <p:sldId id="358" r:id="rId30"/>
-    <p:sldId id="365" r:id="rId31"/>
-    <p:sldId id="342" r:id="rId32"/>
-    <p:sldId id="359" r:id="rId33"/>
-    <p:sldId id="299" r:id="rId34"/>
-    <p:sldId id="327" r:id="rId35"/>
+    <p:sldId id="367" r:id="rId20"/>
+    <p:sldId id="357" r:id="rId21"/>
+    <p:sldId id="363" r:id="rId22"/>
+    <p:sldId id="360" r:id="rId23"/>
+    <p:sldId id="362" r:id="rId24"/>
+    <p:sldId id="351" r:id="rId25"/>
+    <p:sldId id="352" r:id="rId26"/>
+    <p:sldId id="347" r:id="rId27"/>
+    <p:sldId id="364" r:id="rId28"/>
+    <p:sldId id="348" r:id="rId29"/>
+    <p:sldId id="366" r:id="rId30"/>
+    <p:sldId id="358" r:id="rId31"/>
+    <p:sldId id="365" r:id="rId32"/>
+    <p:sldId id="342" r:id="rId33"/>
+    <p:sldId id="359" r:id="rId34"/>
+    <p:sldId id="299" r:id="rId35"/>
+    <p:sldId id="327" r:id="rId36"/>
   </p:sldIdLst>
   <p:sldSz cx="12192000" cy="6858000"/>
   <p:notesSz cx="6858000" cy="9144000"/>
@@ -838,7 +839,7 @@
     </p:spTree>
     <p:extLst>
       <p:ext uri="{BB962C8B-B14F-4D97-AF65-F5344CB8AC3E}">
-        <p14:creationId xmlns:p14="http://schemas.microsoft.com/office/powerpoint/2010/main" val="964401832"/>
+        <p14:creationId xmlns:p14="http://schemas.microsoft.com/office/powerpoint/2010/main" val="1123601507"/>
       </p:ext>
     </p:extLst>
   </p:cSld>
@@ -922,7 +923,7 @@
     </p:spTree>
     <p:extLst>
       <p:ext uri="{BB962C8B-B14F-4D97-AF65-F5344CB8AC3E}">
-        <p14:creationId xmlns:p14="http://schemas.microsoft.com/office/powerpoint/2010/main" val="3603856108"/>
+        <p14:creationId xmlns:p14="http://schemas.microsoft.com/office/powerpoint/2010/main" val="964401832"/>
       </p:ext>
     </p:extLst>
   </p:cSld>
@@ -1006,7 +1007,7 @@
     </p:spTree>
     <p:extLst>
       <p:ext uri="{BB962C8B-B14F-4D97-AF65-F5344CB8AC3E}">
-        <p14:creationId xmlns:p14="http://schemas.microsoft.com/office/powerpoint/2010/main" val="2521321228"/>
+        <p14:creationId xmlns:p14="http://schemas.microsoft.com/office/powerpoint/2010/main" val="3603856108"/>
       </p:ext>
     </p:extLst>
   </p:cSld>
@@ -1090,7 +1091,7 @@
     </p:spTree>
     <p:extLst>
       <p:ext uri="{BB962C8B-B14F-4D97-AF65-F5344CB8AC3E}">
-        <p14:creationId xmlns:p14="http://schemas.microsoft.com/office/powerpoint/2010/main" val="2916209955"/>
+        <p14:creationId xmlns:p14="http://schemas.microsoft.com/office/powerpoint/2010/main" val="2521321228"/>
       </p:ext>
     </p:extLst>
   </p:cSld>
@@ -1155,7 +1156,7 @@
             <a:spLocks noGrp="1"/>
           </p:cNvSpPr>
           <p:nvPr>
-            <p:ph type="sldNum" sz="quarter" idx="10"/>
+            <p:ph type="sldNum" sz="quarter" idx="5"/>
           </p:nvPr>
         </p:nvSpPr>
         <p:spPr/>
@@ -1165,7 +1166,7 @@
           <a:p>
             <a:fld id="{28B37C46-DA24-43C4-9DEC-08027D33738D}" type="slidenum">
               <a:rPr lang="ko-KR" altLang="en-US" smtClean="0"/>
-              <a:t>30</a:t>
+              <a:t>29</a:t>
             </a:fld>
             <a:endParaRPr lang="ko-KR" altLang="en-US"/>
           </a:p>
@@ -1174,7 +1175,7 @@
     </p:spTree>
     <p:extLst>
       <p:ext uri="{BB962C8B-B14F-4D97-AF65-F5344CB8AC3E}">
-        <p14:creationId xmlns:p14="http://schemas.microsoft.com/office/powerpoint/2010/main" val="884945190"/>
+        <p14:creationId xmlns:p14="http://schemas.microsoft.com/office/powerpoint/2010/main" val="2916209955"/>
       </p:ext>
     </p:extLst>
   </p:cSld>
@@ -1250,6 +1251,90 @@
             <a:fld id="{28B37C46-DA24-43C4-9DEC-08027D33738D}" type="slidenum">
               <a:rPr lang="ko-KR" altLang="en-US" smtClean="0"/>
               <a:t>31</a:t>
+            </a:fld>
+            <a:endParaRPr lang="ko-KR" altLang="en-US"/>
+          </a:p>
+        </p:txBody>
+      </p:sp>
+    </p:spTree>
+    <p:extLst>
+      <p:ext uri="{BB962C8B-B14F-4D97-AF65-F5344CB8AC3E}">
+        <p14:creationId xmlns:p14="http://schemas.microsoft.com/office/powerpoint/2010/main" val="884945190"/>
+      </p:ext>
+    </p:extLst>
+  </p:cSld>
+  <p:clrMapOvr>
+    <a:masterClrMapping/>
+  </p:clrMapOvr>
+</p:notes>
+</file>
+
+<file path=ppt/notesSlides/notesSlide16.xml><?xml version="1.0" encoding="utf-8"?>
+<p:notes xmlns:a="http://schemas.openxmlformats.org/drawingml/2006/main" xmlns:r="http://schemas.openxmlformats.org/officeDocument/2006/relationships" xmlns:p="http://schemas.openxmlformats.org/presentationml/2006/main">
+  <p:cSld>
+    <p:spTree>
+      <p:nvGrpSpPr>
+        <p:cNvPr id="1" name=""/>
+        <p:cNvGrpSpPr/>
+        <p:nvPr/>
+      </p:nvGrpSpPr>
+      <p:grpSpPr>
+        <a:xfrm>
+          <a:off x="0" y="0"/>
+          <a:ext cx="0" cy="0"/>
+          <a:chOff x="0" y="0"/>
+          <a:chExt cx="0" cy="0"/>
+        </a:xfrm>
+      </p:grpSpPr>
+      <p:sp>
+        <p:nvSpPr>
+          <p:cNvPr id="2" name="슬라이드 이미지 개체 틀 1"/>
+          <p:cNvSpPr>
+            <a:spLocks noGrp="1" noRot="1" noChangeAspect="1"/>
+          </p:cNvSpPr>
+          <p:nvPr>
+            <p:ph type="sldImg"/>
+          </p:nvPr>
+        </p:nvSpPr>
+        <p:spPr/>
+      </p:sp>
+      <p:sp>
+        <p:nvSpPr>
+          <p:cNvPr id="3" name="슬라이드 노트 개체 틀 2"/>
+          <p:cNvSpPr>
+            <a:spLocks noGrp="1"/>
+          </p:cNvSpPr>
+          <p:nvPr>
+            <p:ph type="body" idx="1"/>
+          </p:nvPr>
+        </p:nvSpPr>
+        <p:spPr/>
+        <p:txBody>
+          <a:bodyPr/>
+          <a:lstStyle/>
+          <a:p>
+            <a:endParaRPr lang="ko-KR" altLang="en-US" dirty="0"/>
+          </a:p>
+        </p:txBody>
+      </p:sp>
+      <p:sp>
+        <p:nvSpPr>
+          <p:cNvPr id="4" name="슬라이드 번호 개체 틀 3"/>
+          <p:cNvSpPr>
+            <a:spLocks noGrp="1"/>
+          </p:cNvSpPr>
+          <p:nvPr>
+            <p:ph type="sldNum" sz="quarter" idx="10"/>
+          </p:nvPr>
+        </p:nvSpPr>
+        <p:spPr/>
+        <p:txBody>
+          <a:bodyPr/>
+          <a:lstStyle/>
+          <a:p>
+            <a:fld id="{28B37C46-DA24-43C4-9DEC-08027D33738D}" type="slidenum">
+              <a:rPr lang="ko-KR" altLang="en-US" smtClean="0"/>
+              <a:t>32</a:t>
             </a:fld>
             <a:endParaRPr lang="ko-KR" altLang="en-US"/>
           </a:p>
@@ -1585,7 +1670,7 @@
           <a:p>
             <a:fld id="{28B37C46-DA24-43C4-9DEC-08027D33738D}" type="slidenum">
               <a:rPr lang="ko-KR" altLang="en-US" smtClean="0"/>
-              <a:t>20</a:t>
+              <a:t>19</a:t>
             </a:fld>
             <a:endParaRPr lang="ko-KR" altLang="en-US"/>
           </a:p>
@@ -1594,7 +1679,7 @@
     </p:spTree>
     <p:extLst>
       <p:ext uri="{BB962C8B-B14F-4D97-AF65-F5344CB8AC3E}">
-        <p14:creationId xmlns:p14="http://schemas.microsoft.com/office/powerpoint/2010/main" val="2618774282"/>
+        <p14:creationId xmlns:p14="http://schemas.microsoft.com/office/powerpoint/2010/main" val="3189516960"/>
       </p:ext>
     </p:extLst>
   </p:cSld>
@@ -1678,7 +1763,7 @@
     </p:spTree>
     <p:extLst>
       <p:ext uri="{BB962C8B-B14F-4D97-AF65-F5344CB8AC3E}">
-        <p14:creationId xmlns:p14="http://schemas.microsoft.com/office/powerpoint/2010/main" val="3425410778"/>
+        <p14:creationId xmlns:p14="http://schemas.microsoft.com/office/powerpoint/2010/main" val="2618774282"/>
       </p:ext>
     </p:extLst>
   </p:cSld>
@@ -1762,7 +1847,7 @@
     </p:spTree>
     <p:extLst>
       <p:ext uri="{BB962C8B-B14F-4D97-AF65-F5344CB8AC3E}">
-        <p14:creationId xmlns:p14="http://schemas.microsoft.com/office/powerpoint/2010/main" val="3827506291"/>
+        <p14:creationId xmlns:p14="http://schemas.microsoft.com/office/powerpoint/2010/main" val="3425410778"/>
       </p:ext>
     </p:extLst>
   </p:cSld>
@@ -1846,7 +1931,7 @@
     </p:spTree>
     <p:extLst>
       <p:ext uri="{BB962C8B-B14F-4D97-AF65-F5344CB8AC3E}">
-        <p14:creationId xmlns:p14="http://schemas.microsoft.com/office/powerpoint/2010/main" val="3084447431"/>
+        <p14:creationId xmlns:p14="http://schemas.microsoft.com/office/powerpoint/2010/main" val="3827506291"/>
       </p:ext>
     </p:extLst>
   </p:cSld>
@@ -1930,7 +2015,7 @@
     </p:spTree>
     <p:extLst>
       <p:ext uri="{BB962C8B-B14F-4D97-AF65-F5344CB8AC3E}">
-        <p14:creationId xmlns:p14="http://schemas.microsoft.com/office/powerpoint/2010/main" val="1123601507"/>
+        <p14:creationId xmlns:p14="http://schemas.microsoft.com/office/powerpoint/2010/main" val="3084447431"/>
       </p:ext>
     </p:extLst>
   </p:cSld>
@@ -8972,13 +9057,13 @@
         </p:nvPicPr>
         <p:blipFill rotWithShape="1">
           <a:blip r:embed="rId5"/>
-          <a:srcRect l="20684" t="37719" r="67576" b="59177"/>
+          <a:srcRect l="20684" t="37719" r="69360" b="59906"/>
           <a:stretch/>
         </p:blipFill>
         <p:spPr>
           <a:xfrm>
-            <a:off x="3404574" y="1532758"/>
-            <a:ext cx="4242572" cy="508091"/>
+            <a:off x="3404574" y="1532757"/>
+            <a:ext cx="3598110" cy="388639"/>
           </a:xfrm>
           <a:prstGeom prst="rect">
             <a:avLst/>
@@ -9033,8 +9118,8 @@
         </p:nvCxnSpPr>
         <p:spPr>
           <a:xfrm rot="5400000" flipH="1" flipV="1">
-            <a:off x="1906164" y="2192083"/>
-            <a:ext cx="1903689" cy="1093132"/>
+            <a:off x="1876299" y="2162220"/>
+            <a:ext cx="1963418" cy="1093132"/>
           </a:xfrm>
           <a:prstGeom prst="curvedConnector2">
             <a:avLst/>
@@ -9575,6 +9660,461 @@
           </a:p>
         </p:txBody>
       </p:sp>
+      <p:graphicFrame>
+        <p:nvGraphicFramePr>
+          <p:cNvPr id="3" name="표 2"/>
+          <p:cNvGraphicFramePr>
+            <a:graphicFrameLocks noGrp="1"/>
+          </p:cNvGraphicFramePr>
+          <p:nvPr>
+            <p:extLst>
+              <p:ext uri="{D42A27DB-BD31-4B8C-83A1-F6EECF244321}">
+                <p14:modId xmlns:p14="http://schemas.microsoft.com/office/powerpoint/2010/main" val="312518562"/>
+              </p:ext>
+            </p:extLst>
+          </p:nvPr>
+        </p:nvGraphicFramePr>
+        <p:xfrm>
+          <a:off x="8222436" y="1353737"/>
+          <a:ext cx="3340674" cy="736600"/>
+        </p:xfrm>
+        <a:graphic>
+          <a:graphicData uri="http://schemas.openxmlformats.org/drawingml/2006/table">
+            <a:tbl>
+              <a:tblPr firstRow="1" bandRow="1">
+                <a:tableStyleId>{5C22544A-7EE6-4342-B048-85BDC9FD1C3A}</a:tableStyleId>
+              </a:tblPr>
+              <a:tblGrid>
+                <a:gridCol w="1113558">
+                  <a:extLst>
+                    <a:ext uri="{9D8B030D-6E8A-4147-A177-3AD203B41FA5}">
+                      <a16:colId xmlns:a16="http://schemas.microsoft.com/office/drawing/2014/main" val="3495750884"/>
+                    </a:ext>
+                  </a:extLst>
+                </a:gridCol>
+                <a:gridCol w="1113558">
+                  <a:extLst>
+                    <a:ext uri="{9D8B030D-6E8A-4147-A177-3AD203B41FA5}">
+                      <a16:colId xmlns:a16="http://schemas.microsoft.com/office/drawing/2014/main" val="1627812997"/>
+                    </a:ext>
+                  </a:extLst>
+                </a:gridCol>
+                <a:gridCol w="1113558">
+                  <a:extLst>
+                    <a:ext uri="{9D8B030D-6E8A-4147-A177-3AD203B41FA5}">
+                      <a16:colId xmlns:a16="http://schemas.microsoft.com/office/drawing/2014/main" val="461743688"/>
+                    </a:ext>
+                  </a:extLst>
+                </a:gridCol>
+              </a:tblGrid>
+              <a:tr h="304579">
+                <a:tc>
+                  <a:txBody>
+                    <a:bodyPr/>
+                    <a:lstStyle/>
+                    <a:p>
+                      <a:pPr algn="ctr" latinLnBrk="1"/>
+                      <a:r>
+                        <a:rPr lang="ko-KR" altLang="en-US" dirty="0" smtClean="0">
+                          <a:solidFill>
+                            <a:schemeClr val="tx1"/>
+                          </a:solidFill>
+                        </a:rPr>
+                        <a:t>평균</a:t>
+                      </a:r>
+                      <a:endParaRPr lang="ko-KR" altLang="en-US" dirty="0">
+                        <a:solidFill>
+                          <a:schemeClr val="tx1"/>
+                        </a:solidFill>
+                      </a:endParaRPr>
+                    </a:p>
+                  </a:txBody>
+                  <a:tcPr>
+                    <a:lnL w="12700" cap="flat" cmpd="sng" algn="ctr">
+                      <a:solidFill>
+                        <a:schemeClr val="tx1"/>
+                      </a:solidFill>
+                      <a:prstDash val="solid"/>
+                      <a:round/>
+                      <a:headEnd type="none" w="med" len="med"/>
+                      <a:tailEnd type="none" w="med" len="med"/>
+                    </a:lnL>
+                    <a:lnR w="12700" cap="flat" cmpd="sng" algn="ctr">
+                      <a:solidFill>
+                        <a:schemeClr val="tx1"/>
+                      </a:solidFill>
+                      <a:prstDash val="solid"/>
+                      <a:round/>
+                      <a:headEnd type="none" w="med" len="med"/>
+                      <a:tailEnd type="none" w="med" len="med"/>
+                    </a:lnR>
+                    <a:lnT w="12700" cap="flat" cmpd="sng" algn="ctr">
+                      <a:solidFill>
+                        <a:schemeClr val="tx1"/>
+                      </a:solidFill>
+                      <a:prstDash val="solid"/>
+                      <a:round/>
+                      <a:headEnd type="none" w="med" len="med"/>
+                      <a:tailEnd type="none" w="med" len="med"/>
+                    </a:lnT>
+                    <a:lnB w="12700" cap="flat" cmpd="sng" algn="ctr">
+                      <a:solidFill>
+                        <a:schemeClr val="tx1"/>
+                      </a:solidFill>
+                      <a:prstDash val="solid"/>
+                      <a:round/>
+                      <a:headEnd type="none" w="med" len="med"/>
+                      <a:tailEnd type="none" w="med" len="med"/>
+                    </a:lnB>
+                    <a:noFill/>
+                  </a:tcPr>
+                </a:tc>
+                <a:tc>
+                  <a:txBody>
+                    <a:bodyPr/>
+                    <a:lstStyle/>
+                    <a:p>
+                      <a:pPr algn="ctr" latinLnBrk="1"/>
+                      <a:r>
+                        <a:rPr lang="ko-KR" altLang="en-US" dirty="0" smtClean="0">
+                          <a:solidFill>
+                            <a:schemeClr val="tx1"/>
+                          </a:solidFill>
+                        </a:rPr>
+                        <a:t>최소값</a:t>
+                      </a:r>
+                      <a:endParaRPr lang="ko-KR" altLang="en-US" dirty="0">
+                        <a:solidFill>
+                          <a:schemeClr val="tx1"/>
+                        </a:solidFill>
+                      </a:endParaRPr>
+                    </a:p>
+                  </a:txBody>
+                  <a:tcPr>
+                    <a:lnL w="12700" cap="flat" cmpd="sng" algn="ctr">
+                      <a:solidFill>
+                        <a:schemeClr val="tx1"/>
+                      </a:solidFill>
+                      <a:prstDash val="solid"/>
+                      <a:round/>
+                      <a:headEnd type="none" w="med" len="med"/>
+                      <a:tailEnd type="none" w="med" len="med"/>
+                    </a:lnL>
+                    <a:lnR w="12700" cap="flat" cmpd="sng" algn="ctr">
+                      <a:solidFill>
+                        <a:schemeClr val="tx1"/>
+                      </a:solidFill>
+                      <a:prstDash val="solid"/>
+                      <a:round/>
+                      <a:headEnd type="none" w="med" len="med"/>
+                      <a:tailEnd type="none" w="med" len="med"/>
+                    </a:lnR>
+                    <a:lnT w="12700" cap="flat" cmpd="sng" algn="ctr">
+                      <a:solidFill>
+                        <a:schemeClr val="tx1"/>
+                      </a:solidFill>
+                      <a:prstDash val="solid"/>
+                      <a:round/>
+                      <a:headEnd type="none" w="med" len="med"/>
+                      <a:tailEnd type="none" w="med" len="med"/>
+                    </a:lnT>
+                    <a:lnB w="12700" cap="flat" cmpd="sng" algn="ctr">
+                      <a:solidFill>
+                        <a:schemeClr val="tx1"/>
+                      </a:solidFill>
+                      <a:prstDash val="solid"/>
+                      <a:round/>
+                      <a:headEnd type="none" w="med" len="med"/>
+                      <a:tailEnd type="none" w="med" len="med"/>
+                    </a:lnB>
+                    <a:noFill/>
+                  </a:tcPr>
+                </a:tc>
+                <a:tc>
+                  <a:txBody>
+                    <a:bodyPr/>
+                    <a:lstStyle/>
+                    <a:p>
+                      <a:pPr algn="ctr" latinLnBrk="1"/>
+                      <a:r>
+                        <a:rPr lang="ko-KR" altLang="en-US" dirty="0" smtClean="0">
+                          <a:solidFill>
+                            <a:schemeClr val="tx1"/>
+                          </a:solidFill>
+                        </a:rPr>
+                        <a:t>최대값</a:t>
+                      </a:r>
+                      <a:endParaRPr lang="ko-KR" altLang="en-US" dirty="0">
+                        <a:solidFill>
+                          <a:schemeClr val="tx1"/>
+                        </a:solidFill>
+                      </a:endParaRPr>
+                    </a:p>
+                  </a:txBody>
+                  <a:tcPr>
+                    <a:lnL w="12700" cap="flat" cmpd="sng" algn="ctr">
+                      <a:solidFill>
+                        <a:schemeClr val="tx1"/>
+                      </a:solidFill>
+                      <a:prstDash val="solid"/>
+                      <a:round/>
+                      <a:headEnd type="none" w="med" len="med"/>
+                      <a:tailEnd type="none" w="med" len="med"/>
+                    </a:lnL>
+                    <a:lnR w="12700" cap="flat" cmpd="sng" algn="ctr">
+                      <a:solidFill>
+                        <a:schemeClr val="tx1"/>
+                      </a:solidFill>
+                      <a:prstDash val="solid"/>
+                      <a:round/>
+                      <a:headEnd type="none" w="med" len="med"/>
+                      <a:tailEnd type="none" w="med" len="med"/>
+                    </a:lnR>
+                    <a:lnT w="12700" cap="flat" cmpd="sng" algn="ctr">
+                      <a:solidFill>
+                        <a:schemeClr val="tx1"/>
+                      </a:solidFill>
+                      <a:prstDash val="solid"/>
+                      <a:round/>
+                      <a:headEnd type="none" w="med" len="med"/>
+                      <a:tailEnd type="none" w="med" len="med"/>
+                    </a:lnT>
+                    <a:lnB w="12700" cap="flat" cmpd="sng" algn="ctr">
+                      <a:solidFill>
+                        <a:schemeClr val="tx1"/>
+                      </a:solidFill>
+                      <a:prstDash val="solid"/>
+                      <a:round/>
+                      <a:headEnd type="none" w="med" len="med"/>
+                      <a:tailEnd type="none" w="med" len="med"/>
+                    </a:lnB>
+                    <a:noFill/>
+                  </a:tcPr>
+                </a:tc>
+                <a:extLst>
+                  <a:ext uri="{0D108BD9-81ED-4DB2-BD59-A6C34878D82A}">
+                    <a16:rowId xmlns:a16="http://schemas.microsoft.com/office/drawing/2014/main" val="2204616078"/>
+                  </a:ext>
+                </a:extLst>
+              </a:tr>
+              <a:tr h="370840">
+                <a:tc>
+                  <a:txBody>
+                    <a:bodyPr/>
+                    <a:lstStyle/>
+                    <a:p>
+                      <a:pPr algn="ctr" latinLnBrk="1"/>
+                      <a:r>
+                        <a:rPr lang="en-US" altLang="ko-KR" dirty="0" smtClean="0">
+                          <a:solidFill>
+                            <a:schemeClr val="tx1"/>
+                          </a:solidFill>
+                        </a:rPr>
+                        <a:t>28</a:t>
+                      </a:r>
+                      <a:r>
+                        <a:rPr lang="ko-KR" altLang="en-US" dirty="0" smtClean="0">
+                          <a:solidFill>
+                            <a:schemeClr val="tx1"/>
+                          </a:solidFill>
+                        </a:rPr>
+                        <a:t>세</a:t>
+                      </a:r>
+                      <a:endParaRPr lang="ko-KR" altLang="en-US" dirty="0">
+                        <a:solidFill>
+                          <a:schemeClr val="tx1"/>
+                        </a:solidFill>
+                      </a:endParaRPr>
+                    </a:p>
+                  </a:txBody>
+                  <a:tcPr>
+                    <a:lnL w="12700" cap="flat" cmpd="sng" algn="ctr">
+                      <a:solidFill>
+                        <a:schemeClr val="tx1"/>
+                      </a:solidFill>
+                      <a:prstDash val="solid"/>
+                      <a:round/>
+                      <a:headEnd type="none" w="med" len="med"/>
+                      <a:tailEnd type="none" w="med" len="med"/>
+                    </a:lnL>
+                    <a:lnR w="12700" cap="flat" cmpd="sng" algn="ctr">
+                      <a:solidFill>
+                        <a:schemeClr val="tx1"/>
+                      </a:solidFill>
+                      <a:prstDash val="solid"/>
+                      <a:round/>
+                      <a:headEnd type="none" w="med" len="med"/>
+                      <a:tailEnd type="none" w="med" len="med"/>
+                    </a:lnR>
+                    <a:lnT w="12700" cap="flat" cmpd="sng" algn="ctr">
+                      <a:solidFill>
+                        <a:schemeClr val="tx1"/>
+                      </a:solidFill>
+                      <a:prstDash val="solid"/>
+                      <a:round/>
+                      <a:headEnd type="none" w="med" len="med"/>
+                      <a:tailEnd type="none" w="med" len="med"/>
+                    </a:lnT>
+                    <a:lnB w="12700" cap="flat" cmpd="sng" algn="ctr">
+                      <a:solidFill>
+                        <a:schemeClr val="tx1"/>
+                      </a:solidFill>
+                      <a:prstDash val="solid"/>
+                      <a:round/>
+                      <a:headEnd type="none" w="med" len="med"/>
+                      <a:tailEnd type="none" w="med" len="med"/>
+                    </a:lnB>
+                    <a:noFill/>
+                  </a:tcPr>
+                </a:tc>
+                <a:tc>
+                  <a:txBody>
+                    <a:bodyPr/>
+                    <a:lstStyle/>
+                    <a:p>
+                      <a:pPr algn="ctr" latinLnBrk="1"/>
+                      <a:r>
+                        <a:rPr lang="en-US" altLang="ko-KR" dirty="0" smtClean="0">
+                          <a:solidFill>
+                            <a:schemeClr val="tx1"/>
+                          </a:solidFill>
+                        </a:rPr>
+                        <a:t>12</a:t>
+                      </a:r>
+                      <a:r>
+                        <a:rPr lang="ko-KR" altLang="en-US" dirty="0" smtClean="0">
+                          <a:solidFill>
+                            <a:schemeClr val="tx1"/>
+                          </a:solidFill>
+                        </a:rPr>
+                        <a:t>세</a:t>
+                      </a:r>
+                      <a:endParaRPr lang="ko-KR" altLang="en-US" dirty="0">
+                        <a:solidFill>
+                          <a:schemeClr val="tx1"/>
+                        </a:solidFill>
+                      </a:endParaRPr>
+                    </a:p>
+                  </a:txBody>
+                  <a:tcPr>
+                    <a:lnL w="12700" cap="flat" cmpd="sng" algn="ctr">
+                      <a:solidFill>
+                        <a:schemeClr val="tx1"/>
+                      </a:solidFill>
+                      <a:prstDash val="solid"/>
+                      <a:round/>
+                      <a:headEnd type="none" w="med" len="med"/>
+                      <a:tailEnd type="none" w="med" len="med"/>
+                    </a:lnL>
+                    <a:lnR w="12700" cap="flat" cmpd="sng" algn="ctr">
+                      <a:solidFill>
+                        <a:schemeClr val="tx1"/>
+                      </a:solidFill>
+                      <a:prstDash val="solid"/>
+                      <a:round/>
+                      <a:headEnd type="none" w="med" len="med"/>
+                      <a:tailEnd type="none" w="med" len="med"/>
+                    </a:lnR>
+                    <a:lnT w="12700" cap="flat" cmpd="sng" algn="ctr">
+                      <a:solidFill>
+                        <a:schemeClr val="tx1"/>
+                      </a:solidFill>
+                      <a:prstDash val="solid"/>
+                      <a:round/>
+                      <a:headEnd type="none" w="med" len="med"/>
+                      <a:tailEnd type="none" w="med" len="med"/>
+                    </a:lnT>
+                    <a:lnB w="12700" cap="flat" cmpd="sng" algn="ctr">
+                      <a:solidFill>
+                        <a:schemeClr val="tx1"/>
+                      </a:solidFill>
+                      <a:prstDash val="solid"/>
+                      <a:round/>
+                      <a:headEnd type="none" w="med" len="med"/>
+                      <a:tailEnd type="none" w="med" len="med"/>
+                    </a:lnB>
+                    <a:noFill/>
+                  </a:tcPr>
+                </a:tc>
+                <a:tc>
+                  <a:txBody>
+                    <a:bodyPr/>
+                    <a:lstStyle/>
+                    <a:p>
+                      <a:pPr algn="ctr" latinLnBrk="1"/>
+                      <a:r>
+                        <a:rPr lang="en-US" altLang="ko-KR" dirty="0" smtClean="0">
+                          <a:solidFill>
+                            <a:schemeClr val="tx1"/>
+                          </a:solidFill>
+                        </a:rPr>
+                        <a:t>68</a:t>
+                      </a:r>
+                      <a:r>
+                        <a:rPr lang="ko-KR" altLang="en-US" dirty="0" smtClean="0">
+                          <a:solidFill>
+                            <a:schemeClr val="tx1"/>
+                          </a:solidFill>
+                        </a:rPr>
+                        <a:t>세</a:t>
+                      </a:r>
+                      <a:endParaRPr lang="ko-KR" altLang="en-US" dirty="0">
+                        <a:solidFill>
+                          <a:schemeClr val="tx1"/>
+                        </a:solidFill>
+                      </a:endParaRPr>
+                    </a:p>
+                  </a:txBody>
+                  <a:tcPr>
+                    <a:lnL w="12700" cap="flat" cmpd="sng" algn="ctr">
+                      <a:solidFill>
+                        <a:schemeClr val="tx1"/>
+                      </a:solidFill>
+                      <a:prstDash val="solid"/>
+                      <a:round/>
+                      <a:headEnd type="none" w="med" len="med"/>
+                      <a:tailEnd type="none" w="med" len="med"/>
+                    </a:lnL>
+                    <a:lnR w="12700" cap="flat" cmpd="sng" algn="ctr">
+                      <a:solidFill>
+                        <a:schemeClr val="tx1"/>
+                      </a:solidFill>
+                      <a:prstDash val="solid"/>
+                      <a:round/>
+                      <a:headEnd type="none" w="med" len="med"/>
+                      <a:tailEnd type="none" w="med" len="med"/>
+                    </a:lnR>
+                    <a:lnT w="12700" cap="flat" cmpd="sng" algn="ctr">
+                      <a:solidFill>
+                        <a:schemeClr val="tx1"/>
+                      </a:solidFill>
+                      <a:prstDash val="solid"/>
+                      <a:round/>
+                      <a:headEnd type="none" w="med" len="med"/>
+                      <a:tailEnd type="none" w="med" len="med"/>
+                    </a:lnT>
+                    <a:lnB w="12700" cap="flat" cmpd="sng" algn="ctr">
+                      <a:solidFill>
+                        <a:schemeClr val="tx1"/>
+                      </a:solidFill>
+                      <a:prstDash val="solid"/>
+                      <a:round/>
+                      <a:headEnd type="none" w="med" len="med"/>
+                      <a:tailEnd type="none" w="med" len="med"/>
+                    </a:lnB>
+                    <a:noFill/>
+                  </a:tcPr>
+                </a:tc>
+                <a:extLst>
+                  <a:ext uri="{0D108BD9-81ED-4DB2-BD59-A6C34878D82A}">
+                    <a16:rowId xmlns:a16="http://schemas.microsoft.com/office/drawing/2014/main" val="1467737596"/>
+                  </a:ext>
+                </a:extLst>
+              </a:tr>
+            </a:tbl>
+          </a:graphicData>
+        </a:graphic>
+      </p:graphicFrame>
     </p:spTree>
     <p:extLst>
       <p:ext uri="{BB962C8B-B14F-4D97-AF65-F5344CB8AC3E}">
@@ -10117,13 +10657,13 @@
         </p:nvPicPr>
         <p:blipFill rotWithShape="1">
           <a:blip r:embed="rId5"/>
-          <a:srcRect l="32396" t="37775" r="46043" b="59743"/>
+          <a:srcRect l="32396" t="37775" r="57347" b="60130"/>
           <a:stretch/>
         </p:blipFill>
         <p:spPr>
           <a:xfrm>
             <a:off x="3577629" y="1513333"/>
-            <a:ext cx="6907544" cy="360000"/>
+            <a:ext cx="3286158" cy="303892"/>
           </a:xfrm>
           <a:prstGeom prst="rect">
             <a:avLst/>
@@ -10652,6 +11192,56 @@
               </a:rPr>
               <a:t>샤워 온도</a:t>
             </a:r>
+          </a:p>
+        </p:txBody>
+      </p:sp>
+      <p:sp>
+        <p:nvSpPr>
+          <p:cNvPr id="3" name="TextBox 2"/>
+          <p:cNvSpPr txBox="1"/>
+          <p:nvPr/>
+        </p:nvSpPr>
+        <p:spPr>
+          <a:xfrm>
+            <a:off x="8070136" y="1417115"/>
+            <a:ext cx="3477234" cy="400110"/>
+          </a:xfrm>
+          <a:prstGeom prst="rect">
+            <a:avLst/>
+          </a:prstGeom>
+          <a:noFill/>
+        </p:spPr>
+        <p:txBody>
+          <a:bodyPr wrap="none" rtlCol="0">
+            <a:spAutoFit/>
+          </a:bodyPr>
+          <a:lstStyle/>
+          <a:p>
+            <a:r>
+              <a:rPr lang="ko-KR" altLang="en-US" sz="2000" b="1" dirty="0" smtClean="0"/>
+              <a:t>따뜻함</a:t>
+            </a:r>
+            <a:r>
+              <a:rPr lang="ko-KR" altLang="en-US" sz="2000" b="1" dirty="0" smtClean="0"/>
+              <a:t> </a:t>
+            </a:r>
+            <a:r>
+              <a:rPr lang="en-US" altLang="ko-KR" sz="2000" b="1" dirty="0" smtClean="0"/>
+              <a:t>&gt; </a:t>
+            </a:r>
+            <a:r>
+              <a:rPr lang="ko-KR" altLang="en-US" sz="2000" b="1" dirty="0" smtClean="0"/>
+              <a:t>시원함 </a:t>
+            </a:r>
+            <a:r>
+              <a:rPr lang="en-US" altLang="ko-KR" sz="2000" b="1" dirty="0" smtClean="0"/>
+              <a:t>&gt; </a:t>
+            </a:r>
+            <a:r>
+              <a:rPr lang="ko-KR" altLang="en-US" sz="2000" b="1" dirty="0" smtClean="0"/>
+              <a:t>미지근함</a:t>
+            </a:r>
+            <a:endParaRPr lang="ko-KR" altLang="en-US" sz="2000" b="1" dirty="0"/>
           </a:p>
         </p:txBody>
       </p:sp>
@@ -11709,6 +12299,461 @@
           </a:p>
         </p:txBody>
       </p:sp>
+      <p:graphicFrame>
+        <p:nvGraphicFramePr>
+          <p:cNvPr id="25" name="표 24"/>
+          <p:cNvGraphicFramePr>
+            <a:graphicFrameLocks noGrp="1"/>
+          </p:cNvGraphicFramePr>
+          <p:nvPr>
+            <p:extLst>
+              <p:ext uri="{D42A27DB-BD31-4B8C-83A1-F6EECF244321}">
+                <p14:modId xmlns:p14="http://schemas.microsoft.com/office/powerpoint/2010/main" val="354256770"/>
+              </p:ext>
+            </p:extLst>
+          </p:nvPr>
+        </p:nvGraphicFramePr>
+        <p:xfrm>
+          <a:off x="8222436" y="1353737"/>
+          <a:ext cx="3340674" cy="736600"/>
+        </p:xfrm>
+        <a:graphic>
+          <a:graphicData uri="http://schemas.openxmlformats.org/drawingml/2006/table">
+            <a:tbl>
+              <a:tblPr firstRow="1" bandRow="1">
+                <a:tableStyleId>{5C22544A-7EE6-4342-B048-85BDC9FD1C3A}</a:tableStyleId>
+              </a:tblPr>
+              <a:tblGrid>
+                <a:gridCol w="1113558">
+                  <a:extLst>
+                    <a:ext uri="{9D8B030D-6E8A-4147-A177-3AD203B41FA5}">
+                      <a16:colId xmlns:a16="http://schemas.microsoft.com/office/drawing/2014/main" val="3495750884"/>
+                    </a:ext>
+                  </a:extLst>
+                </a:gridCol>
+                <a:gridCol w="1113558">
+                  <a:extLst>
+                    <a:ext uri="{9D8B030D-6E8A-4147-A177-3AD203B41FA5}">
+                      <a16:colId xmlns:a16="http://schemas.microsoft.com/office/drawing/2014/main" val="1627812997"/>
+                    </a:ext>
+                  </a:extLst>
+                </a:gridCol>
+                <a:gridCol w="1113558">
+                  <a:extLst>
+                    <a:ext uri="{9D8B030D-6E8A-4147-A177-3AD203B41FA5}">
+                      <a16:colId xmlns:a16="http://schemas.microsoft.com/office/drawing/2014/main" val="461743688"/>
+                    </a:ext>
+                  </a:extLst>
+                </a:gridCol>
+              </a:tblGrid>
+              <a:tr h="304579">
+                <a:tc>
+                  <a:txBody>
+                    <a:bodyPr/>
+                    <a:lstStyle/>
+                    <a:p>
+                      <a:pPr algn="ctr" latinLnBrk="1"/>
+                      <a:r>
+                        <a:rPr lang="ko-KR" altLang="en-US" dirty="0" smtClean="0">
+                          <a:solidFill>
+                            <a:schemeClr val="tx1"/>
+                          </a:solidFill>
+                        </a:rPr>
+                        <a:t>평균</a:t>
+                      </a:r>
+                      <a:endParaRPr lang="ko-KR" altLang="en-US" dirty="0">
+                        <a:solidFill>
+                          <a:schemeClr val="tx1"/>
+                        </a:solidFill>
+                      </a:endParaRPr>
+                    </a:p>
+                  </a:txBody>
+                  <a:tcPr>
+                    <a:lnL w="12700" cap="flat" cmpd="sng" algn="ctr">
+                      <a:solidFill>
+                        <a:schemeClr val="tx1"/>
+                      </a:solidFill>
+                      <a:prstDash val="solid"/>
+                      <a:round/>
+                      <a:headEnd type="none" w="med" len="med"/>
+                      <a:tailEnd type="none" w="med" len="med"/>
+                    </a:lnL>
+                    <a:lnR w="12700" cap="flat" cmpd="sng" algn="ctr">
+                      <a:solidFill>
+                        <a:schemeClr val="tx1"/>
+                      </a:solidFill>
+                      <a:prstDash val="solid"/>
+                      <a:round/>
+                      <a:headEnd type="none" w="med" len="med"/>
+                      <a:tailEnd type="none" w="med" len="med"/>
+                    </a:lnR>
+                    <a:lnT w="12700" cap="flat" cmpd="sng" algn="ctr">
+                      <a:solidFill>
+                        <a:schemeClr val="tx1"/>
+                      </a:solidFill>
+                      <a:prstDash val="solid"/>
+                      <a:round/>
+                      <a:headEnd type="none" w="med" len="med"/>
+                      <a:tailEnd type="none" w="med" len="med"/>
+                    </a:lnT>
+                    <a:lnB w="12700" cap="flat" cmpd="sng" algn="ctr">
+                      <a:solidFill>
+                        <a:schemeClr val="tx1"/>
+                      </a:solidFill>
+                      <a:prstDash val="solid"/>
+                      <a:round/>
+                      <a:headEnd type="none" w="med" len="med"/>
+                      <a:tailEnd type="none" w="med" len="med"/>
+                    </a:lnB>
+                    <a:noFill/>
+                  </a:tcPr>
+                </a:tc>
+                <a:tc>
+                  <a:txBody>
+                    <a:bodyPr/>
+                    <a:lstStyle/>
+                    <a:p>
+                      <a:pPr algn="ctr" latinLnBrk="1"/>
+                      <a:r>
+                        <a:rPr lang="ko-KR" altLang="en-US" dirty="0" smtClean="0">
+                          <a:solidFill>
+                            <a:schemeClr val="tx1"/>
+                          </a:solidFill>
+                        </a:rPr>
+                        <a:t>최소값</a:t>
+                      </a:r>
+                      <a:endParaRPr lang="ko-KR" altLang="en-US" dirty="0">
+                        <a:solidFill>
+                          <a:schemeClr val="tx1"/>
+                        </a:solidFill>
+                      </a:endParaRPr>
+                    </a:p>
+                  </a:txBody>
+                  <a:tcPr>
+                    <a:lnL w="12700" cap="flat" cmpd="sng" algn="ctr">
+                      <a:solidFill>
+                        <a:schemeClr val="tx1"/>
+                      </a:solidFill>
+                      <a:prstDash val="solid"/>
+                      <a:round/>
+                      <a:headEnd type="none" w="med" len="med"/>
+                      <a:tailEnd type="none" w="med" len="med"/>
+                    </a:lnL>
+                    <a:lnR w="12700" cap="flat" cmpd="sng" algn="ctr">
+                      <a:solidFill>
+                        <a:schemeClr val="tx1"/>
+                      </a:solidFill>
+                      <a:prstDash val="solid"/>
+                      <a:round/>
+                      <a:headEnd type="none" w="med" len="med"/>
+                      <a:tailEnd type="none" w="med" len="med"/>
+                    </a:lnR>
+                    <a:lnT w="12700" cap="flat" cmpd="sng" algn="ctr">
+                      <a:solidFill>
+                        <a:schemeClr val="tx1"/>
+                      </a:solidFill>
+                      <a:prstDash val="solid"/>
+                      <a:round/>
+                      <a:headEnd type="none" w="med" len="med"/>
+                      <a:tailEnd type="none" w="med" len="med"/>
+                    </a:lnT>
+                    <a:lnB w="12700" cap="flat" cmpd="sng" algn="ctr">
+                      <a:solidFill>
+                        <a:schemeClr val="tx1"/>
+                      </a:solidFill>
+                      <a:prstDash val="solid"/>
+                      <a:round/>
+                      <a:headEnd type="none" w="med" len="med"/>
+                      <a:tailEnd type="none" w="med" len="med"/>
+                    </a:lnB>
+                    <a:noFill/>
+                  </a:tcPr>
+                </a:tc>
+                <a:tc>
+                  <a:txBody>
+                    <a:bodyPr/>
+                    <a:lstStyle/>
+                    <a:p>
+                      <a:pPr algn="ctr" latinLnBrk="1"/>
+                      <a:r>
+                        <a:rPr lang="ko-KR" altLang="en-US" dirty="0" smtClean="0">
+                          <a:solidFill>
+                            <a:schemeClr val="tx1"/>
+                          </a:solidFill>
+                        </a:rPr>
+                        <a:t>최대값</a:t>
+                      </a:r>
+                      <a:endParaRPr lang="ko-KR" altLang="en-US" dirty="0">
+                        <a:solidFill>
+                          <a:schemeClr val="tx1"/>
+                        </a:solidFill>
+                      </a:endParaRPr>
+                    </a:p>
+                  </a:txBody>
+                  <a:tcPr>
+                    <a:lnL w="12700" cap="flat" cmpd="sng" algn="ctr">
+                      <a:solidFill>
+                        <a:schemeClr val="tx1"/>
+                      </a:solidFill>
+                      <a:prstDash val="solid"/>
+                      <a:round/>
+                      <a:headEnd type="none" w="med" len="med"/>
+                      <a:tailEnd type="none" w="med" len="med"/>
+                    </a:lnL>
+                    <a:lnR w="12700" cap="flat" cmpd="sng" algn="ctr">
+                      <a:solidFill>
+                        <a:schemeClr val="tx1"/>
+                      </a:solidFill>
+                      <a:prstDash val="solid"/>
+                      <a:round/>
+                      <a:headEnd type="none" w="med" len="med"/>
+                      <a:tailEnd type="none" w="med" len="med"/>
+                    </a:lnR>
+                    <a:lnT w="12700" cap="flat" cmpd="sng" algn="ctr">
+                      <a:solidFill>
+                        <a:schemeClr val="tx1"/>
+                      </a:solidFill>
+                      <a:prstDash val="solid"/>
+                      <a:round/>
+                      <a:headEnd type="none" w="med" len="med"/>
+                      <a:tailEnd type="none" w="med" len="med"/>
+                    </a:lnT>
+                    <a:lnB w="12700" cap="flat" cmpd="sng" algn="ctr">
+                      <a:solidFill>
+                        <a:schemeClr val="tx1"/>
+                      </a:solidFill>
+                      <a:prstDash val="solid"/>
+                      <a:round/>
+                      <a:headEnd type="none" w="med" len="med"/>
+                      <a:tailEnd type="none" w="med" len="med"/>
+                    </a:lnB>
+                    <a:noFill/>
+                  </a:tcPr>
+                </a:tc>
+                <a:extLst>
+                  <a:ext uri="{0D108BD9-81ED-4DB2-BD59-A6C34878D82A}">
+                    <a16:rowId xmlns:a16="http://schemas.microsoft.com/office/drawing/2014/main" val="2204616078"/>
+                  </a:ext>
+                </a:extLst>
+              </a:tr>
+              <a:tr h="370840">
+                <a:tc>
+                  <a:txBody>
+                    <a:bodyPr/>
+                    <a:lstStyle/>
+                    <a:p>
+                      <a:pPr algn="ctr" latinLnBrk="1"/>
+                      <a:r>
+                        <a:rPr lang="en-US" altLang="ko-KR" dirty="0" smtClean="0">
+                          <a:solidFill>
+                            <a:schemeClr val="tx1"/>
+                          </a:solidFill>
+                        </a:rPr>
+                        <a:t>16</a:t>
+                      </a:r>
+                      <a:r>
+                        <a:rPr lang="ko-KR" altLang="en-US" dirty="0" smtClean="0">
+                          <a:solidFill>
+                            <a:schemeClr val="tx1"/>
+                          </a:solidFill>
+                        </a:rPr>
+                        <a:t>시</a:t>
+                      </a:r>
+                      <a:endParaRPr lang="ko-KR" altLang="en-US" dirty="0">
+                        <a:solidFill>
+                          <a:schemeClr val="tx1"/>
+                        </a:solidFill>
+                      </a:endParaRPr>
+                    </a:p>
+                  </a:txBody>
+                  <a:tcPr>
+                    <a:lnL w="12700" cap="flat" cmpd="sng" algn="ctr">
+                      <a:solidFill>
+                        <a:schemeClr val="tx1"/>
+                      </a:solidFill>
+                      <a:prstDash val="solid"/>
+                      <a:round/>
+                      <a:headEnd type="none" w="med" len="med"/>
+                      <a:tailEnd type="none" w="med" len="med"/>
+                    </a:lnL>
+                    <a:lnR w="12700" cap="flat" cmpd="sng" algn="ctr">
+                      <a:solidFill>
+                        <a:schemeClr val="tx1"/>
+                      </a:solidFill>
+                      <a:prstDash val="solid"/>
+                      <a:round/>
+                      <a:headEnd type="none" w="med" len="med"/>
+                      <a:tailEnd type="none" w="med" len="med"/>
+                    </a:lnR>
+                    <a:lnT w="12700" cap="flat" cmpd="sng" algn="ctr">
+                      <a:solidFill>
+                        <a:schemeClr val="tx1"/>
+                      </a:solidFill>
+                      <a:prstDash val="solid"/>
+                      <a:round/>
+                      <a:headEnd type="none" w="med" len="med"/>
+                      <a:tailEnd type="none" w="med" len="med"/>
+                    </a:lnT>
+                    <a:lnB w="12700" cap="flat" cmpd="sng" algn="ctr">
+                      <a:solidFill>
+                        <a:schemeClr val="tx1"/>
+                      </a:solidFill>
+                      <a:prstDash val="solid"/>
+                      <a:round/>
+                      <a:headEnd type="none" w="med" len="med"/>
+                      <a:tailEnd type="none" w="med" len="med"/>
+                    </a:lnB>
+                    <a:noFill/>
+                  </a:tcPr>
+                </a:tc>
+                <a:tc>
+                  <a:txBody>
+                    <a:bodyPr/>
+                    <a:lstStyle/>
+                    <a:p>
+                      <a:pPr algn="ctr" latinLnBrk="1"/>
+                      <a:r>
+                        <a:rPr lang="en-US" altLang="ko-KR" dirty="0" smtClean="0">
+                          <a:solidFill>
+                            <a:schemeClr val="tx1"/>
+                          </a:solidFill>
+                        </a:rPr>
+                        <a:t>5</a:t>
+                      </a:r>
+                      <a:r>
+                        <a:rPr lang="ko-KR" altLang="en-US" dirty="0" smtClean="0">
+                          <a:solidFill>
+                            <a:schemeClr val="tx1"/>
+                          </a:solidFill>
+                        </a:rPr>
+                        <a:t>시</a:t>
+                      </a:r>
+                      <a:endParaRPr lang="ko-KR" altLang="en-US" dirty="0">
+                        <a:solidFill>
+                          <a:schemeClr val="tx1"/>
+                        </a:solidFill>
+                      </a:endParaRPr>
+                    </a:p>
+                  </a:txBody>
+                  <a:tcPr>
+                    <a:lnL w="12700" cap="flat" cmpd="sng" algn="ctr">
+                      <a:solidFill>
+                        <a:schemeClr val="tx1"/>
+                      </a:solidFill>
+                      <a:prstDash val="solid"/>
+                      <a:round/>
+                      <a:headEnd type="none" w="med" len="med"/>
+                      <a:tailEnd type="none" w="med" len="med"/>
+                    </a:lnL>
+                    <a:lnR w="12700" cap="flat" cmpd="sng" algn="ctr">
+                      <a:solidFill>
+                        <a:schemeClr val="tx1"/>
+                      </a:solidFill>
+                      <a:prstDash val="solid"/>
+                      <a:round/>
+                      <a:headEnd type="none" w="med" len="med"/>
+                      <a:tailEnd type="none" w="med" len="med"/>
+                    </a:lnR>
+                    <a:lnT w="12700" cap="flat" cmpd="sng" algn="ctr">
+                      <a:solidFill>
+                        <a:schemeClr val="tx1"/>
+                      </a:solidFill>
+                      <a:prstDash val="solid"/>
+                      <a:round/>
+                      <a:headEnd type="none" w="med" len="med"/>
+                      <a:tailEnd type="none" w="med" len="med"/>
+                    </a:lnT>
+                    <a:lnB w="12700" cap="flat" cmpd="sng" algn="ctr">
+                      <a:solidFill>
+                        <a:schemeClr val="tx1"/>
+                      </a:solidFill>
+                      <a:prstDash val="solid"/>
+                      <a:round/>
+                      <a:headEnd type="none" w="med" len="med"/>
+                      <a:tailEnd type="none" w="med" len="med"/>
+                    </a:lnB>
+                    <a:noFill/>
+                  </a:tcPr>
+                </a:tc>
+                <a:tc>
+                  <a:txBody>
+                    <a:bodyPr/>
+                    <a:lstStyle/>
+                    <a:p>
+                      <a:pPr algn="ctr" latinLnBrk="1"/>
+                      <a:r>
+                        <a:rPr lang="en-US" altLang="ko-KR" dirty="0" smtClean="0">
+                          <a:solidFill>
+                            <a:schemeClr val="tx1"/>
+                          </a:solidFill>
+                        </a:rPr>
+                        <a:t>23</a:t>
+                      </a:r>
+                      <a:r>
+                        <a:rPr lang="ko-KR" altLang="en-US" dirty="0" smtClean="0">
+                          <a:solidFill>
+                            <a:schemeClr val="tx1"/>
+                          </a:solidFill>
+                        </a:rPr>
+                        <a:t>시</a:t>
+                      </a:r>
+                      <a:endParaRPr lang="ko-KR" altLang="en-US" dirty="0">
+                        <a:solidFill>
+                          <a:schemeClr val="tx1"/>
+                        </a:solidFill>
+                      </a:endParaRPr>
+                    </a:p>
+                  </a:txBody>
+                  <a:tcPr>
+                    <a:lnL w="12700" cap="flat" cmpd="sng" algn="ctr">
+                      <a:solidFill>
+                        <a:schemeClr val="tx1"/>
+                      </a:solidFill>
+                      <a:prstDash val="solid"/>
+                      <a:round/>
+                      <a:headEnd type="none" w="med" len="med"/>
+                      <a:tailEnd type="none" w="med" len="med"/>
+                    </a:lnL>
+                    <a:lnR w="12700" cap="flat" cmpd="sng" algn="ctr">
+                      <a:solidFill>
+                        <a:schemeClr val="tx1"/>
+                      </a:solidFill>
+                      <a:prstDash val="solid"/>
+                      <a:round/>
+                      <a:headEnd type="none" w="med" len="med"/>
+                      <a:tailEnd type="none" w="med" len="med"/>
+                    </a:lnR>
+                    <a:lnT w="12700" cap="flat" cmpd="sng" algn="ctr">
+                      <a:solidFill>
+                        <a:schemeClr val="tx1"/>
+                      </a:solidFill>
+                      <a:prstDash val="solid"/>
+                      <a:round/>
+                      <a:headEnd type="none" w="med" len="med"/>
+                      <a:tailEnd type="none" w="med" len="med"/>
+                    </a:lnT>
+                    <a:lnB w="12700" cap="flat" cmpd="sng" algn="ctr">
+                      <a:solidFill>
+                        <a:schemeClr val="tx1"/>
+                      </a:solidFill>
+                      <a:prstDash val="solid"/>
+                      <a:round/>
+                      <a:headEnd type="none" w="med" len="med"/>
+                      <a:tailEnd type="none" w="med" len="med"/>
+                    </a:lnB>
+                    <a:noFill/>
+                  </a:tcPr>
+                </a:tc>
+                <a:extLst>
+                  <a:ext uri="{0D108BD9-81ED-4DB2-BD59-A6C34878D82A}">
+                    <a16:rowId xmlns:a16="http://schemas.microsoft.com/office/drawing/2014/main" val="1467737596"/>
+                  </a:ext>
+                </a:extLst>
+              </a:tr>
+            </a:tbl>
+          </a:graphicData>
+        </a:graphic>
+      </p:graphicFrame>
     </p:spTree>
     <p:extLst>
       <p:ext uri="{BB962C8B-B14F-4D97-AF65-F5344CB8AC3E}">
@@ -12736,6 +13781,461 @@
           </a:p>
         </p:txBody>
       </p:sp>
+      <p:graphicFrame>
+        <p:nvGraphicFramePr>
+          <p:cNvPr id="25" name="표 24"/>
+          <p:cNvGraphicFramePr>
+            <a:graphicFrameLocks noGrp="1"/>
+          </p:cNvGraphicFramePr>
+          <p:nvPr>
+            <p:extLst>
+              <p:ext uri="{D42A27DB-BD31-4B8C-83A1-F6EECF244321}">
+                <p14:modId xmlns:p14="http://schemas.microsoft.com/office/powerpoint/2010/main" val="3646452562"/>
+              </p:ext>
+            </p:extLst>
+          </p:nvPr>
+        </p:nvGraphicFramePr>
+        <p:xfrm>
+          <a:off x="8222436" y="1353737"/>
+          <a:ext cx="3340674" cy="736600"/>
+        </p:xfrm>
+        <a:graphic>
+          <a:graphicData uri="http://schemas.openxmlformats.org/drawingml/2006/table">
+            <a:tbl>
+              <a:tblPr firstRow="1" bandRow="1">
+                <a:tableStyleId>{5C22544A-7EE6-4342-B048-85BDC9FD1C3A}</a:tableStyleId>
+              </a:tblPr>
+              <a:tblGrid>
+                <a:gridCol w="1113558">
+                  <a:extLst>
+                    <a:ext uri="{9D8B030D-6E8A-4147-A177-3AD203B41FA5}">
+                      <a16:colId xmlns:a16="http://schemas.microsoft.com/office/drawing/2014/main" val="3495750884"/>
+                    </a:ext>
+                  </a:extLst>
+                </a:gridCol>
+                <a:gridCol w="1113558">
+                  <a:extLst>
+                    <a:ext uri="{9D8B030D-6E8A-4147-A177-3AD203B41FA5}">
+                      <a16:colId xmlns:a16="http://schemas.microsoft.com/office/drawing/2014/main" val="1627812997"/>
+                    </a:ext>
+                  </a:extLst>
+                </a:gridCol>
+                <a:gridCol w="1113558">
+                  <a:extLst>
+                    <a:ext uri="{9D8B030D-6E8A-4147-A177-3AD203B41FA5}">
+                      <a16:colId xmlns:a16="http://schemas.microsoft.com/office/drawing/2014/main" val="461743688"/>
+                    </a:ext>
+                  </a:extLst>
+                </a:gridCol>
+              </a:tblGrid>
+              <a:tr h="304579">
+                <a:tc>
+                  <a:txBody>
+                    <a:bodyPr/>
+                    <a:lstStyle/>
+                    <a:p>
+                      <a:pPr algn="ctr" latinLnBrk="1"/>
+                      <a:r>
+                        <a:rPr lang="ko-KR" altLang="en-US" dirty="0" smtClean="0">
+                          <a:solidFill>
+                            <a:schemeClr val="tx1"/>
+                          </a:solidFill>
+                        </a:rPr>
+                        <a:t>평균</a:t>
+                      </a:r>
+                      <a:endParaRPr lang="ko-KR" altLang="en-US" dirty="0">
+                        <a:solidFill>
+                          <a:schemeClr val="tx1"/>
+                        </a:solidFill>
+                      </a:endParaRPr>
+                    </a:p>
+                  </a:txBody>
+                  <a:tcPr>
+                    <a:lnL w="12700" cap="flat" cmpd="sng" algn="ctr">
+                      <a:solidFill>
+                        <a:schemeClr val="tx1"/>
+                      </a:solidFill>
+                      <a:prstDash val="solid"/>
+                      <a:round/>
+                      <a:headEnd type="none" w="med" len="med"/>
+                      <a:tailEnd type="none" w="med" len="med"/>
+                    </a:lnL>
+                    <a:lnR w="12700" cap="flat" cmpd="sng" algn="ctr">
+                      <a:solidFill>
+                        <a:schemeClr val="tx1"/>
+                      </a:solidFill>
+                      <a:prstDash val="solid"/>
+                      <a:round/>
+                      <a:headEnd type="none" w="med" len="med"/>
+                      <a:tailEnd type="none" w="med" len="med"/>
+                    </a:lnR>
+                    <a:lnT w="12700" cap="flat" cmpd="sng" algn="ctr">
+                      <a:solidFill>
+                        <a:schemeClr val="tx1"/>
+                      </a:solidFill>
+                      <a:prstDash val="solid"/>
+                      <a:round/>
+                      <a:headEnd type="none" w="med" len="med"/>
+                      <a:tailEnd type="none" w="med" len="med"/>
+                    </a:lnT>
+                    <a:lnB w="12700" cap="flat" cmpd="sng" algn="ctr">
+                      <a:solidFill>
+                        <a:schemeClr val="tx1"/>
+                      </a:solidFill>
+                      <a:prstDash val="solid"/>
+                      <a:round/>
+                      <a:headEnd type="none" w="med" len="med"/>
+                      <a:tailEnd type="none" w="med" len="med"/>
+                    </a:lnB>
+                    <a:noFill/>
+                  </a:tcPr>
+                </a:tc>
+                <a:tc>
+                  <a:txBody>
+                    <a:bodyPr/>
+                    <a:lstStyle/>
+                    <a:p>
+                      <a:pPr algn="ctr" latinLnBrk="1"/>
+                      <a:r>
+                        <a:rPr lang="ko-KR" altLang="en-US" dirty="0" smtClean="0">
+                          <a:solidFill>
+                            <a:schemeClr val="tx1"/>
+                          </a:solidFill>
+                        </a:rPr>
+                        <a:t>최소값</a:t>
+                      </a:r>
+                      <a:endParaRPr lang="ko-KR" altLang="en-US" dirty="0">
+                        <a:solidFill>
+                          <a:schemeClr val="tx1"/>
+                        </a:solidFill>
+                      </a:endParaRPr>
+                    </a:p>
+                  </a:txBody>
+                  <a:tcPr>
+                    <a:lnL w="12700" cap="flat" cmpd="sng" algn="ctr">
+                      <a:solidFill>
+                        <a:schemeClr val="tx1"/>
+                      </a:solidFill>
+                      <a:prstDash val="solid"/>
+                      <a:round/>
+                      <a:headEnd type="none" w="med" len="med"/>
+                      <a:tailEnd type="none" w="med" len="med"/>
+                    </a:lnL>
+                    <a:lnR w="12700" cap="flat" cmpd="sng" algn="ctr">
+                      <a:solidFill>
+                        <a:schemeClr val="tx1"/>
+                      </a:solidFill>
+                      <a:prstDash val="solid"/>
+                      <a:round/>
+                      <a:headEnd type="none" w="med" len="med"/>
+                      <a:tailEnd type="none" w="med" len="med"/>
+                    </a:lnR>
+                    <a:lnT w="12700" cap="flat" cmpd="sng" algn="ctr">
+                      <a:solidFill>
+                        <a:schemeClr val="tx1"/>
+                      </a:solidFill>
+                      <a:prstDash val="solid"/>
+                      <a:round/>
+                      <a:headEnd type="none" w="med" len="med"/>
+                      <a:tailEnd type="none" w="med" len="med"/>
+                    </a:lnT>
+                    <a:lnB w="12700" cap="flat" cmpd="sng" algn="ctr">
+                      <a:solidFill>
+                        <a:schemeClr val="tx1"/>
+                      </a:solidFill>
+                      <a:prstDash val="solid"/>
+                      <a:round/>
+                      <a:headEnd type="none" w="med" len="med"/>
+                      <a:tailEnd type="none" w="med" len="med"/>
+                    </a:lnB>
+                    <a:noFill/>
+                  </a:tcPr>
+                </a:tc>
+                <a:tc>
+                  <a:txBody>
+                    <a:bodyPr/>
+                    <a:lstStyle/>
+                    <a:p>
+                      <a:pPr algn="ctr" latinLnBrk="1"/>
+                      <a:r>
+                        <a:rPr lang="ko-KR" altLang="en-US" dirty="0" smtClean="0">
+                          <a:solidFill>
+                            <a:schemeClr val="tx1"/>
+                          </a:solidFill>
+                        </a:rPr>
+                        <a:t>최대값</a:t>
+                      </a:r>
+                      <a:endParaRPr lang="ko-KR" altLang="en-US" dirty="0">
+                        <a:solidFill>
+                          <a:schemeClr val="tx1"/>
+                        </a:solidFill>
+                      </a:endParaRPr>
+                    </a:p>
+                  </a:txBody>
+                  <a:tcPr>
+                    <a:lnL w="12700" cap="flat" cmpd="sng" algn="ctr">
+                      <a:solidFill>
+                        <a:schemeClr val="tx1"/>
+                      </a:solidFill>
+                      <a:prstDash val="solid"/>
+                      <a:round/>
+                      <a:headEnd type="none" w="med" len="med"/>
+                      <a:tailEnd type="none" w="med" len="med"/>
+                    </a:lnL>
+                    <a:lnR w="12700" cap="flat" cmpd="sng" algn="ctr">
+                      <a:solidFill>
+                        <a:schemeClr val="tx1"/>
+                      </a:solidFill>
+                      <a:prstDash val="solid"/>
+                      <a:round/>
+                      <a:headEnd type="none" w="med" len="med"/>
+                      <a:tailEnd type="none" w="med" len="med"/>
+                    </a:lnR>
+                    <a:lnT w="12700" cap="flat" cmpd="sng" algn="ctr">
+                      <a:solidFill>
+                        <a:schemeClr val="tx1"/>
+                      </a:solidFill>
+                      <a:prstDash val="solid"/>
+                      <a:round/>
+                      <a:headEnd type="none" w="med" len="med"/>
+                      <a:tailEnd type="none" w="med" len="med"/>
+                    </a:lnT>
+                    <a:lnB w="12700" cap="flat" cmpd="sng" algn="ctr">
+                      <a:solidFill>
+                        <a:schemeClr val="tx1"/>
+                      </a:solidFill>
+                      <a:prstDash val="solid"/>
+                      <a:round/>
+                      <a:headEnd type="none" w="med" len="med"/>
+                      <a:tailEnd type="none" w="med" len="med"/>
+                    </a:lnB>
+                    <a:noFill/>
+                  </a:tcPr>
+                </a:tc>
+                <a:extLst>
+                  <a:ext uri="{0D108BD9-81ED-4DB2-BD59-A6C34878D82A}">
+                    <a16:rowId xmlns:a16="http://schemas.microsoft.com/office/drawing/2014/main" val="2204616078"/>
+                  </a:ext>
+                </a:extLst>
+              </a:tr>
+              <a:tr h="370840">
+                <a:tc>
+                  <a:txBody>
+                    <a:bodyPr/>
+                    <a:lstStyle/>
+                    <a:p>
+                      <a:pPr algn="ctr" latinLnBrk="1"/>
+                      <a:r>
+                        <a:rPr lang="en-US" altLang="ko-KR" dirty="0" smtClean="0">
+                          <a:solidFill>
+                            <a:schemeClr val="tx1"/>
+                          </a:solidFill>
+                        </a:rPr>
+                        <a:t>23</a:t>
+                      </a:r>
+                      <a:r>
+                        <a:rPr lang="ko-KR" altLang="en-US" dirty="0" smtClean="0">
+                          <a:solidFill>
+                            <a:schemeClr val="tx1"/>
+                          </a:solidFill>
+                        </a:rPr>
+                        <a:t>분</a:t>
+                      </a:r>
+                      <a:endParaRPr lang="ko-KR" altLang="en-US" dirty="0">
+                        <a:solidFill>
+                          <a:schemeClr val="tx1"/>
+                        </a:solidFill>
+                      </a:endParaRPr>
+                    </a:p>
+                  </a:txBody>
+                  <a:tcPr>
+                    <a:lnL w="12700" cap="flat" cmpd="sng" algn="ctr">
+                      <a:solidFill>
+                        <a:schemeClr val="tx1"/>
+                      </a:solidFill>
+                      <a:prstDash val="solid"/>
+                      <a:round/>
+                      <a:headEnd type="none" w="med" len="med"/>
+                      <a:tailEnd type="none" w="med" len="med"/>
+                    </a:lnL>
+                    <a:lnR w="12700" cap="flat" cmpd="sng" algn="ctr">
+                      <a:solidFill>
+                        <a:schemeClr val="tx1"/>
+                      </a:solidFill>
+                      <a:prstDash val="solid"/>
+                      <a:round/>
+                      <a:headEnd type="none" w="med" len="med"/>
+                      <a:tailEnd type="none" w="med" len="med"/>
+                    </a:lnR>
+                    <a:lnT w="12700" cap="flat" cmpd="sng" algn="ctr">
+                      <a:solidFill>
+                        <a:schemeClr val="tx1"/>
+                      </a:solidFill>
+                      <a:prstDash val="solid"/>
+                      <a:round/>
+                      <a:headEnd type="none" w="med" len="med"/>
+                      <a:tailEnd type="none" w="med" len="med"/>
+                    </a:lnT>
+                    <a:lnB w="12700" cap="flat" cmpd="sng" algn="ctr">
+                      <a:solidFill>
+                        <a:schemeClr val="tx1"/>
+                      </a:solidFill>
+                      <a:prstDash val="solid"/>
+                      <a:round/>
+                      <a:headEnd type="none" w="med" len="med"/>
+                      <a:tailEnd type="none" w="med" len="med"/>
+                    </a:lnB>
+                    <a:noFill/>
+                  </a:tcPr>
+                </a:tc>
+                <a:tc>
+                  <a:txBody>
+                    <a:bodyPr/>
+                    <a:lstStyle/>
+                    <a:p>
+                      <a:pPr algn="ctr" latinLnBrk="1"/>
+                      <a:r>
+                        <a:rPr lang="en-US" altLang="ko-KR" dirty="0" smtClean="0">
+                          <a:solidFill>
+                            <a:schemeClr val="tx1"/>
+                          </a:solidFill>
+                        </a:rPr>
+                        <a:t>5</a:t>
+                      </a:r>
+                      <a:r>
+                        <a:rPr lang="ko-KR" altLang="en-US" dirty="0" smtClean="0">
+                          <a:solidFill>
+                            <a:schemeClr val="tx1"/>
+                          </a:solidFill>
+                        </a:rPr>
+                        <a:t>분</a:t>
+                      </a:r>
+                      <a:endParaRPr lang="ko-KR" altLang="en-US" dirty="0">
+                        <a:solidFill>
+                          <a:schemeClr val="tx1"/>
+                        </a:solidFill>
+                      </a:endParaRPr>
+                    </a:p>
+                  </a:txBody>
+                  <a:tcPr>
+                    <a:lnL w="12700" cap="flat" cmpd="sng" algn="ctr">
+                      <a:solidFill>
+                        <a:schemeClr val="tx1"/>
+                      </a:solidFill>
+                      <a:prstDash val="solid"/>
+                      <a:round/>
+                      <a:headEnd type="none" w="med" len="med"/>
+                      <a:tailEnd type="none" w="med" len="med"/>
+                    </a:lnL>
+                    <a:lnR w="12700" cap="flat" cmpd="sng" algn="ctr">
+                      <a:solidFill>
+                        <a:schemeClr val="tx1"/>
+                      </a:solidFill>
+                      <a:prstDash val="solid"/>
+                      <a:round/>
+                      <a:headEnd type="none" w="med" len="med"/>
+                      <a:tailEnd type="none" w="med" len="med"/>
+                    </a:lnR>
+                    <a:lnT w="12700" cap="flat" cmpd="sng" algn="ctr">
+                      <a:solidFill>
+                        <a:schemeClr val="tx1"/>
+                      </a:solidFill>
+                      <a:prstDash val="solid"/>
+                      <a:round/>
+                      <a:headEnd type="none" w="med" len="med"/>
+                      <a:tailEnd type="none" w="med" len="med"/>
+                    </a:lnT>
+                    <a:lnB w="12700" cap="flat" cmpd="sng" algn="ctr">
+                      <a:solidFill>
+                        <a:schemeClr val="tx1"/>
+                      </a:solidFill>
+                      <a:prstDash val="solid"/>
+                      <a:round/>
+                      <a:headEnd type="none" w="med" len="med"/>
+                      <a:tailEnd type="none" w="med" len="med"/>
+                    </a:lnB>
+                    <a:noFill/>
+                  </a:tcPr>
+                </a:tc>
+                <a:tc>
+                  <a:txBody>
+                    <a:bodyPr/>
+                    <a:lstStyle/>
+                    <a:p>
+                      <a:pPr algn="ctr" latinLnBrk="1"/>
+                      <a:r>
+                        <a:rPr lang="en-US" altLang="ko-KR" dirty="0" smtClean="0">
+                          <a:solidFill>
+                            <a:schemeClr val="tx1"/>
+                          </a:solidFill>
+                        </a:rPr>
+                        <a:t>120</a:t>
+                      </a:r>
+                      <a:r>
+                        <a:rPr lang="ko-KR" altLang="en-US" dirty="0" smtClean="0">
+                          <a:solidFill>
+                            <a:schemeClr val="tx1"/>
+                          </a:solidFill>
+                        </a:rPr>
+                        <a:t>분</a:t>
+                      </a:r>
+                      <a:endParaRPr lang="ko-KR" altLang="en-US" dirty="0">
+                        <a:solidFill>
+                          <a:schemeClr val="tx1"/>
+                        </a:solidFill>
+                      </a:endParaRPr>
+                    </a:p>
+                  </a:txBody>
+                  <a:tcPr>
+                    <a:lnL w="12700" cap="flat" cmpd="sng" algn="ctr">
+                      <a:solidFill>
+                        <a:schemeClr val="tx1"/>
+                      </a:solidFill>
+                      <a:prstDash val="solid"/>
+                      <a:round/>
+                      <a:headEnd type="none" w="med" len="med"/>
+                      <a:tailEnd type="none" w="med" len="med"/>
+                    </a:lnL>
+                    <a:lnR w="12700" cap="flat" cmpd="sng" algn="ctr">
+                      <a:solidFill>
+                        <a:schemeClr val="tx1"/>
+                      </a:solidFill>
+                      <a:prstDash val="solid"/>
+                      <a:round/>
+                      <a:headEnd type="none" w="med" len="med"/>
+                      <a:tailEnd type="none" w="med" len="med"/>
+                    </a:lnR>
+                    <a:lnT w="12700" cap="flat" cmpd="sng" algn="ctr">
+                      <a:solidFill>
+                        <a:schemeClr val="tx1"/>
+                      </a:solidFill>
+                      <a:prstDash val="solid"/>
+                      <a:round/>
+                      <a:headEnd type="none" w="med" len="med"/>
+                      <a:tailEnd type="none" w="med" len="med"/>
+                    </a:lnT>
+                    <a:lnB w="12700" cap="flat" cmpd="sng" algn="ctr">
+                      <a:solidFill>
+                        <a:schemeClr val="tx1"/>
+                      </a:solidFill>
+                      <a:prstDash val="solid"/>
+                      <a:round/>
+                      <a:headEnd type="none" w="med" len="med"/>
+                      <a:tailEnd type="none" w="med" len="med"/>
+                    </a:lnB>
+                    <a:noFill/>
+                  </a:tcPr>
+                </a:tc>
+                <a:extLst>
+                  <a:ext uri="{0D108BD9-81ED-4DB2-BD59-A6C34878D82A}">
+                    <a16:rowId xmlns:a16="http://schemas.microsoft.com/office/drawing/2014/main" val="1467737596"/>
+                  </a:ext>
+                </a:extLst>
+              </a:tr>
+            </a:tbl>
+          </a:graphicData>
+        </a:graphic>
+      </p:graphicFrame>
     </p:spTree>
     <p:extLst>
       <p:ext uri="{BB962C8B-B14F-4D97-AF65-F5344CB8AC3E}">
@@ -12918,7 +14418,7 @@
         </p:nvGraphicFramePr>
         <p:xfrm>
           <a:off x="7065610" y="1683013"/>
-          <a:ext cx="4034282" cy="2995232"/>
+          <a:ext cx="4034282" cy="3407664"/>
         </p:xfrm>
         <a:graphic>
           <a:graphicData uri="http://schemas.openxmlformats.org/drawingml/2006/table">
@@ -14326,7 +15826,7 @@
         </p:nvGraphicFramePr>
         <p:xfrm>
           <a:off x="7065610" y="5289942"/>
-          <a:ext cx="4034282" cy="1181393"/>
+          <a:ext cx="4034282" cy="1285977"/>
         </p:xfrm>
         <a:graphic>
           <a:graphicData uri="http://schemas.openxmlformats.org/drawingml/2006/table">
@@ -15094,7 +16594,7 @@
         <p:spPr>
           <a:xfrm>
             <a:off x="465219" y="523116"/>
-            <a:ext cx="6073727" cy="707886"/>
+            <a:ext cx="7550372" cy="707886"/>
           </a:xfrm>
           <a:prstGeom prst="rect">
             <a:avLst/>
@@ -15118,7 +16618,915 @@
                 <a:latin typeface="맑은 고딕" panose="020B0503020000020004" pitchFamily="50" charset="-127"/>
                 <a:cs typeface="함초롬바탕" panose="02030604000101010101" pitchFamily="18" charset="-127"/>
               </a:rPr>
-              <a:t>데이터 시각화</a:t>
+              <a:t>데이터 시각화 </a:t>
+            </a:r>
+            <a:r>
+              <a:rPr lang="en-US" altLang="ko-KR" sz="2000" b="1" dirty="0">
+                <a:solidFill>
+                  <a:schemeClr val="tx1">
+                    <a:lumMod val="50000"/>
+                    <a:lumOff val="50000"/>
+                  </a:schemeClr>
+                </a:solidFill>
+                <a:latin typeface="맑은 고딕" panose="020B0503020000020004" pitchFamily="50" charset="-127"/>
+                <a:cs typeface="함초롬바탕" panose="02030604000101010101" pitchFamily="18" charset="-127"/>
+              </a:rPr>
+              <a:t>(</a:t>
+            </a:r>
+            <a:r>
+              <a:rPr lang="ko-KR" altLang="en-US" sz="2000" b="1" dirty="0">
+                <a:solidFill>
+                  <a:schemeClr val="tx1">
+                    <a:lumMod val="50000"/>
+                    <a:lumOff val="50000"/>
+                  </a:schemeClr>
+                </a:solidFill>
+                <a:latin typeface="맑은 고딕" panose="020B0503020000020004" pitchFamily="50" charset="-127"/>
+                <a:cs typeface="함초롬바탕" panose="02030604000101010101" pitchFamily="18" charset="-127"/>
+              </a:rPr>
+              <a:t>나이와 샤워 시간에 관한 관계</a:t>
+            </a:r>
+            <a:r>
+              <a:rPr lang="en-US" altLang="ko-KR" sz="2000" b="1" dirty="0">
+                <a:solidFill>
+                  <a:schemeClr val="tx1">
+                    <a:lumMod val="50000"/>
+                    <a:lumOff val="50000"/>
+                  </a:schemeClr>
+                </a:solidFill>
+                <a:latin typeface="맑은 고딕" panose="020B0503020000020004" pitchFamily="50" charset="-127"/>
+                <a:cs typeface="함초롬바탕" panose="02030604000101010101" pitchFamily="18" charset="-127"/>
+              </a:rPr>
+              <a:t>)</a:t>
+            </a:r>
+            <a:endParaRPr lang="en-US" altLang="ko-KR" sz="4000" b="1" dirty="0">
+              <a:solidFill>
+                <a:schemeClr val="tx1">
+                  <a:lumMod val="50000"/>
+                  <a:lumOff val="50000"/>
+                </a:schemeClr>
+              </a:solidFill>
+              <a:latin typeface="맑은 고딕" panose="020B0503020000020004" pitchFamily="50" charset="-127"/>
+              <a:cs typeface="함초롬바탕" panose="02030604000101010101" pitchFamily="18" charset="-127"/>
+            </a:endParaRPr>
+          </a:p>
+        </p:txBody>
+      </p:sp>
+      <p:pic>
+        <p:nvPicPr>
+          <p:cNvPr id="8" name="그림 7">
+            <a:extLst>
+              <a:ext uri="{FF2B5EF4-FFF2-40B4-BE49-F238E27FC236}">
+                <a16:creationId xmlns:a16="http://schemas.microsoft.com/office/drawing/2014/main" id="{A36EB30C-77D5-434A-BC38-53270A6836C1}"/>
+              </a:ext>
+            </a:extLst>
+          </p:cNvPr>
+          <p:cNvPicPr>
+            <a:picLocks noChangeAspect="1"/>
+          </p:cNvPicPr>
+          <p:nvPr/>
+        </p:nvPicPr>
+        <p:blipFill>
+          <a:blip r:embed="rId3">
+            <a:extLst>
+              <a:ext uri="{28A0092B-C50C-407E-A947-70E740481C1C}">
+                <a14:useLocalDpi xmlns:a14="http://schemas.microsoft.com/office/drawing/2010/main" val="0"/>
+              </a:ext>
+            </a:extLst>
+          </a:blip>
+          <a:stretch>
+            <a:fillRect/>
+          </a:stretch>
+        </p:blipFill>
+        <p:spPr>
+          <a:xfrm>
+            <a:off x="389103" y="1724239"/>
+            <a:ext cx="4619625" cy="2743200"/>
+          </a:xfrm>
+          <a:prstGeom prst="rect">
+            <a:avLst/>
+          </a:prstGeom>
+          <a:ln>
+            <a:noFill/>
+          </a:ln>
+          <a:effectLst>
+            <a:outerShdw blurRad="292100" dist="139700" dir="2700000" algn="tl" rotWithShape="0">
+              <a:srgbClr val="333333">
+                <a:alpha val="65000"/>
+              </a:srgbClr>
+            </a:outerShdw>
+          </a:effectLst>
+        </p:spPr>
+      </p:pic>
+      <p:pic>
+        <p:nvPicPr>
+          <p:cNvPr id="5" name="그림 4">
+            <a:extLst>
+              <a:ext uri="{FF2B5EF4-FFF2-40B4-BE49-F238E27FC236}">
+                <a16:creationId xmlns:a16="http://schemas.microsoft.com/office/drawing/2014/main" id="{DBB66CBC-DC6A-44BB-9E0E-A5A0C42A021A}"/>
+              </a:ext>
+            </a:extLst>
+          </p:cNvPr>
+          <p:cNvPicPr>
+            <a:picLocks noChangeAspect="1"/>
+          </p:cNvPicPr>
+          <p:nvPr/>
+        </p:nvPicPr>
+        <p:blipFill>
+          <a:blip r:embed="rId4">
+            <a:extLst>
+              <a:ext uri="{28A0092B-C50C-407E-A947-70E740481C1C}">
+                <a14:useLocalDpi xmlns:a14="http://schemas.microsoft.com/office/drawing/2010/main" val="0"/>
+              </a:ext>
+            </a:extLst>
+          </a:blip>
+          <a:stretch>
+            <a:fillRect/>
+          </a:stretch>
+        </p:blipFill>
+        <p:spPr>
+          <a:xfrm>
+            <a:off x="3288963" y="3610734"/>
+            <a:ext cx="4610100" cy="2724150"/>
+          </a:xfrm>
+          <a:prstGeom prst="rect">
+            <a:avLst/>
+          </a:prstGeom>
+          <a:ln>
+            <a:noFill/>
+          </a:ln>
+          <a:effectLst>
+            <a:outerShdw blurRad="292100" dist="139700" dir="2700000" algn="tl" rotWithShape="0">
+              <a:srgbClr val="333333">
+                <a:alpha val="65000"/>
+              </a:srgbClr>
+            </a:outerShdw>
+          </a:effectLst>
+        </p:spPr>
+      </p:pic>
+      <p:sp>
+        <p:nvSpPr>
+          <p:cNvPr id="13" name="타원 12">
+            <a:extLst>
+              <a:ext uri="{FF2B5EF4-FFF2-40B4-BE49-F238E27FC236}">
+                <a16:creationId xmlns:a16="http://schemas.microsoft.com/office/drawing/2014/main" id="{7A692989-726B-45B9-BB7D-754166AC229B}"/>
+              </a:ext>
+            </a:extLst>
+          </p:cNvPr>
+          <p:cNvSpPr/>
+          <p:nvPr/>
+        </p:nvSpPr>
+        <p:spPr>
+          <a:xfrm>
+            <a:off x="1085502" y="2334639"/>
+            <a:ext cx="636292" cy="408562"/>
+          </a:xfrm>
+          <a:prstGeom prst="ellipse">
+            <a:avLst/>
+          </a:prstGeom>
+          <a:noFill/>
+          <a:ln w="38100">
+            <a:solidFill>
+              <a:srgbClr val="0CC1D3"/>
+            </a:solidFill>
+          </a:ln>
+        </p:spPr>
+        <p:style>
+          <a:lnRef idx="2">
+            <a:schemeClr val="accent1">
+              <a:shade val="50000"/>
+            </a:schemeClr>
+          </a:lnRef>
+          <a:fillRef idx="1">
+            <a:schemeClr val="accent1"/>
+          </a:fillRef>
+          <a:effectRef idx="0">
+            <a:schemeClr val="accent1"/>
+          </a:effectRef>
+          <a:fontRef idx="minor">
+            <a:schemeClr val="lt1"/>
+          </a:fontRef>
+        </p:style>
+        <p:txBody>
+          <a:bodyPr rtlCol="0" anchor="ctr"/>
+          <a:lstStyle/>
+          <a:p>
+            <a:pPr algn="ctr"/>
+            <a:endParaRPr lang="ko-KR" altLang="en-US"/>
+          </a:p>
+        </p:txBody>
+      </p:sp>
+      <p:sp>
+        <p:nvSpPr>
+          <p:cNvPr id="15" name="타원 14">
+            <a:extLst>
+              <a:ext uri="{FF2B5EF4-FFF2-40B4-BE49-F238E27FC236}">
+                <a16:creationId xmlns:a16="http://schemas.microsoft.com/office/drawing/2014/main" id="{77D0758B-B878-40A4-8F94-E81C86139F30}"/>
+              </a:ext>
+            </a:extLst>
+          </p:cNvPr>
+          <p:cNvSpPr/>
+          <p:nvPr/>
+        </p:nvSpPr>
+        <p:spPr>
+          <a:xfrm>
+            <a:off x="1627009" y="3352402"/>
+            <a:ext cx="636292" cy="408562"/>
+          </a:xfrm>
+          <a:prstGeom prst="ellipse">
+            <a:avLst/>
+          </a:prstGeom>
+          <a:noFill/>
+          <a:ln w="38100">
+            <a:solidFill>
+              <a:srgbClr val="32AA2B"/>
+            </a:solidFill>
+          </a:ln>
+        </p:spPr>
+        <p:style>
+          <a:lnRef idx="2">
+            <a:schemeClr val="accent1">
+              <a:shade val="50000"/>
+            </a:schemeClr>
+          </a:lnRef>
+          <a:fillRef idx="1">
+            <a:schemeClr val="accent1"/>
+          </a:fillRef>
+          <a:effectRef idx="0">
+            <a:schemeClr val="accent1"/>
+          </a:effectRef>
+          <a:fontRef idx="minor">
+            <a:schemeClr val="lt1"/>
+          </a:fontRef>
+        </p:style>
+        <p:txBody>
+          <a:bodyPr rtlCol="0" anchor="ctr"/>
+          <a:lstStyle/>
+          <a:p>
+            <a:pPr algn="ctr"/>
+            <a:endParaRPr lang="ko-KR" altLang="en-US"/>
+          </a:p>
+        </p:txBody>
+      </p:sp>
+      <p:sp>
+        <p:nvSpPr>
+          <p:cNvPr id="16" name="타원 15">
+            <a:extLst>
+              <a:ext uri="{FF2B5EF4-FFF2-40B4-BE49-F238E27FC236}">
+                <a16:creationId xmlns:a16="http://schemas.microsoft.com/office/drawing/2014/main" id="{D46578EE-5263-4BEC-8EED-C89BDFACFC10}"/>
+              </a:ext>
+            </a:extLst>
+          </p:cNvPr>
+          <p:cNvSpPr/>
+          <p:nvPr/>
+        </p:nvSpPr>
+        <p:spPr>
+          <a:xfrm>
+            <a:off x="3341464" y="2334639"/>
+            <a:ext cx="636292" cy="408562"/>
+          </a:xfrm>
+          <a:prstGeom prst="ellipse">
+            <a:avLst/>
+          </a:prstGeom>
+          <a:noFill/>
+          <a:ln w="38100">
+            <a:solidFill>
+              <a:srgbClr val="8972A6"/>
+            </a:solidFill>
+          </a:ln>
+        </p:spPr>
+        <p:style>
+          <a:lnRef idx="2">
+            <a:schemeClr val="accent1">
+              <a:shade val="50000"/>
+            </a:schemeClr>
+          </a:lnRef>
+          <a:fillRef idx="1">
+            <a:schemeClr val="accent1"/>
+          </a:fillRef>
+          <a:effectRef idx="0">
+            <a:schemeClr val="accent1"/>
+          </a:effectRef>
+          <a:fontRef idx="minor">
+            <a:schemeClr val="lt1"/>
+          </a:fontRef>
+        </p:style>
+        <p:txBody>
+          <a:bodyPr rtlCol="0" anchor="ctr"/>
+          <a:lstStyle/>
+          <a:p>
+            <a:pPr algn="ctr"/>
+            <a:endParaRPr lang="ko-KR" altLang="en-US"/>
+          </a:p>
+        </p:txBody>
+      </p:sp>
+      <p:sp>
+        <p:nvSpPr>
+          <p:cNvPr id="17" name="타원 16">
+            <a:extLst>
+              <a:ext uri="{FF2B5EF4-FFF2-40B4-BE49-F238E27FC236}">
+                <a16:creationId xmlns:a16="http://schemas.microsoft.com/office/drawing/2014/main" id="{D931C761-0085-4F53-89C1-0B36EB818AAB}"/>
+              </a:ext>
+            </a:extLst>
+          </p:cNvPr>
+          <p:cNvSpPr/>
+          <p:nvPr/>
+        </p:nvSpPr>
+        <p:spPr>
+          <a:xfrm>
+            <a:off x="1982618" y="2347409"/>
+            <a:ext cx="636292" cy="408562"/>
+          </a:xfrm>
+          <a:prstGeom prst="ellipse">
+            <a:avLst/>
+          </a:prstGeom>
+          <a:noFill/>
+          <a:ln w="38100">
+            <a:solidFill>
+              <a:srgbClr val="E38913"/>
+            </a:solidFill>
+          </a:ln>
+        </p:spPr>
+        <p:style>
+          <a:lnRef idx="2">
+            <a:schemeClr val="accent1">
+              <a:shade val="50000"/>
+            </a:schemeClr>
+          </a:lnRef>
+          <a:fillRef idx="1">
+            <a:schemeClr val="accent1"/>
+          </a:fillRef>
+          <a:effectRef idx="0">
+            <a:schemeClr val="accent1"/>
+          </a:effectRef>
+          <a:fontRef idx="minor">
+            <a:schemeClr val="lt1"/>
+          </a:fontRef>
+        </p:style>
+        <p:txBody>
+          <a:bodyPr rtlCol="0" anchor="ctr"/>
+          <a:lstStyle/>
+          <a:p>
+            <a:pPr algn="ctr"/>
+            <a:endParaRPr lang="ko-KR" altLang="en-US"/>
+          </a:p>
+        </p:txBody>
+      </p:sp>
+      <p:sp>
+        <p:nvSpPr>
+          <p:cNvPr id="18" name="타원 17">
+            <a:extLst>
+              <a:ext uri="{FF2B5EF4-FFF2-40B4-BE49-F238E27FC236}">
+                <a16:creationId xmlns:a16="http://schemas.microsoft.com/office/drawing/2014/main" id="{96D8C316-E5EA-43BF-8632-DC19C580B3B8}"/>
+              </a:ext>
+            </a:extLst>
+          </p:cNvPr>
+          <p:cNvSpPr/>
+          <p:nvPr/>
+        </p:nvSpPr>
+        <p:spPr>
+          <a:xfrm>
+            <a:off x="3977756" y="5115865"/>
+            <a:ext cx="636292" cy="798551"/>
+          </a:xfrm>
+          <a:prstGeom prst="ellipse">
+            <a:avLst/>
+          </a:prstGeom>
+          <a:noFill/>
+          <a:ln w="38100">
+            <a:solidFill>
+              <a:srgbClr val="00B0F0"/>
+            </a:solidFill>
+          </a:ln>
+        </p:spPr>
+        <p:style>
+          <a:lnRef idx="2">
+            <a:schemeClr val="accent1">
+              <a:shade val="50000"/>
+            </a:schemeClr>
+          </a:lnRef>
+          <a:fillRef idx="1">
+            <a:schemeClr val="accent1"/>
+          </a:fillRef>
+          <a:effectRef idx="0">
+            <a:schemeClr val="accent1"/>
+          </a:effectRef>
+          <a:fontRef idx="minor">
+            <a:schemeClr val="lt1"/>
+          </a:fontRef>
+        </p:style>
+        <p:txBody>
+          <a:bodyPr rtlCol="0" anchor="ctr"/>
+          <a:lstStyle/>
+          <a:p>
+            <a:pPr algn="ctr"/>
+            <a:endParaRPr lang="ko-KR" altLang="en-US"/>
+          </a:p>
+        </p:txBody>
+      </p:sp>
+      <p:sp>
+        <p:nvSpPr>
+          <p:cNvPr id="20" name="타원 19">
+            <a:extLst>
+              <a:ext uri="{FF2B5EF4-FFF2-40B4-BE49-F238E27FC236}">
+                <a16:creationId xmlns:a16="http://schemas.microsoft.com/office/drawing/2014/main" id="{4D4EDD39-F135-402D-A6F7-81C9B4247CCB}"/>
+              </a:ext>
+            </a:extLst>
+          </p:cNvPr>
+          <p:cNvSpPr/>
+          <p:nvPr/>
+        </p:nvSpPr>
+        <p:spPr>
+          <a:xfrm>
+            <a:off x="6145477" y="3878095"/>
+            <a:ext cx="780614" cy="589344"/>
+          </a:xfrm>
+          <a:prstGeom prst="ellipse">
+            <a:avLst/>
+          </a:prstGeom>
+          <a:noFill/>
+          <a:ln w="38100">
+            <a:solidFill>
+              <a:srgbClr val="956CBF"/>
+            </a:solidFill>
+          </a:ln>
+        </p:spPr>
+        <p:style>
+          <a:lnRef idx="2">
+            <a:schemeClr val="accent1">
+              <a:shade val="50000"/>
+            </a:schemeClr>
+          </a:lnRef>
+          <a:fillRef idx="1">
+            <a:schemeClr val="accent1"/>
+          </a:fillRef>
+          <a:effectRef idx="0">
+            <a:schemeClr val="accent1"/>
+          </a:effectRef>
+          <a:fontRef idx="minor">
+            <a:schemeClr val="lt1"/>
+          </a:fontRef>
+        </p:style>
+        <p:txBody>
+          <a:bodyPr rtlCol="0" anchor="ctr"/>
+          <a:lstStyle/>
+          <a:p>
+            <a:pPr algn="ctr"/>
+            <a:endParaRPr lang="ko-KR" altLang="en-US"/>
+          </a:p>
+        </p:txBody>
+      </p:sp>
+      <p:sp>
+        <p:nvSpPr>
+          <p:cNvPr id="21" name="타원 20">
+            <a:extLst>
+              <a:ext uri="{FF2B5EF4-FFF2-40B4-BE49-F238E27FC236}">
+                <a16:creationId xmlns:a16="http://schemas.microsoft.com/office/drawing/2014/main" id="{8DD96A27-9462-42BB-B908-7C933549D920}"/>
+              </a:ext>
+            </a:extLst>
+          </p:cNvPr>
+          <p:cNvSpPr/>
+          <p:nvPr/>
+        </p:nvSpPr>
+        <p:spPr>
+          <a:xfrm>
+            <a:off x="4506395" y="4587371"/>
+            <a:ext cx="1057823" cy="408562"/>
+          </a:xfrm>
+          <a:prstGeom prst="ellipse">
+            <a:avLst/>
+          </a:prstGeom>
+          <a:noFill/>
+          <a:ln w="38100">
+            <a:solidFill>
+              <a:srgbClr val="F17F1C"/>
+            </a:solidFill>
+          </a:ln>
+        </p:spPr>
+        <p:style>
+          <a:lnRef idx="2">
+            <a:schemeClr val="accent1">
+              <a:shade val="50000"/>
+            </a:schemeClr>
+          </a:lnRef>
+          <a:fillRef idx="1">
+            <a:schemeClr val="accent1"/>
+          </a:fillRef>
+          <a:effectRef idx="0">
+            <a:schemeClr val="accent1"/>
+          </a:effectRef>
+          <a:fontRef idx="minor">
+            <a:schemeClr val="lt1"/>
+          </a:fontRef>
+        </p:style>
+        <p:txBody>
+          <a:bodyPr rtlCol="0" anchor="ctr"/>
+          <a:lstStyle/>
+          <a:p>
+            <a:pPr algn="ctr"/>
+            <a:endParaRPr lang="ko-KR" altLang="en-US"/>
+          </a:p>
+        </p:txBody>
+      </p:sp>
+      <p:sp>
+        <p:nvSpPr>
+          <p:cNvPr id="22" name="타원 21">
+            <a:extLst>
+              <a:ext uri="{FF2B5EF4-FFF2-40B4-BE49-F238E27FC236}">
+                <a16:creationId xmlns:a16="http://schemas.microsoft.com/office/drawing/2014/main" id="{1C372EE8-4D8B-4F7C-BF46-07D001459700}"/>
+              </a:ext>
+            </a:extLst>
+          </p:cNvPr>
+          <p:cNvSpPr/>
+          <p:nvPr/>
+        </p:nvSpPr>
+        <p:spPr>
+          <a:xfrm>
+            <a:off x="4918199" y="4972809"/>
+            <a:ext cx="1326956" cy="408562"/>
+          </a:xfrm>
+          <a:prstGeom prst="ellipse">
+            <a:avLst/>
+          </a:prstGeom>
+          <a:noFill/>
+          <a:ln w="38100">
+            <a:solidFill>
+              <a:srgbClr val="B4B459"/>
+            </a:solidFill>
+          </a:ln>
+        </p:spPr>
+        <p:style>
+          <a:lnRef idx="2">
+            <a:schemeClr val="accent1">
+              <a:shade val="50000"/>
+            </a:schemeClr>
+          </a:lnRef>
+          <a:fillRef idx="1">
+            <a:schemeClr val="accent1"/>
+          </a:fillRef>
+          <a:effectRef idx="0">
+            <a:schemeClr val="accent1"/>
+          </a:effectRef>
+          <a:fontRef idx="minor">
+            <a:schemeClr val="lt1"/>
+          </a:fontRef>
+        </p:style>
+        <p:txBody>
+          <a:bodyPr rtlCol="0" anchor="ctr"/>
+          <a:lstStyle/>
+          <a:p>
+            <a:pPr algn="ctr"/>
+            <a:endParaRPr lang="ko-KR" altLang="en-US"/>
+          </a:p>
+        </p:txBody>
+      </p:sp>
+      <p:sp>
+        <p:nvSpPr>
+          <p:cNvPr id="23" name="타원 22">
+            <a:extLst>
+              <a:ext uri="{FF2B5EF4-FFF2-40B4-BE49-F238E27FC236}">
+                <a16:creationId xmlns:a16="http://schemas.microsoft.com/office/drawing/2014/main" id="{C255E71A-B962-4F24-AB04-4B112506B787}"/>
+              </a:ext>
+            </a:extLst>
+          </p:cNvPr>
+          <p:cNvSpPr/>
+          <p:nvPr/>
+        </p:nvSpPr>
+        <p:spPr>
+          <a:xfrm>
+            <a:off x="4491428" y="5209416"/>
+            <a:ext cx="1500808" cy="620097"/>
+          </a:xfrm>
+          <a:prstGeom prst="ellipse">
+            <a:avLst/>
+          </a:prstGeom>
+          <a:noFill/>
+          <a:ln w="38100">
+            <a:solidFill>
+              <a:srgbClr val="29AB25"/>
+            </a:solidFill>
+          </a:ln>
+        </p:spPr>
+        <p:style>
+          <a:lnRef idx="2">
+            <a:schemeClr val="accent1">
+              <a:shade val="50000"/>
+            </a:schemeClr>
+          </a:lnRef>
+          <a:fillRef idx="1">
+            <a:schemeClr val="accent1"/>
+          </a:fillRef>
+          <a:effectRef idx="0">
+            <a:schemeClr val="accent1"/>
+          </a:effectRef>
+          <a:fontRef idx="minor">
+            <a:schemeClr val="lt1"/>
+          </a:fontRef>
+        </p:style>
+        <p:txBody>
+          <a:bodyPr rtlCol="0" anchor="ctr"/>
+          <a:lstStyle/>
+          <a:p>
+            <a:pPr algn="ctr"/>
+            <a:endParaRPr lang="ko-KR" altLang="en-US"/>
+          </a:p>
+        </p:txBody>
+      </p:sp>
+      <p:sp>
+        <p:nvSpPr>
+          <p:cNvPr id="24" name="타원 23">
+            <a:extLst>
+              <a:ext uri="{FF2B5EF4-FFF2-40B4-BE49-F238E27FC236}">
+                <a16:creationId xmlns:a16="http://schemas.microsoft.com/office/drawing/2014/main" id="{27867253-7ED2-4A4A-8728-797DB99E70F6}"/>
+              </a:ext>
+            </a:extLst>
+          </p:cNvPr>
+          <p:cNvSpPr/>
+          <p:nvPr/>
+        </p:nvSpPr>
+        <p:spPr>
+          <a:xfrm>
+            <a:off x="1481094" y="3028188"/>
+            <a:ext cx="1860370" cy="462613"/>
+          </a:xfrm>
+          <a:prstGeom prst="ellipse">
+            <a:avLst/>
+          </a:prstGeom>
+          <a:noFill/>
+          <a:ln w="38100">
+            <a:solidFill>
+              <a:srgbClr val="B0B93E"/>
+            </a:solidFill>
+          </a:ln>
+        </p:spPr>
+        <p:style>
+          <a:lnRef idx="2">
+            <a:schemeClr val="accent1">
+              <a:shade val="50000"/>
+            </a:schemeClr>
+          </a:lnRef>
+          <a:fillRef idx="1">
+            <a:schemeClr val="accent1"/>
+          </a:fillRef>
+          <a:effectRef idx="0">
+            <a:schemeClr val="accent1"/>
+          </a:effectRef>
+          <a:fontRef idx="minor">
+            <a:schemeClr val="lt1"/>
+          </a:fontRef>
+        </p:style>
+        <p:txBody>
+          <a:bodyPr rtlCol="0" anchor="ctr"/>
+          <a:lstStyle/>
+          <a:p>
+            <a:pPr algn="ctr"/>
+            <a:endParaRPr lang="ko-KR" altLang="en-US"/>
+          </a:p>
+        </p:txBody>
+      </p:sp>
+      <p:sp>
+        <p:nvSpPr>
+          <p:cNvPr id="27" name="TextBox 26">
+            <a:extLst>
+              <a:ext uri="{FF2B5EF4-FFF2-40B4-BE49-F238E27FC236}">
+                <a16:creationId xmlns:a16="http://schemas.microsoft.com/office/drawing/2014/main" id="{AF4E5D70-A9FF-46DE-921F-040CF95729C8}"/>
+              </a:ext>
+            </a:extLst>
+          </p:cNvPr>
+          <p:cNvSpPr txBox="1"/>
+          <p:nvPr/>
+        </p:nvSpPr>
+        <p:spPr>
+          <a:xfrm>
+            <a:off x="5836595" y="1762819"/>
+            <a:ext cx="7550372" cy="956159"/>
+          </a:xfrm>
+          <a:prstGeom prst="rect">
+            <a:avLst/>
+          </a:prstGeom>
+          <a:noFill/>
+        </p:spPr>
+        <p:txBody>
+          <a:bodyPr wrap="square" rtlCol="0">
+            <a:spAutoFit/>
+          </a:bodyPr>
+          <a:lstStyle/>
+          <a:p>
+            <a:pPr>
+              <a:lnSpc>
+                <a:spcPct val="150000"/>
+              </a:lnSpc>
+            </a:pPr>
+            <a:r>
+              <a:rPr lang="ko-KR" altLang="en-US" sz="2000" b="1" dirty="0">
+                <a:solidFill>
+                  <a:schemeClr val="tx1">
+                    <a:lumMod val="50000"/>
+                    <a:lumOff val="50000"/>
+                  </a:schemeClr>
+                </a:solidFill>
+                <a:latin typeface="맑은 고딕" panose="020B0503020000020004" pitchFamily="50" charset="-127"/>
+                <a:cs typeface="함초롬바탕" panose="02030604000101010101" pitchFamily="18" charset="-127"/>
+              </a:rPr>
+              <a:t>나이에 따라 샤워를 시작하는 시간이나 </a:t>
+            </a:r>
+            <a:endParaRPr lang="en-US" altLang="ko-KR" sz="2000" b="1" dirty="0">
+              <a:solidFill>
+                <a:schemeClr val="tx1">
+                  <a:lumMod val="50000"/>
+                  <a:lumOff val="50000"/>
+                </a:schemeClr>
+              </a:solidFill>
+              <a:latin typeface="맑은 고딕" panose="020B0503020000020004" pitchFamily="50" charset="-127"/>
+              <a:cs typeface="함초롬바탕" panose="02030604000101010101" pitchFamily="18" charset="-127"/>
+            </a:endParaRPr>
+          </a:p>
+          <a:p>
+            <a:pPr>
+              <a:lnSpc>
+                <a:spcPct val="150000"/>
+              </a:lnSpc>
+            </a:pPr>
+            <a:r>
+              <a:rPr lang="ko-KR" altLang="en-US" sz="2000" b="1" dirty="0">
+                <a:solidFill>
+                  <a:schemeClr val="tx1">
+                    <a:lumMod val="50000"/>
+                    <a:lumOff val="50000"/>
+                  </a:schemeClr>
+                </a:solidFill>
+                <a:latin typeface="맑은 고딕" panose="020B0503020000020004" pitchFamily="50" charset="-127"/>
+                <a:cs typeface="함초롬바탕" panose="02030604000101010101" pitchFamily="18" charset="-127"/>
+              </a:rPr>
+              <a:t>샤워를 하는 시간이 군집화 되는 것을 확인 할 수 있음</a:t>
+            </a:r>
+            <a:endParaRPr lang="en-US" altLang="ko-KR" sz="4000" b="1" dirty="0">
+              <a:solidFill>
+                <a:schemeClr val="tx1">
+                  <a:lumMod val="50000"/>
+                  <a:lumOff val="50000"/>
+                </a:schemeClr>
+              </a:solidFill>
+              <a:latin typeface="맑은 고딕" panose="020B0503020000020004" pitchFamily="50" charset="-127"/>
+              <a:cs typeface="함초롬바탕" panose="02030604000101010101" pitchFamily="18" charset="-127"/>
+            </a:endParaRPr>
+          </a:p>
+        </p:txBody>
+      </p:sp>
+      <p:sp>
+        <p:nvSpPr>
+          <p:cNvPr id="14" name="화살표: 오른쪽 13">
+            <a:extLst>
+              <a:ext uri="{FF2B5EF4-FFF2-40B4-BE49-F238E27FC236}">
+                <a16:creationId xmlns:a16="http://schemas.microsoft.com/office/drawing/2014/main" id="{013F1F42-9701-44DD-BA21-F933090374E8}"/>
+              </a:ext>
+            </a:extLst>
+          </p:cNvPr>
+          <p:cNvSpPr/>
+          <p:nvPr/>
+        </p:nvSpPr>
+        <p:spPr>
+          <a:xfrm>
+            <a:off x="5254804" y="1831293"/>
+            <a:ext cx="581791" cy="412506"/>
+          </a:xfrm>
+          <a:prstGeom prst="rightArrow">
+            <a:avLst/>
+          </a:prstGeom>
+          <a:solidFill>
+            <a:srgbClr val="767171"/>
+          </a:solidFill>
+          <a:ln>
+            <a:noFill/>
+          </a:ln>
+        </p:spPr>
+        <p:style>
+          <a:lnRef idx="2">
+            <a:schemeClr val="accent1">
+              <a:shade val="50000"/>
+            </a:schemeClr>
+          </a:lnRef>
+          <a:fillRef idx="1">
+            <a:schemeClr val="accent1"/>
+          </a:fillRef>
+          <a:effectRef idx="0">
+            <a:schemeClr val="accent1"/>
+          </a:effectRef>
+          <a:fontRef idx="minor">
+            <a:schemeClr val="lt1"/>
+          </a:fontRef>
+        </p:style>
+        <p:txBody>
+          <a:bodyPr rtlCol="0" anchor="ctr"/>
+          <a:lstStyle/>
+          <a:p>
+            <a:pPr algn="ctr"/>
+            <a:endParaRPr lang="ko-KR" altLang="en-US"/>
+          </a:p>
+        </p:txBody>
+      </p:sp>
+      <p:sp>
+        <p:nvSpPr>
+          <p:cNvPr id="29" name="화살표: 오른쪽 28">
+            <a:extLst>
+              <a:ext uri="{FF2B5EF4-FFF2-40B4-BE49-F238E27FC236}">
+                <a16:creationId xmlns:a16="http://schemas.microsoft.com/office/drawing/2014/main" id="{AB7D0E4D-F0E5-4E7E-B21C-4DC511540506}"/>
+              </a:ext>
+            </a:extLst>
+          </p:cNvPr>
+          <p:cNvSpPr/>
+          <p:nvPr/>
+        </p:nvSpPr>
+        <p:spPr>
+          <a:xfrm rot="5400000">
+            <a:off x="9641614" y="3280716"/>
+            <a:ext cx="782257" cy="412506"/>
+          </a:xfrm>
+          <a:prstGeom prst="rightArrow">
+            <a:avLst/>
+          </a:prstGeom>
+          <a:solidFill>
+            <a:srgbClr val="767171"/>
+          </a:solidFill>
+          <a:ln>
+            <a:noFill/>
+          </a:ln>
+        </p:spPr>
+        <p:style>
+          <a:lnRef idx="2">
+            <a:schemeClr val="accent1">
+              <a:shade val="50000"/>
+            </a:schemeClr>
+          </a:lnRef>
+          <a:fillRef idx="1">
+            <a:schemeClr val="accent1"/>
+          </a:fillRef>
+          <a:effectRef idx="0">
+            <a:schemeClr val="accent1"/>
+          </a:effectRef>
+          <a:fontRef idx="minor">
+            <a:schemeClr val="lt1"/>
+          </a:fontRef>
+        </p:style>
+        <p:txBody>
+          <a:bodyPr rtlCol="0" anchor="ctr"/>
+          <a:lstStyle/>
+          <a:p>
+            <a:pPr algn="ctr"/>
+            <a:endParaRPr lang="ko-KR" altLang="en-US"/>
+          </a:p>
+        </p:txBody>
+      </p:sp>
+      <p:sp>
+        <p:nvSpPr>
+          <p:cNvPr id="30" name="TextBox 29">
+            <a:extLst>
+              <a:ext uri="{FF2B5EF4-FFF2-40B4-BE49-F238E27FC236}">
+                <a16:creationId xmlns:a16="http://schemas.microsoft.com/office/drawing/2014/main" id="{224DDCEA-D826-4198-9523-3082933D8B78}"/>
+              </a:ext>
+            </a:extLst>
+          </p:cNvPr>
+          <p:cNvSpPr txBox="1"/>
+          <p:nvPr/>
+        </p:nvSpPr>
+        <p:spPr>
+          <a:xfrm>
+            <a:off x="8067060" y="4253257"/>
+            <a:ext cx="3931364" cy="956159"/>
+          </a:xfrm>
+          <a:prstGeom prst="rect">
+            <a:avLst/>
+          </a:prstGeom>
+          <a:noFill/>
+          <a:ln w="28575">
+            <a:solidFill>
+              <a:srgbClr val="F0D252"/>
+            </a:solidFill>
+          </a:ln>
+        </p:spPr>
+        <p:txBody>
+          <a:bodyPr wrap="square" rtlCol="0">
+            <a:spAutoFit/>
+          </a:bodyPr>
+          <a:lstStyle/>
+          <a:p>
+            <a:pPr algn="ctr">
+              <a:lnSpc>
+                <a:spcPct val="150000"/>
+              </a:lnSpc>
+            </a:pPr>
+            <a:r>
+              <a:rPr lang="ko-KR" altLang="en-US" sz="2000" b="1" dirty="0">
+                <a:solidFill>
+                  <a:schemeClr val="tx1">
+                    <a:lumMod val="50000"/>
+                    <a:lumOff val="50000"/>
+                  </a:schemeClr>
+                </a:solidFill>
+                <a:latin typeface="맑은 고딕" panose="020B0503020000020004" pitchFamily="50" charset="-127"/>
+                <a:cs typeface="함초롬바탕" panose="02030604000101010101" pitchFamily="18" charset="-127"/>
+              </a:rPr>
+              <a:t>나이와 샤워 시간에 관한 요소는 상관관계가 있다고 판단</a:t>
             </a:r>
             <a:endParaRPr lang="en-US" altLang="ko-KR" sz="4000" b="1" dirty="0">
               <a:solidFill>
@@ -15165,10 +17573,10 @@
       </p:grpSpPr>
       <p:sp>
         <p:nvSpPr>
-          <p:cNvPr id="5" name="직사각형 4">
+          <p:cNvPr id="6" name="직사각형 5">
             <a:extLst>
               <a:ext uri="{FF2B5EF4-FFF2-40B4-BE49-F238E27FC236}">
-                <a16:creationId xmlns:a16="http://schemas.microsoft.com/office/drawing/2014/main" id="{5C265A66-5F2C-488C-AC8D-8D373FF54653}"/>
+                <a16:creationId xmlns:a16="http://schemas.microsoft.com/office/drawing/2014/main" id="{F3F3FFB9-31B7-4F7E-9FF5-C453DB84B302}"/>
               </a:ext>
             </a:extLst>
           </p:cNvPr>
@@ -15177,8 +17585,8 @@
         </p:nvSpPr>
         <p:spPr>
           <a:xfrm>
-            <a:off x="2704193" y="2321004"/>
-            <a:ext cx="1188538" cy="383007"/>
+            <a:off x="404260" y="512131"/>
+            <a:ext cx="885525" cy="356132"/>
           </a:xfrm>
           <a:prstGeom prst="rect">
             <a:avLst/>
@@ -15217,10 +17625,10 @@
       </p:sp>
       <p:sp>
         <p:nvSpPr>
-          <p:cNvPr id="4" name="TextBox 3">
+          <p:cNvPr id="19" name="TextBox 18">
             <a:extLst>
               <a:ext uri="{FF2B5EF4-FFF2-40B4-BE49-F238E27FC236}">
-                <a16:creationId xmlns:a16="http://schemas.microsoft.com/office/drawing/2014/main" id="{501976EF-180B-4C1B-8BE7-0D218B0A121F}"/>
+                <a16:creationId xmlns:a16="http://schemas.microsoft.com/office/drawing/2014/main" id="{439081C3-781B-4BF8-870E-09F8DCED1388}"/>
               </a:ext>
             </a:extLst>
           </p:cNvPr>
@@ -15229,8 +17637,8 @@
         </p:nvSpPr>
         <p:spPr>
           <a:xfrm>
-            <a:off x="3357245" y="3429000"/>
-            <a:ext cx="3801292" cy="1948034"/>
+            <a:off x="465219" y="523116"/>
+            <a:ext cx="7261373" cy="707886"/>
           </a:xfrm>
           <a:prstGeom prst="rect">
             <a:avLst/>
@@ -15243,100 +17651,575 @@
           </a:bodyPr>
           <a:lstStyle/>
           <a:p>
-            <a:pPr marL="342900" indent="-342900">
-              <a:lnSpc>
-                <a:spcPct val="150000"/>
-              </a:lnSpc>
-              <a:buAutoNum type="arabicPeriod"/>
-            </a:pPr>
-            <a:r>
-              <a:rPr lang="ko-KR" altLang="en-US" sz="2800" b="1" dirty="0">
-                <a:solidFill>
-                  <a:srgbClr val="767171"/>
-                </a:solidFill>
-                <a:latin typeface="+mj-lt"/>
-              </a:rPr>
-              <a:t> 웹 사이트 구성도</a:t>
-            </a:r>
-            <a:endParaRPr lang="en-US" altLang="ko-KR" sz="2800" b="1" dirty="0">
-              <a:solidFill>
-                <a:srgbClr val="767171"/>
-              </a:solidFill>
-              <a:latin typeface="+mj-lt"/>
-            </a:endParaRPr>
-          </a:p>
-          <a:p>
-            <a:pPr marL="342900" indent="-342900">
-              <a:lnSpc>
-                <a:spcPct val="150000"/>
-              </a:lnSpc>
-              <a:buAutoNum type="arabicPeriod"/>
-            </a:pPr>
-            <a:r>
-              <a:rPr lang="en-US" altLang="ko-KR" sz="2800" b="1" dirty="0">
-                <a:solidFill>
-                  <a:srgbClr val="767171"/>
-                </a:solidFill>
-                <a:latin typeface="+mj-lt"/>
-              </a:rPr>
-              <a:t> </a:t>
-            </a:r>
-            <a:r>
-              <a:rPr lang="ko-KR" altLang="en-US" sz="2800" b="1" dirty="0">
-                <a:solidFill>
-                  <a:srgbClr val="767171"/>
-                </a:solidFill>
-                <a:latin typeface="+mj-lt"/>
-              </a:rPr>
-              <a:t>웹 사이트 구현</a:t>
-            </a:r>
-            <a:endParaRPr lang="en-US" altLang="ko-KR" sz="2800" b="1" dirty="0">
-              <a:solidFill>
-                <a:srgbClr val="767171"/>
-              </a:solidFill>
-              <a:latin typeface="+mj-lt"/>
-            </a:endParaRPr>
-          </a:p>
-          <a:p>
-            <a:pPr marL="342900" indent="-342900">
-              <a:lnSpc>
-                <a:spcPct val="150000"/>
-              </a:lnSpc>
-              <a:buAutoNum type="arabicPeriod"/>
-            </a:pPr>
-            <a:r>
-              <a:rPr lang="en-US" altLang="ko-KR" sz="2800" b="1" dirty="0">
-                <a:solidFill>
-                  <a:srgbClr val="767171"/>
-                </a:solidFill>
-                <a:latin typeface="+mj-lt"/>
-              </a:rPr>
-              <a:t> </a:t>
-            </a:r>
-            <a:r>
-              <a:rPr lang="ko-KR" altLang="en-US" sz="2800" b="1" dirty="0">
-                <a:solidFill>
-                  <a:srgbClr val="767171"/>
-                </a:solidFill>
-                <a:latin typeface="+mj-lt"/>
-              </a:rPr>
-              <a:t>모형 구현</a:t>
-            </a:r>
-            <a:endParaRPr lang="en-US" altLang="ko-KR" sz="2800" b="1" dirty="0">
-              <a:solidFill>
-                <a:srgbClr val="767171"/>
-              </a:solidFill>
-              <a:latin typeface="+mj-lt"/>
-            </a:endParaRPr>
+            <a:r>
+              <a:rPr lang="ko-KR" altLang="en-US" sz="4000" b="1" dirty="0">
+                <a:solidFill>
+                  <a:schemeClr val="tx1">
+                    <a:lumMod val="50000"/>
+                    <a:lumOff val="50000"/>
+                  </a:schemeClr>
+                </a:solidFill>
+                <a:latin typeface="맑은 고딕" panose="020B0503020000020004" pitchFamily="50" charset="-127"/>
+                <a:cs typeface="함초롬바탕" panose="02030604000101010101" pitchFamily="18" charset="-127"/>
+              </a:rPr>
+              <a:t>데이터 시각화 </a:t>
+            </a:r>
+            <a:r>
+              <a:rPr lang="en-US" altLang="ko-KR" sz="2000" b="1" dirty="0">
+                <a:solidFill>
+                  <a:schemeClr val="tx1">
+                    <a:lumMod val="50000"/>
+                    <a:lumOff val="50000"/>
+                  </a:schemeClr>
+                </a:solidFill>
+                <a:latin typeface="맑은 고딕" panose="020B0503020000020004" pitchFamily="50" charset="-127"/>
+                <a:cs typeface="함초롬바탕" panose="02030604000101010101" pitchFamily="18" charset="-127"/>
+              </a:rPr>
+              <a:t>(</a:t>
+            </a:r>
+            <a:r>
+              <a:rPr lang="ko-KR" altLang="en-US" sz="2000" b="1" dirty="0">
+                <a:solidFill>
+                  <a:schemeClr val="tx1">
+                    <a:lumMod val="50000"/>
+                    <a:lumOff val="50000"/>
+                  </a:schemeClr>
+                </a:solidFill>
+                <a:latin typeface="맑은 고딕" panose="020B0503020000020004" pitchFamily="50" charset="-127"/>
+                <a:cs typeface="함초롬바탕" panose="02030604000101010101" pitchFamily="18" charset="-127"/>
+              </a:rPr>
+              <a:t>날씨와 샤워 시간에 관한 관계</a:t>
+            </a:r>
+            <a:r>
+              <a:rPr lang="en-US" altLang="ko-KR" sz="2000" b="1" dirty="0">
+                <a:solidFill>
+                  <a:schemeClr val="tx1">
+                    <a:lumMod val="50000"/>
+                    <a:lumOff val="50000"/>
+                  </a:schemeClr>
+                </a:solidFill>
+                <a:latin typeface="맑은 고딕" panose="020B0503020000020004" pitchFamily="50" charset="-127"/>
+                <a:cs typeface="함초롬바탕" panose="02030604000101010101" pitchFamily="18" charset="-127"/>
+              </a:rPr>
+              <a:t>)</a:t>
+            </a:r>
+          </a:p>
+        </p:txBody>
+      </p:sp>
+      <p:pic>
+        <p:nvPicPr>
+          <p:cNvPr id="9" name="그림 8">
+            <a:extLst>
+              <a:ext uri="{FF2B5EF4-FFF2-40B4-BE49-F238E27FC236}">
+                <a16:creationId xmlns:a16="http://schemas.microsoft.com/office/drawing/2014/main" id="{C353B26D-25E0-4ECB-8FE6-380073090E59}"/>
+              </a:ext>
+            </a:extLst>
+          </p:cNvPr>
+          <p:cNvPicPr>
+            <a:picLocks noChangeAspect="1"/>
+          </p:cNvPicPr>
+          <p:nvPr/>
+        </p:nvPicPr>
+        <p:blipFill>
+          <a:blip r:embed="rId3">
+            <a:extLst>
+              <a:ext uri="{28A0092B-C50C-407E-A947-70E740481C1C}">
+                <a14:useLocalDpi xmlns:a14="http://schemas.microsoft.com/office/drawing/2010/main" val="0"/>
+              </a:ext>
+            </a:extLst>
+          </a:blip>
+          <a:stretch>
+            <a:fillRect/>
+          </a:stretch>
+        </p:blipFill>
+        <p:spPr>
+          <a:xfrm>
+            <a:off x="465219" y="1639111"/>
+            <a:ext cx="4600575" cy="2743200"/>
+          </a:xfrm>
+          <a:prstGeom prst="rect">
+            <a:avLst/>
+          </a:prstGeom>
+          <a:ln>
+            <a:noFill/>
+          </a:ln>
+          <a:effectLst>
+            <a:outerShdw blurRad="292100" dist="139700" dir="2700000" algn="tl" rotWithShape="0">
+              <a:srgbClr val="333333">
+                <a:alpha val="65000"/>
+              </a:srgbClr>
+            </a:outerShdw>
+          </a:effectLst>
+        </p:spPr>
+      </p:pic>
+      <p:sp>
+        <p:nvSpPr>
+          <p:cNvPr id="20" name="타원 19">
+            <a:extLst>
+              <a:ext uri="{FF2B5EF4-FFF2-40B4-BE49-F238E27FC236}">
+                <a16:creationId xmlns:a16="http://schemas.microsoft.com/office/drawing/2014/main" id="{8173A468-AD04-49D5-B573-8EEB4201892C}"/>
+              </a:ext>
+            </a:extLst>
+          </p:cNvPr>
+          <p:cNvSpPr/>
+          <p:nvPr/>
+        </p:nvSpPr>
+        <p:spPr>
+          <a:xfrm>
+            <a:off x="847021" y="3010711"/>
+            <a:ext cx="3131591" cy="408562"/>
+          </a:xfrm>
+          <a:prstGeom prst="ellipse">
+            <a:avLst/>
+          </a:prstGeom>
+          <a:noFill/>
+          <a:ln w="38100">
+            <a:solidFill>
+              <a:srgbClr val="B4B459"/>
+            </a:solidFill>
+          </a:ln>
+        </p:spPr>
+        <p:style>
+          <a:lnRef idx="2">
+            <a:schemeClr val="accent1">
+              <a:shade val="50000"/>
+            </a:schemeClr>
+          </a:lnRef>
+          <a:fillRef idx="1">
+            <a:schemeClr val="accent1"/>
+          </a:fillRef>
+          <a:effectRef idx="0">
+            <a:schemeClr val="accent1"/>
+          </a:effectRef>
+          <a:fontRef idx="minor">
+            <a:schemeClr val="lt1"/>
+          </a:fontRef>
+        </p:style>
+        <p:txBody>
+          <a:bodyPr rtlCol="0" anchor="ctr"/>
+          <a:lstStyle/>
+          <a:p>
+            <a:pPr algn="ctr"/>
+            <a:endParaRPr lang="ko-KR" altLang="en-US"/>
           </a:p>
         </p:txBody>
       </p:sp>
       <p:sp>
         <p:nvSpPr>
-          <p:cNvPr id="6" name="TextBox 5">
+          <p:cNvPr id="21" name="타원 20">
             <a:extLst>
               <a:ext uri="{FF2B5EF4-FFF2-40B4-BE49-F238E27FC236}">
-                <a16:creationId xmlns:a16="http://schemas.microsoft.com/office/drawing/2014/main" id="{462E4E4D-70C7-43BB-9CA7-3687B4A71079}"/>
+                <a16:creationId xmlns:a16="http://schemas.microsoft.com/office/drawing/2014/main" id="{22D81BCC-7C6B-4C6D-8F32-6FB1962C92D2}"/>
+              </a:ext>
+            </a:extLst>
+          </p:cNvPr>
+          <p:cNvSpPr/>
+          <p:nvPr/>
+        </p:nvSpPr>
+        <p:spPr>
+          <a:xfrm>
+            <a:off x="746092" y="3278439"/>
+            <a:ext cx="3333448" cy="316848"/>
+          </a:xfrm>
+          <a:prstGeom prst="ellipse">
+            <a:avLst/>
+          </a:prstGeom>
+          <a:noFill/>
+          <a:ln w="38100">
+            <a:solidFill>
+              <a:srgbClr val="2AB9D1"/>
+            </a:solidFill>
+          </a:ln>
+        </p:spPr>
+        <p:style>
+          <a:lnRef idx="2">
+            <a:schemeClr val="accent1">
+              <a:shade val="50000"/>
+            </a:schemeClr>
+          </a:lnRef>
+          <a:fillRef idx="1">
+            <a:schemeClr val="accent1"/>
+          </a:fillRef>
+          <a:effectRef idx="0">
+            <a:schemeClr val="accent1"/>
+          </a:effectRef>
+          <a:fontRef idx="minor">
+            <a:schemeClr val="lt1"/>
+          </a:fontRef>
+        </p:style>
+        <p:txBody>
+          <a:bodyPr rtlCol="0" anchor="ctr"/>
+          <a:lstStyle/>
+          <a:p>
+            <a:pPr algn="ctr"/>
+            <a:endParaRPr lang="ko-KR" altLang="en-US"/>
+          </a:p>
+        </p:txBody>
+      </p:sp>
+      <p:sp>
+        <p:nvSpPr>
+          <p:cNvPr id="22" name="타원 21">
+            <a:extLst>
+              <a:ext uri="{FF2B5EF4-FFF2-40B4-BE49-F238E27FC236}">
+                <a16:creationId xmlns:a16="http://schemas.microsoft.com/office/drawing/2014/main" id="{700B8792-A74D-4A9E-99DF-FA0BF08EE874}"/>
+              </a:ext>
+            </a:extLst>
+          </p:cNvPr>
+          <p:cNvSpPr/>
+          <p:nvPr/>
+        </p:nvSpPr>
+        <p:spPr>
+          <a:xfrm>
+            <a:off x="2234106" y="1956707"/>
+            <a:ext cx="1845434" cy="534708"/>
+          </a:xfrm>
+          <a:prstGeom prst="ellipse">
+            <a:avLst/>
+          </a:prstGeom>
+          <a:noFill/>
+          <a:ln w="38100">
+            <a:solidFill>
+              <a:srgbClr val="806C97"/>
+            </a:solidFill>
+          </a:ln>
+        </p:spPr>
+        <p:style>
+          <a:lnRef idx="2">
+            <a:schemeClr val="accent1">
+              <a:shade val="50000"/>
+            </a:schemeClr>
+          </a:lnRef>
+          <a:fillRef idx="1">
+            <a:schemeClr val="accent1"/>
+          </a:fillRef>
+          <a:effectRef idx="0">
+            <a:schemeClr val="accent1"/>
+          </a:effectRef>
+          <a:fontRef idx="minor">
+            <a:schemeClr val="lt1"/>
+          </a:fontRef>
+        </p:style>
+        <p:txBody>
+          <a:bodyPr rtlCol="0" anchor="ctr"/>
+          <a:lstStyle/>
+          <a:p>
+            <a:pPr algn="ctr"/>
+            <a:endParaRPr lang="ko-KR" altLang="en-US"/>
+          </a:p>
+        </p:txBody>
+      </p:sp>
+      <p:sp>
+        <p:nvSpPr>
+          <p:cNvPr id="23" name="타원 22">
+            <a:extLst>
+              <a:ext uri="{FF2B5EF4-FFF2-40B4-BE49-F238E27FC236}">
+                <a16:creationId xmlns:a16="http://schemas.microsoft.com/office/drawing/2014/main" id="{9C3DF63C-DF35-4591-B909-3CDBA77FDB9A}"/>
+              </a:ext>
+            </a:extLst>
+          </p:cNvPr>
+          <p:cNvSpPr/>
+          <p:nvPr/>
+        </p:nvSpPr>
+        <p:spPr>
+          <a:xfrm>
+            <a:off x="908164" y="3595287"/>
+            <a:ext cx="3070448" cy="261809"/>
+          </a:xfrm>
+          <a:prstGeom prst="ellipse">
+            <a:avLst/>
+          </a:prstGeom>
+          <a:noFill/>
+          <a:ln w="38100">
+            <a:solidFill>
+              <a:srgbClr val="29AB25"/>
+            </a:solidFill>
+          </a:ln>
+        </p:spPr>
+        <p:style>
+          <a:lnRef idx="2">
+            <a:schemeClr val="accent1">
+              <a:shade val="50000"/>
+            </a:schemeClr>
+          </a:lnRef>
+          <a:fillRef idx="1">
+            <a:schemeClr val="accent1"/>
+          </a:fillRef>
+          <a:effectRef idx="0">
+            <a:schemeClr val="accent1"/>
+          </a:effectRef>
+          <a:fontRef idx="minor">
+            <a:schemeClr val="lt1"/>
+          </a:fontRef>
+        </p:style>
+        <p:txBody>
+          <a:bodyPr rtlCol="0" anchor="ctr"/>
+          <a:lstStyle/>
+          <a:p>
+            <a:pPr algn="ctr"/>
+            <a:endParaRPr lang="ko-KR" altLang="en-US"/>
+          </a:p>
+        </p:txBody>
+      </p:sp>
+      <p:pic>
+        <p:nvPicPr>
+          <p:cNvPr id="11" name="그림 10">
+            <a:extLst>
+              <a:ext uri="{FF2B5EF4-FFF2-40B4-BE49-F238E27FC236}">
+                <a16:creationId xmlns:a16="http://schemas.microsoft.com/office/drawing/2014/main" id="{848686C3-ACA2-4D81-AD5C-1563303AE51E}"/>
+              </a:ext>
+            </a:extLst>
+          </p:cNvPr>
+          <p:cNvPicPr>
+            <a:picLocks noChangeAspect="1"/>
+          </p:cNvPicPr>
+          <p:nvPr/>
+        </p:nvPicPr>
+        <p:blipFill>
+          <a:blip r:embed="rId4">
+            <a:extLst>
+              <a:ext uri="{28A0092B-C50C-407E-A947-70E740481C1C}">
+                <a14:useLocalDpi xmlns:a14="http://schemas.microsoft.com/office/drawing/2010/main" val="0"/>
+              </a:ext>
+            </a:extLst>
+          </a:blip>
+          <a:stretch>
+            <a:fillRect/>
+          </a:stretch>
+        </p:blipFill>
+        <p:spPr>
+          <a:xfrm>
+            <a:off x="2582687" y="3670362"/>
+            <a:ext cx="4638675" cy="2790825"/>
+          </a:xfrm>
+          <a:prstGeom prst="rect">
+            <a:avLst/>
+          </a:prstGeom>
+          <a:ln>
+            <a:noFill/>
+          </a:ln>
+          <a:effectLst>
+            <a:outerShdw blurRad="292100" dist="139700" dir="2700000" algn="tl" rotWithShape="0">
+              <a:srgbClr val="333333">
+                <a:alpha val="65000"/>
+              </a:srgbClr>
+            </a:outerShdw>
+          </a:effectLst>
+        </p:spPr>
+      </p:pic>
+      <p:sp>
+        <p:nvSpPr>
+          <p:cNvPr id="14" name="타원 13">
+            <a:extLst>
+              <a:ext uri="{FF2B5EF4-FFF2-40B4-BE49-F238E27FC236}">
+                <a16:creationId xmlns:a16="http://schemas.microsoft.com/office/drawing/2014/main" id="{4AC7BE95-18EB-453F-93D4-B64CD9BB3518}"/>
+              </a:ext>
+            </a:extLst>
+          </p:cNvPr>
+          <p:cNvSpPr/>
+          <p:nvPr/>
+        </p:nvSpPr>
+        <p:spPr>
+          <a:xfrm>
+            <a:off x="3014720" y="4428202"/>
+            <a:ext cx="3333448" cy="190716"/>
+          </a:xfrm>
+          <a:prstGeom prst="ellipse">
+            <a:avLst/>
+          </a:prstGeom>
+          <a:noFill/>
+          <a:ln w="38100">
+            <a:solidFill>
+              <a:srgbClr val="00B0F0"/>
+            </a:solidFill>
+          </a:ln>
+        </p:spPr>
+        <p:style>
+          <a:lnRef idx="2">
+            <a:schemeClr val="accent1">
+              <a:shade val="50000"/>
+            </a:schemeClr>
+          </a:lnRef>
+          <a:fillRef idx="1">
+            <a:schemeClr val="accent1"/>
+          </a:fillRef>
+          <a:effectRef idx="0">
+            <a:schemeClr val="accent1"/>
+          </a:effectRef>
+          <a:fontRef idx="minor">
+            <a:schemeClr val="lt1"/>
+          </a:fontRef>
+        </p:style>
+        <p:txBody>
+          <a:bodyPr rtlCol="0" anchor="ctr"/>
+          <a:lstStyle/>
+          <a:p>
+            <a:pPr algn="ctr"/>
+            <a:endParaRPr lang="ko-KR" altLang="en-US"/>
+          </a:p>
+        </p:txBody>
+      </p:sp>
+      <p:sp>
+        <p:nvSpPr>
+          <p:cNvPr id="15" name="타원 14">
+            <a:extLst>
+              <a:ext uri="{FF2B5EF4-FFF2-40B4-BE49-F238E27FC236}">
+                <a16:creationId xmlns:a16="http://schemas.microsoft.com/office/drawing/2014/main" id="{1ADE7DAB-D887-4298-914E-F2E6D30F07B8}"/>
+              </a:ext>
+            </a:extLst>
+          </p:cNvPr>
+          <p:cNvSpPr/>
+          <p:nvPr/>
+        </p:nvSpPr>
+        <p:spPr>
+          <a:xfrm>
+            <a:off x="4675487" y="3984304"/>
+            <a:ext cx="780614" cy="296165"/>
+          </a:xfrm>
+          <a:prstGeom prst="ellipse">
+            <a:avLst/>
+          </a:prstGeom>
+          <a:noFill/>
+          <a:ln w="38100">
+            <a:solidFill>
+              <a:srgbClr val="CC84B0"/>
+            </a:solidFill>
+          </a:ln>
+        </p:spPr>
+        <p:style>
+          <a:lnRef idx="2">
+            <a:schemeClr val="accent1">
+              <a:shade val="50000"/>
+            </a:schemeClr>
+          </a:lnRef>
+          <a:fillRef idx="1">
+            <a:schemeClr val="accent1"/>
+          </a:fillRef>
+          <a:effectRef idx="0">
+            <a:schemeClr val="accent1"/>
+          </a:effectRef>
+          <a:fontRef idx="minor">
+            <a:schemeClr val="lt1"/>
+          </a:fontRef>
+        </p:style>
+        <p:txBody>
+          <a:bodyPr rtlCol="0" anchor="ctr"/>
+          <a:lstStyle/>
+          <a:p>
+            <a:pPr algn="ctr"/>
+            <a:endParaRPr lang="ko-KR" altLang="en-US"/>
+          </a:p>
+        </p:txBody>
+      </p:sp>
+      <p:sp>
+        <p:nvSpPr>
+          <p:cNvPr id="17" name="타원 16">
+            <a:extLst>
+              <a:ext uri="{FF2B5EF4-FFF2-40B4-BE49-F238E27FC236}">
+                <a16:creationId xmlns:a16="http://schemas.microsoft.com/office/drawing/2014/main" id="{97B701C2-D9B1-4683-A864-DBD50DDC1137}"/>
+              </a:ext>
+            </a:extLst>
+          </p:cNvPr>
+          <p:cNvSpPr/>
+          <p:nvPr/>
+        </p:nvSpPr>
+        <p:spPr>
+          <a:xfrm>
+            <a:off x="3017962" y="5062815"/>
+            <a:ext cx="3078038" cy="408562"/>
+          </a:xfrm>
+          <a:prstGeom prst="ellipse">
+            <a:avLst/>
+          </a:prstGeom>
+          <a:noFill/>
+          <a:ln w="38100">
+            <a:solidFill>
+              <a:srgbClr val="B4B459"/>
+            </a:solidFill>
+          </a:ln>
+        </p:spPr>
+        <p:style>
+          <a:lnRef idx="2">
+            <a:schemeClr val="accent1">
+              <a:shade val="50000"/>
+            </a:schemeClr>
+          </a:lnRef>
+          <a:fillRef idx="1">
+            <a:schemeClr val="accent1"/>
+          </a:fillRef>
+          <a:effectRef idx="0">
+            <a:schemeClr val="accent1"/>
+          </a:effectRef>
+          <a:fontRef idx="minor">
+            <a:schemeClr val="lt1"/>
+          </a:fontRef>
+        </p:style>
+        <p:txBody>
+          <a:bodyPr rtlCol="0" anchor="ctr"/>
+          <a:lstStyle/>
+          <a:p>
+            <a:pPr algn="ctr"/>
+            <a:endParaRPr lang="ko-KR" altLang="en-US"/>
+          </a:p>
+        </p:txBody>
+      </p:sp>
+      <p:sp>
+        <p:nvSpPr>
+          <p:cNvPr id="18" name="타원 17">
+            <a:extLst>
+              <a:ext uri="{FF2B5EF4-FFF2-40B4-BE49-F238E27FC236}">
+                <a16:creationId xmlns:a16="http://schemas.microsoft.com/office/drawing/2014/main" id="{EF4231CB-72C9-4EC5-930E-E53A7A6D58C4}"/>
+              </a:ext>
+            </a:extLst>
+          </p:cNvPr>
+          <p:cNvSpPr/>
+          <p:nvPr/>
+        </p:nvSpPr>
+        <p:spPr>
+          <a:xfrm>
+            <a:off x="3502082" y="5376757"/>
+            <a:ext cx="2593918" cy="261809"/>
+          </a:xfrm>
+          <a:prstGeom prst="ellipse">
+            <a:avLst/>
+          </a:prstGeom>
+          <a:noFill/>
+          <a:ln w="38100">
+            <a:solidFill>
+              <a:srgbClr val="29AB25"/>
+            </a:solidFill>
+          </a:ln>
+        </p:spPr>
+        <p:style>
+          <a:lnRef idx="2">
+            <a:schemeClr val="accent1">
+              <a:shade val="50000"/>
+            </a:schemeClr>
+          </a:lnRef>
+          <a:fillRef idx="1">
+            <a:schemeClr val="accent1"/>
+          </a:fillRef>
+          <a:effectRef idx="0">
+            <a:schemeClr val="accent1"/>
+          </a:effectRef>
+          <a:fontRef idx="minor">
+            <a:schemeClr val="lt1"/>
+          </a:fontRef>
+        </p:style>
+        <p:txBody>
+          <a:bodyPr rtlCol="0" anchor="ctr"/>
+          <a:lstStyle/>
+          <a:p>
+            <a:pPr algn="ctr"/>
+            <a:endParaRPr lang="ko-KR" altLang="en-US"/>
+          </a:p>
+        </p:txBody>
+      </p:sp>
+      <p:sp>
+        <p:nvSpPr>
+          <p:cNvPr id="24" name="TextBox 23">
+            <a:extLst>
+              <a:ext uri="{FF2B5EF4-FFF2-40B4-BE49-F238E27FC236}">
+                <a16:creationId xmlns:a16="http://schemas.microsoft.com/office/drawing/2014/main" id="{CB42B6B7-4106-46C7-B938-D2207B21432E}"/>
               </a:ext>
             </a:extLst>
           </p:cNvPr>
@@ -15345,8 +18228,8 @@
         </p:nvSpPr>
         <p:spPr>
           <a:xfrm>
-            <a:off x="2209962" y="2321004"/>
-            <a:ext cx="3218381" cy="1107996"/>
+            <a:off x="5836595" y="1762819"/>
+            <a:ext cx="7550372" cy="956159"/>
           </a:xfrm>
           <a:prstGeom prst="rect">
             <a:avLst/>
@@ -15359,31 +18242,230 @@
           </a:bodyPr>
           <a:lstStyle/>
           <a:p>
+            <a:pPr>
+              <a:lnSpc>
+                <a:spcPct val="150000"/>
+              </a:lnSpc>
+            </a:pPr>
+            <a:r>
+              <a:rPr lang="ko-KR" altLang="en-US" sz="2000" b="1" dirty="0">
+                <a:solidFill>
+                  <a:schemeClr val="tx1">
+                    <a:lumMod val="50000"/>
+                    <a:lumOff val="50000"/>
+                  </a:schemeClr>
+                </a:solidFill>
+                <a:latin typeface="맑은 고딕" panose="020B0503020000020004" pitchFamily="50" charset="-127"/>
+                <a:cs typeface="함초롬바탕" panose="02030604000101010101" pitchFamily="18" charset="-127"/>
+              </a:rPr>
+              <a:t>날씨에 따라 샤워하는 시간이나 시작하는 시간이</a:t>
+            </a:r>
+            <a:endParaRPr lang="en-US" altLang="ko-KR" sz="2000" b="1" dirty="0">
+              <a:solidFill>
+                <a:schemeClr val="tx1">
+                  <a:lumMod val="50000"/>
+                  <a:lumOff val="50000"/>
+                </a:schemeClr>
+              </a:solidFill>
+              <a:latin typeface="맑은 고딕" panose="020B0503020000020004" pitchFamily="50" charset="-127"/>
+              <a:cs typeface="함초롬바탕" panose="02030604000101010101" pitchFamily="18" charset="-127"/>
+            </a:endParaRPr>
+          </a:p>
+          <a:p>
+            <a:pPr>
+              <a:lnSpc>
+                <a:spcPct val="150000"/>
+              </a:lnSpc>
+            </a:pPr>
+            <a:r>
+              <a:rPr lang="ko-KR" altLang="en-US" sz="2000" b="1" dirty="0">
+                <a:solidFill>
+                  <a:schemeClr val="tx1">
+                    <a:lumMod val="50000"/>
+                    <a:lumOff val="50000"/>
+                  </a:schemeClr>
+                </a:solidFill>
+                <a:latin typeface="맑은 고딕" panose="020B0503020000020004" pitchFamily="50" charset="-127"/>
+                <a:cs typeface="함초롬바탕" panose="02030604000101010101" pitchFamily="18" charset="-127"/>
+              </a:rPr>
+              <a:t>군집화 되는 것을 볼 수 있음</a:t>
+            </a:r>
+            <a:endParaRPr lang="en-US" altLang="ko-KR" sz="4000" b="1" dirty="0">
+              <a:solidFill>
+                <a:schemeClr val="tx1">
+                  <a:lumMod val="50000"/>
+                  <a:lumOff val="50000"/>
+                </a:schemeClr>
+              </a:solidFill>
+              <a:latin typeface="맑은 고딕" panose="020B0503020000020004" pitchFamily="50" charset="-127"/>
+              <a:cs typeface="함초롬바탕" panose="02030604000101010101" pitchFamily="18" charset="-127"/>
+            </a:endParaRPr>
+          </a:p>
+        </p:txBody>
+      </p:sp>
+      <p:sp>
+        <p:nvSpPr>
+          <p:cNvPr id="25" name="화살표: 오른쪽 24">
+            <a:extLst>
+              <a:ext uri="{FF2B5EF4-FFF2-40B4-BE49-F238E27FC236}">
+                <a16:creationId xmlns:a16="http://schemas.microsoft.com/office/drawing/2014/main" id="{20C5B552-6EA0-4C3E-9A74-52683A948E5D}"/>
+              </a:ext>
+            </a:extLst>
+          </p:cNvPr>
+          <p:cNvSpPr/>
+          <p:nvPr/>
+        </p:nvSpPr>
+        <p:spPr>
+          <a:xfrm>
+            <a:off x="5254804" y="1831293"/>
+            <a:ext cx="581791" cy="412506"/>
+          </a:xfrm>
+          <a:prstGeom prst="rightArrow">
+            <a:avLst/>
+          </a:prstGeom>
+          <a:solidFill>
+            <a:srgbClr val="767171"/>
+          </a:solidFill>
+          <a:ln>
+            <a:noFill/>
+          </a:ln>
+        </p:spPr>
+        <p:style>
+          <a:lnRef idx="2">
+            <a:schemeClr val="accent1">
+              <a:shade val="50000"/>
+            </a:schemeClr>
+          </a:lnRef>
+          <a:fillRef idx="1">
+            <a:schemeClr val="accent1"/>
+          </a:fillRef>
+          <a:effectRef idx="0">
+            <a:schemeClr val="accent1"/>
+          </a:effectRef>
+          <a:fontRef idx="minor">
+            <a:schemeClr val="lt1"/>
+          </a:fontRef>
+        </p:style>
+        <p:txBody>
+          <a:bodyPr rtlCol="0" anchor="ctr"/>
+          <a:lstStyle/>
+          <a:p>
             <a:pPr algn="ctr"/>
-            <a:r>
-              <a:rPr lang="ko-KR" altLang="en-US" sz="6600" b="1">
-                <a:ln>
-                  <a:solidFill>
-                    <a:schemeClr val="accent1">
-                      <a:shade val="50000"/>
-                      <a:alpha val="0"/>
-                    </a:schemeClr>
-                  </a:solidFill>
-                </a:ln>
-                <a:solidFill>
-                  <a:schemeClr val="bg2">
+            <a:endParaRPr lang="ko-KR" altLang="en-US"/>
+          </a:p>
+        </p:txBody>
+      </p:sp>
+      <p:sp>
+        <p:nvSpPr>
+          <p:cNvPr id="26" name="화살표: 오른쪽 25">
+            <a:extLst>
+              <a:ext uri="{FF2B5EF4-FFF2-40B4-BE49-F238E27FC236}">
+                <a16:creationId xmlns:a16="http://schemas.microsoft.com/office/drawing/2014/main" id="{D4472370-7D17-4EF3-8AF9-95C8CEADF94C}"/>
+              </a:ext>
+            </a:extLst>
+          </p:cNvPr>
+          <p:cNvSpPr/>
+          <p:nvPr/>
+        </p:nvSpPr>
+        <p:spPr>
+          <a:xfrm rot="5400000">
+            <a:off x="8298503" y="3275002"/>
+            <a:ext cx="782257" cy="412506"/>
+          </a:xfrm>
+          <a:prstGeom prst="rightArrow">
+            <a:avLst/>
+          </a:prstGeom>
+          <a:solidFill>
+            <a:srgbClr val="767171"/>
+          </a:solidFill>
+          <a:ln>
+            <a:noFill/>
+          </a:ln>
+        </p:spPr>
+        <p:style>
+          <a:lnRef idx="2">
+            <a:schemeClr val="accent1">
+              <a:shade val="50000"/>
+            </a:schemeClr>
+          </a:lnRef>
+          <a:fillRef idx="1">
+            <a:schemeClr val="accent1"/>
+          </a:fillRef>
+          <a:effectRef idx="0">
+            <a:schemeClr val="accent1"/>
+          </a:effectRef>
+          <a:fontRef idx="minor">
+            <a:schemeClr val="lt1"/>
+          </a:fontRef>
+        </p:style>
+        <p:txBody>
+          <a:bodyPr rtlCol="0" anchor="ctr"/>
+          <a:lstStyle/>
+          <a:p>
+            <a:pPr algn="ctr"/>
+            <a:endParaRPr lang="ko-KR" altLang="en-US"/>
+          </a:p>
+        </p:txBody>
+      </p:sp>
+      <p:sp>
+        <p:nvSpPr>
+          <p:cNvPr id="27" name="TextBox 26">
+            <a:extLst>
+              <a:ext uri="{FF2B5EF4-FFF2-40B4-BE49-F238E27FC236}">
+                <a16:creationId xmlns:a16="http://schemas.microsoft.com/office/drawing/2014/main" id="{46258E25-36A8-4CD2-9BDC-9AC14E81D574}"/>
+              </a:ext>
+            </a:extLst>
+          </p:cNvPr>
+          <p:cNvSpPr txBox="1"/>
+          <p:nvPr/>
+        </p:nvSpPr>
+        <p:spPr>
+          <a:xfrm>
+            <a:off x="7726592" y="4236074"/>
+            <a:ext cx="3931364" cy="956159"/>
+          </a:xfrm>
+          <a:prstGeom prst="rect">
+            <a:avLst/>
+          </a:prstGeom>
+          <a:noFill/>
+          <a:ln w="28575">
+            <a:solidFill>
+              <a:srgbClr val="F0D252"/>
+            </a:solidFill>
+          </a:ln>
+        </p:spPr>
+        <p:txBody>
+          <a:bodyPr wrap="square" rtlCol="0">
+            <a:spAutoFit/>
+          </a:bodyPr>
+          <a:lstStyle/>
+          <a:p>
+            <a:pPr algn="ctr">
+              <a:lnSpc>
+                <a:spcPct val="150000"/>
+              </a:lnSpc>
+            </a:pPr>
+            <a:r>
+              <a:rPr lang="ko-KR" altLang="en-US" sz="2000" b="1" dirty="0">
+                <a:solidFill>
+                  <a:schemeClr val="tx1">
                     <a:lumMod val="50000"/>
+                    <a:lumOff val="50000"/>
                   </a:schemeClr>
                 </a:solidFill>
                 <a:latin typeface="맑은 고딕" panose="020B0503020000020004" pitchFamily="50" charset="-127"/>
-                <a:ea typeface="맑은 고딕" panose="020B0503020000020004" pitchFamily="50" charset="-127"/>
                 <a:cs typeface="함초롬바탕" panose="02030604000101010101" pitchFamily="18" charset="-127"/>
               </a:rPr>
-              <a:t>구현</a:t>
-            </a:r>
-            <a:endParaRPr lang="en-US" altLang="ko-KR" sz="6600" dirty="0">
+              <a:t>날씨와 샤워 시간에 관한 요소는 상관관계가 있다고 판단</a:t>
+            </a:r>
+            <a:endParaRPr lang="en-US" altLang="ko-KR" sz="4000" b="1" dirty="0">
+              <a:solidFill>
+                <a:schemeClr val="tx1">
+                  <a:lumMod val="50000"/>
+                  <a:lumOff val="50000"/>
+                </a:schemeClr>
+              </a:solidFill>
               <a:latin typeface="맑은 고딕" panose="020B0503020000020004" pitchFamily="50" charset="-127"/>
-              <a:ea typeface="맑은 고딕" panose="020B0503020000020004" pitchFamily="50" charset="-127"/>
               <a:cs typeface="함초롬바탕" panose="02030604000101010101" pitchFamily="18" charset="-127"/>
             </a:endParaRPr>
           </a:p>
@@ -15392,7 +18474,7 @@
     </p:spTree>
     <p:extLst>
       <p:ext uri="{BB962C8B-B14F-4D97-AF65-F5344CB8AC3E}">
-        <p14:creationId xmlns:p14="http://schemas.microsoft.com/office/powerpoint/2010/main" val="1817240211"/>
+        <p14:creationId xmlns:p14="http://schemas.microsoft.com/office/powerpoint/2010/main" val="2722938539"/>
       </p:ext>
     </p:extLst>
   </p:cSld>
@@ -16387,6 +19469,262 @@
       </p:grpSpPr>
       <p:sp>
         <p:nvSpPr>
+          <p:cNvPr id="5" name="직사각형 4">
+            <a:extLst>
+              <a:ext uri="{FF2B5EF4-FFF2-40B4-BE49-F238E27FC236}">
+                <a16:creationId xmlns:a16="http://schemas.microsoft.com/office/drawing/2014/main" id="{5C265A66-5F2C-488C-AC8D-8D373FF54653}"/>
+              </a:ext>
+            </a:extLst>
+          </p:cNvPr>
+          <p:cNvSpPr/>
+          <p:nvPr/>
+        </p:nvSpPr>
+        <p:spPr>
+          <a:xfrm>
+            <a:off x="2704193" y="2321004"/>
+            <a:ext cx="1188538" cy="383007"/>
+          </a:xfrm>
+          <a:prstGeom prst="rect">
+            <a:avLst/>
+          </a:prstGeom>
+          <a:solidFill>
+            <a:srgbClr val="F0D252"/>
+          </a:solidFill>
+          <a:ln>
+            <a:noFill/>
+          </a:ln>
+        </p:spPr>
+        <p:style>
+          <a:lnRef idx="2">
+            <a:schemeClr val="accent1">
+              <a:shade val="50000"/>
+            </a:schemeClr>
+          </a:lnRef>
+          <a:fillRef idx="1">
+            <a:schemeClr val="accent1"/>
+          </a:fillRef>
+          <a:effectRef idx="0">
+            <a:schemeClr val="accent1"/>
+          </a:effectRef>
+          <a:fontRef idx="minor">
+            <a:schemeClr val="lt1"/>
+          </a:fontRef>
+        </p:style>
+        <p:txBody>
+          <a:bodyPr rtlCol="0" anchor="ctr"/>
+          <a:lstStyle/>
+          <a:p>
+            <a:pPr algn="ctr"/>
+            <a:endParaRPr lang="ko-KR" altLang="en-US" dirty="0"/>
+          </a:p>
+        </p:txBody>
+      </p:sp>
+      <p:sp>
+        <p:nvSpPr>
+          <p:cNvPr id="4" name="TextBox 3">
+            <a:extLst>
+              <a:ext uri="{FF2B5EF4-FFF2-40B4-BE49-F238E27FC236}">
+                <a16:creationId xmlns:a16="http://schemas.microsoft.com/office/drawing/2014/main" id="{501976EF-180B-4C1B-8BE7-0D218B0A121F}"/>
+              </a:ext>
+            </a:extLst>
+          </p:cNvPr>
+          <p:cNvSpPr txBox="1"/>
+          <p:nvPr/>
+        </p:nvSpPr>
+        <p:spPr>
+          <a:xfrm>
+            <a:off x="3357245" y="3429000"/>
+            <a:ext cx="3801292" cy="1948034"/>
+          </a:xfrm>
+          <a:prstGeom prst="rect">
+            <a:avLst/>
+          </a:prstGeom>
+          <a:noFill/>
+        </p:spPr>
+        <p:txBody>
+          <a:bodyPr wrap="square" rtlCol="0">
+            <a:spAutoFit/>
+          </a:bodyPr>
+          <a:lstStyle/>
+          <a:p>
+            <a:pPr marL="342900" indent="-342900">
+              <a:lnSpc>
+                <a:spcPct val="150000"/>
+              </a:lnSpc>
+              <a:buAutoNum type="arabicPeriod"/>
+            </a:pPr>
+            <a:r>
+              <a:rPr lang="ko-KR" altLang="en-US" sz="2800" b="1" dirty="0">
+                <a:solidFill>
+                  <a:srgbClr val="767171"/>
+                </a:solidFill>
+                <a:latin typeface="+mj-lt"/>
+              </a:rPr>
+              <a:t> 웹 사이트 구성도</a:t>
+            </a:r>
+            <a:endParaRPr lang="en-US" altLang="ko-KR" sz="2800" b="1" dirty="0">
+              <a:solidFill>
+                <a:srgbClr val="767171"/>
+              </a:solidFill>
+              <a:latin typeface="+mj-lt"/>
+            </a:endParaRPr>
+          </a:p>
+          <a:p>
+            <a:pPr marL="342900" indent="-342900">
+              <a:lnSpc>
+                <a:spcPct val="150000"/>
+              </a:lnSpc>
+              <a:buAutoNum type="arabicPeriod"/>
+            </a:pPr>
+            <a:r>
+              <a:rPr lang="en-US" altLang="ko-KR" sz="2800" b="1" dirty="0">
+                <a:solidFill>
+                  <a:srgbClr val="767171"/>
+                </a:solidFill>
+                <a:latin typeface="+mj-lt"/>
+              </a:rPr>
+              <a:t> </a:t>
+            </a:r>
+            <a:r>
+              <a:rPr lang="ko-KR" altLang="en-US" sz="2800" b="1" dirty="0">
+                <a:solidFill>
+                  <a:srgbClr val="767171"/>
+                </a:solidFill>
+                <a:latin typeface="+mj-lt"/>
+              </a:rPr>
+              <a:t>웹 사이트 구현</a:t>
+            </a:r>
+            <a:endParaRPr lang="en-US" altLang="ko-KR" sz="2800" b="1" dirty="0">
+              <a:solidFill>
+                <a:srgbClr val="767171"/>
+              </a:solidFill>
+              <a:latin typeface="+mj-lt"/>
+            </a:endParaRPr>
+          </a:p>
+          <a:p>
+            <a:pPr marL="342900" indent="-342900">
+              <a:lnSpc>
+                <a:spcPct val="150000"/>
+              </a:lnSpc>
+              <a:buAutoNum type="arabicPeriod"/>
+            </a:pPr>
+            <a:r>
+              <a:rPr lang="en-US" altLang="ko-KR" sz="2800" b="1" dirty="0">
+                <a:solidFill>
+                  <a:srgbClr val="767171"/>
+                </a:solidFill>
+                <a:latin typeface="+mj-lt"/>
+              </a:rPr>
+              <a:t> </a:t>
+            </a:r>
+            <a:r>
+              <a:rPr lang="ko-KR" altLang="en-US" sz="2800" b="1" dirty="0">
+                <a:solidFill>
+                  <a:srgbClr val="767171"/>
+                </a:solidFill>
+                <a:latin typeface="+mj-lt"/>
+              </a:rPr>
+              <a:t>모형 구현</a:t>
+            </a:r>
+            <a:endParaRPr lang="en-US" altLang="ko-KR" sz="2800" b="1" dirty="0">
+              <a:solidFill>
+                <a:srgbClr val="767171"/>
+              </a:solidFill>
+              <a:latin typeface="+mj-lt"/>
+            </a:endParaRPr>
+          </a:p>
+        </p:txBody>
+      </p:sp>
+      <p:sp>
+        <p:nvSpPr>
+          <p:cNvPr id="6" name="TextBox 5">
+            <a:extLst>
+              <a:ext uri="{FF2B5EF4-FFF2-40B4-BE49-F238E27FC236}">
+                <a16:creationId xmlns:a16="http://schemas.microsoft.com/office/drawing/2014/main" id="{462E4E4D-70C7-43BB-9CA7-3687B4A71079}"/>
+              </a:ext>
+            </a:extLst>
+          </p:cNvPr>
+          <p:cNvSpPr txBox="1"/>
+          <p:nvPr/>
+        </p:nvSpPr>
+        <p:spPr>
+          <a:xfrm>
+            <a:off x="2209962" y="2321004"/>
+            <a:ext cx="3218381" cy="1107996"/>
+          </a:xfrm>
+          <a:prstGeom prst="rect">
+            <a:avLst/>
+          </a:prstGeom>
+          <a:noFill/>
+        </p:spPr>
+        <p:txBody>
+          <a:bodyPr wrap="square" rtlCol="0">
+            <a:spAutoFit/>
+          </a:bodyPr>
+          <a:lstStyle/>
+          <a:p>
+            <a:pPr algn="ctr"/>
+            <a:r>
+              <a:rPr lang="ko-KR" altLang="en-US" sz="6600" b="1">
+                <a:ln>
+                  <a:solidFill>
+                    <a:schemeClr val="accent1">
+                      <a:shade val="50000"/>
+                      <a:alpha val="0"/>
+                    </a:schemeClr>
+                  </a:solidFill>
+                </a:ln>
+                <a:solidFill>
+                  <a:schemeClr val="bg2">
+                    <a:lumMod val="50000"/>
+                  </a:schemeClr>
+                </a:solidFill>
+                <a:latin typeface="맑은 고딕" panose="020B0503020000020004" pitchFamily="50" charset="-127"/>
+                <a:ea typeface="맑은 고딕" panose="020B0503020000020004" pitchFamily="50" charset="-127"/>
+                <a:cs typeface="함초롬바탕" panose="02030604000101010101" pitchFamily="18" charset="-127"/>
+              </a:rPr>
+              <a:t>구현</a:t>
+            </a:r>
+            <a:endParaRPr lang="en-US" altLang="ko-KR" sz="6600" dirty="0">
+              <a:latin typeface="맑은 고딕" panose="020B0503020000020004" pitchFamily="50" charset="-127"/>
+              <a:ea typeface="맑은 고딕" panose="020B0503020000020004" pitchFamily="50" charset="-127"/>
+              <a:cs typeface="함초롬바탕" panose="02030604000101010101" pitchFamily="18" charset="-127"/>
+            </a:endParaRPr>
+          </a:p>
+        </p:txBody>
+      </p:sp>
+    </p:spTree>
+    <p:extLst>
+      <p:ext uri="{BB962C8B-B14F-4D97-AF65-F5344CB8AC3E}">
+        <p14:creationId xmlns:p14="http://schemas.microsoft.com/office/powerpoint/2010/main" val="1817240211"/>
+      </p:ext>
+    </p:extLst>
+  </p:cSld>
+  <p:clrMapOvr>
+    <a:masterClrMapping/>
+  </p:clrMapOvr>
+</p:sld>
+</file>
+
+<file path=ppt/slides/slide21.xml><?xml version="1.0" encoding="utf-8"?>
+<p:sld xmlns:a="http://schemas.openxmlformats.org/drawingml/2006/main" xmlns:r="http://schemas.openxmlformats.org/officeDocument/2006/relationships" xmlns:p="http://schemas.openxmlformats.org/presentationml/2006/main">
+  <p:cSld>
+    <p:spTree>
+      <p:nvGrpSpPr>
+        <p:cNvPr id="1" name=""/>
+        <p:cNvGrpSpPr/>
+        <p:nvPr/>
+      </p:nvGrpSpPr>
+      <p:grpSpPr>
+        <a:xfrm>
+          <a:off x="0" y="0"/>
+          <a:ext cx="0" cy="0"/>
+          <a:chOff x="0" y="0"/>
+          <a:chExt cx="0" cy="0"/>
+        </a:xfrm>
+      </p:grpSpPr>
+      <p:sp>
+        <p:nvSpPr>
           <p:cNvPr id="6" name="직사각형 5">
             <a:extLst>
               <a:ext uri="{FF2B5EF4-FFF2-40B4-BE49-F238E27FC236}">
@@ -17603,7 +20941,7 @@
 </p:sld>
 </file>
 
-<file path=ppt/slides/slide21.xml><?xml version="1.0" encoding="utf-8"?>
+<file path=ppt/slides/slide22.xml><?xml version="1.0" encoding="utf-8"?>
 <p:sld xmlns:a="http://schemas.openxmlformats.org/drawingml/2006/main" xmlns:r="http://schemas.openxmlformats.org/officeDocument/2006/relationships" xmlns:p="http://schemas.openxmlformats.org/presentationml/2006/main">
   <p:cSld>
     <p:spTree>
@@ -18151,7 +21489,7 @@
 </p:sld>
 </file>
 
-<file path=ppt/slides/slide22.xml><?xml version="1.0" encoding="utf-8"?>
+<file path=ppt/slides/slide23.xml><?xml version="1.0" encoding="utf-8"?>
 <p:sld xmlns:a="http://schemas.openxmlformats.org/drawingml/2006/main" xmlns:r="http://schemas.openxmlformats.org/officeDocument/2006/relationships" xmlns:p="http://schemas.openxmlformats.org/presentationml/2006/main">
   <p:cSld>
     <p:spTree>
@@ -19620,1146 +22958,6 @@
 </p:sld>
 </file>
 
-<file path=ppt/slides/slide23.xml><?xml version="1.0" encoding="utf-8"?>
-<p:sld xmlns:a="http://schemas.openxmlformats.org/drawingml/2006/main" xmlns:r="http://schemas.openxmlformats.org/officeDocument/2006/relationships" xmlns:p="http://schemas.openxmlformats.org/presentationml/2006/main">
-  <p:cSld>
-    <p:spTree>
-      <p:nvGrpSpPr>
-        <p:cNvPr id="1" name=""/>
-        <p:cNvGrpSpPr/>
-        <p:nvPr/>
-      </p:nvGrpSpPr>
-      <p:grpSpPr>
-        <a:xfrm>
-          <a:off x="0" y="0"/>
-          <a:ext cx="0" cy="0"/>
-          <a:chOff x="0" y="0"/>
-          <a:chExt cx="0" cy="0"/>
-        </a:xfrm>
-      </p:grpSpPr>
-      <p:sp>
-        <p:nvSpPr>
-          <p:cNvPr id="6" name="직사각형 5">
-            <a:extLst>
-              <a:ext uri="{FF2B5EF4-FFF2-40B4-BE49-F238E27FC236}">
-                <a16:creationId xmlns:a16="http://schemas.microsoft.com/office/drawing/2014/main" id="{F3F3FFB9-31B7-4F7E-9FF5-C453DB84B302}"/>
-              </a:ext>
-            </a:extLst>
-          </p:cNvPr>
-          <p:cNvSpPr/>
-          <p:nvPr/>
-        </p:nvSpPr>
-        <p:spPr>
-          <a:xfrm>
-            <a:off x="404260" y="512131"/>
-            <a:ext cx="885525" cy="356132"/>
-          </a:xfrm>
-          <a:prstGeom prst="rect">
-            <a:avLst/>
-          </a:prstGeom>
-          <a:solidFill>
-            <a:srgbClr val="F0D252"/>
-          </a:solidFill>
-          <a:ln>
-            <a:noFill/>
-          </a:ln>
-        </p:spPr>
-        <p:style>
-          <a:lnRef idx="2">
-            <a:schemeClr val="accent1">
-              <a:shade val="50000"/>
-            </a:schemeClr>
-          </a:lnRef>
-          <a:fillRef idx="1">
-            <a:schemeClr val="accent1"/>
-          </a:fillRef>
-          <a:effectRef idx="0">
-            <a:schemeClr val="accent1"/>
-          </a:effectRef>
-          <a:fontRef idx="minor">
-            <a:schemeClr val="lt1"/>
-          </a:fontRef>
-        </p:style>
-        <p:txBody>
-          <a:bodyPr rtlCol="0" anchor="ctr"/>
-          <a:lstStyle/>
-          <a:p>
-            <a:pPr algn="ctr"/>
-            <a:endParaRPr lang="ko-KR" altLang="en-US" dirty="0"/>
-          </a:p>
-        </p:txBody>
-      </p:sp>
-      <p:sp>
-        <p:nvSpPr>
-          <p:cNvPr id="19" name="TextBox 18">
-            <a:extLst>
-              <a:ext uri="{FF2B5EF4-FFF2-40B4-BE49-F238E27FC236}">
-                <a16:creationId xmlns:a16="http://schemas.microsoft.com/office/drawing/2014/main" id="{439081C3-781B-4BF8-870E-09F8DCED1388}"/>
-              </a:ext>
-            </a:extLst>
-          </p:cNvPr>
-          <p:cNvSpPr txBox="1"/>
-          <p:nvPr/>
-        </p:nvSpPr>
-        <p:spPr>
-          <a:xfrm>
-            <a:off x="465220" y="523116"/>
-            <a:ext cx="6124266" cy="707886"/>
-          </a:xfrm>
-          <a:prstGeom prst="rect">
-            <a:avLst/>
-          </a:prstGeom>
-          <a:noFill/>
-        </p:spPr>
-        <p:txBody>
-          <a:bodyPr wrap="square" rtlCol="0">
-            <a:spAutoFit/>
-          </a:bodyPr>
-          <a:lstStyle/>
-          <a:p>
-            <a:r>
-              <a:rPr lang="ko-KR" altLang="en-US" sz="4000" b="1" dirty="0">
-                <a:solidFill>
-                  <a:schemeClr val="tx1">
-                    <a:lumMod val="50000"/>
-                    <a:lumOff val="50000"/>
-                  </a:schemeClr>
-                </a:solidFill>
-                <a:latin typeface="맑은 고딕" panose="020B0503020000020004" pitchFamily="50" charset="-127"/>
-                <a:cs typeface="함초롬바탕" panose="02030604000101010101" pitchFamily="18" charset="-127"/>
-              </a:rPr>
-              <a:t>웹 사이트 구현 </a:t>
-            </a:r>
-            <a:r>
-              <a:rPr lang="en-US" altLang="ko-KR" sz="2000" b="1" dirty="0">
-                <a:solidFill>
-                  <a:schemeClr val="tx1">
-                    <a:lumMod val="50000"/>
-                    <a:lumOff val="50000"/>
-                  </a:schemeClr>
-                </a:solidFill>
-                <a:latin typeface="맑은 고딕" panose="020B0503020000020004" pitchFamily="50" charset="-127"/>
-                <a:cs typeface="함초롬바탕" panose="02030604000101010101" pitchFamily="18" charset="-127"/>
-              </a:rPr>
-              <a:t>(</a:t>
-            </a:r>
-            <a:r>
-              <a:rPr lang="ko-KR" altLang="en-US" sz="2000" b="1" dirty="0">
-                <a:solidFill>
-                  <a:schemeClr val="tx1">
-                    <a:lumMod val="50000"/>
-                    <a:lumOff val="50000"/>
-                  </a:schemeClr>
-                </a:solidFill>
-                <a:latin typeface="맑은 고딕" panose="020B0503020000020004" pitchFamily="50" charset="-127"/>
-                <a:cs typeface="함초롬바탕" panose="02030604000101010101" pitchFamily="18" charset="-127"/>
-              </a:rPr>
-              <a:t>사용자선택 페이지</a:t>
-            </a:r>
-            <a:r>
-              <a:rPr lang="en-US" altLang="ko-KR" sz="2000" b="1" dirty="0">
-                <a:solidFill>
-                  <a:schemeClr val="tx1">
-                    <a:lumMod val="50000"/>
-                    <a:lumOff val="50000"/>
-                  </a:schemeClr>
-                </a:solidFill>
-                <a:latin typeface="맑은 고딕" panose="020B0503020000020004" pitchFamily="50" charset="-127"/>
-                <a:cs typeface="함초롬바탕" panose="02030604000101010101" pitchFamily="18" charset="-127"/>
-              </a:rPr>
-              <a:t>)</a:t>
-            </a:r>
-            <a:endParaRPr lang="en-US" altLang="ko-KR" sz="4000" b="1" dirty="0">
-              <a:solidFill>
-                <a:schemeClr val="tx1">
-                  <a:lumMod val="50000"/>
-                  <a:lumOff val="50000"/>
-                </a:schemeClr>
-              </a:solidFill>
-              <a:latin typeface="맑은 고딕" panose="020B0503020000020004" pitchFamily="50" charset="-127"/>
-              <a:cs typeface="함초롬바탕" panose="02030604000101010101" pitchFamily="18" charset="-127"/>
-            </a:endParaRPr>
-          </a:p>
-        </p:txBody>
-      </p:sp>
-      <p:pic>
-        <p:nvPicPr>
-          <p:cNvPr id="4" name="그림 3">
-            <a:extLst>
-              <a:ext uri="{FF2B5EF4-FFF2-40B4-BE49-F238E27FC236}">
-                <a16:creationId xmlns:a16="http://schemas.microsoft.com/office/drawing/2014/main" id="{16077E92-84DE-40F5-A534-096275CA6828}"/>
-              </a:ext>
-            </a:extLst>
-          </p:cNvPr>
-          <p:cNvPicPr>
-            <a:picLocks/>
-          </p:cNvPicPr>
-          <p:nvPr/>
-        </p:nvPicPr>
-        <p:blipFill>
-          <a:blip r:embed="rId3"/>
-          <a:stretch>
-            <a:fillRect/>
-          </a:stretch>
-        </p:blipFill>
-        <p:spPr>
-          <a:xfrm>
-            <a:off x="558693" y="2243324"/>
-            <a:ext cx="5040000" cy="3600000"/>
-          </a:xfrm>
-          <a:prstGeom prst="rect">
-            <a:avLst/>
-          </a:prstGeom>
-        </p:spPr>
-      </p:pic>
-      <p:sp>
-        <p:nvSpPr>
-          <p:cNvPr id="11" name="TextBox 10">
-            <a:extLst>
-              <a:ext uri="{FF2B5EF4-FFF2-40B4-BE49-F238E27FC236}">
-                <a16:creationId xmlns:a16="http://schemas.microsoft.com/office/drawing/2014/main" id="{58C9CC48-2BCE-4256-A9D6-F2B838AFEA1B}"/>
-              </a:ext>
-            </a:extLst>
-          </p:cNvPr>
-          <p:cNvSpPr txBox="1"/>
-          <p:nvPr/>
-        </p:nvSpPr>
-        <p:spPr>
-          <a:xfrm>
-            <a:off x="1924375" y="1873992"/>
-            <a:ext cx="2308634" cy="369332"/>
-          </a:xfrm>
-          <a:prstGeom prst="rect">
-            <a:avLst/>
-          </a:prstGeom>
-          <a:noFill/>
-        </p:spPr>
-        <p:txBody>
-          <a:bodyPr wrap="square" rtlCol="0">
-            <a:spAutoFit/>
-          </a:bodyPr>
-          <a:lstStyle/>
-          <a:p>
-            <a:pPr algn="ctr"/>
-            <a:r>
-              <a:rPr lang="ko-KR" altLang="en-US" b="1" dirty="0">
-                <a:solidFill>
-                  <a:srgbClr val="767171"/>
-                </a:solidFill>
-              </a:rPr>
-              <a:t>프로필 선택</a:t>
-            </a:r>
-            <a:endParaRPr lang="en-US" altLang="ko-KR" b="1" dirty="0">
-              <a:solidFill>
-                <a:srgbClr val="767171"/>
-              </a:solidFill>
-            </a:endParaRPr>
-          </a:p>
-        </p:txBody>
-      </p:sp>
-      <p:sp>
-        <p:nvSpPr>
-          <p:cNvPr id="12" name="TextBox 11">
-            <a:extLst>
-              <a:ext uri="{FF2B5EF4-FFF2-40B4-BE49-F238E27FC236}">
-                <a16:creationId xmlns:a16="http://schemas.microsoft.com/office/drawing/2014/main" id="{52E4F743-ACEC-43EB-B79B-346C366BDE93}"/>
-              </a:ext>
-            </a:extLst>
-          </p:cNvPr>
-          <p:cNvSpPr txBox="1"/>
-          <p:nvPr/>
-        </p:nvSpPr>
-        <p:spPr>
-          <a:xfrm>
-            <a:off x="404260" y="5843324"/>
-            <a:ext cx="6521805" cy="323165"/>
-          </a:xfrm>
-          <a:prstGeom prst="rect">
-            <a:avLst/>
-          </a:prstGeom>
-          <a:noFill/>
-        </p:spPr>
-        <p:txBody>
-          <a:bodyPr wrap="square" rtlCol="0">
-            <a:spAutoFit/>
-          </a:bodyPr>
-          <a:lstStyle/>
-          <a:p>
-            <a:r>
-              <a:rPr lang="en-US" altLang="ko-KR" sz="1500" dirty="0">
-                <a:solidFill>
-                  <a:srgbClr val="767171"/>
-                </a:solidFill>
-              </a:rPr>
-              <a:t>(</a:t>
-            </a:r>
-            <a:r>
-              <a:rPr lang="ko-KR" altLang="en-US" sz="1500" dirty="0">
-                <a:solidFill>
-                  <a:srgbClr val="767171"/>
-                </a:solidFill>
-              </a:rPr>
-              <a:t>사용자를 선택하면 서버에 저장된 사용자</a:t>
-            </a:r>
-            <a:r>
-              <a:rPr lang="en-US" altLang="ko-KR" sz="1500" dirty="0">
-                <a:solidFill>
-                  <a:srgbClr val="767171"/>
-                </a:solidFill>
-              </a:rPr>
-              <a:t> </a:t>
-            </a:r>
-            <a:r>
-              <a:rPr lang="ko-KR" altLang="en-US" sz="1500" dirty="0">
-                <a:solidFill>
-                  <a:srgbClr val="767171"/>
-                </a:solidFill>
-              </a:rPr>
-              <a:t>데이터를 불러옴</a:t>
-            </a:r>
-            <a:r>
-              <a:rPr lang="en-US" altLang="ko-KR" sz="1500" dirty="0">
-                <a:solidFill>
-                  <a:srgbClr val="767171"/>
-                </a:solidFill>
-              </a:rPr>
-              <a:t>)</a:t>
-            </a:r>
-            <a:endParaRPr lang="ko-KR" altLang="en-US" sz="1500" dirty="0">
-              <a:solidFill>
-                <a:srgbClr val="767171"/>
-              </a:solidFill>
-            </a:endParaRPr>
-          </a:p>
-        </p:txBody>
-      </p:sp>
-      <p:sp>
-        <p:nvSpPr>
-          <p:cNvPr id="18" name="직사각형 17">
-            <a:extLst>
-              <a:ext uri="{FF2B5EF4-FFF2-40B4-BE49-F238E27FC236}">
-                <a16:creationId xmlns:a16="http://schemas.microsoft.com/office/drawing/2014/main" id="{A6ADE20D-130D-41AE-BB03-C4003EF76AF2}"/>
-              </a:ext>
-            </a:extLst>
-          </p:cNvPr>
-          <p:cNvSpPr/>
-          <p:nvPr/>
-        </p:nvSpPr>
-        <p:spPr>
-          <a:xfrm>
-            <a:off x="5598693" y="2243324"/>
-            <a:ext cx="6593308" cy="3093154"/>
-          </a:xfrm>
-          <a:prstGeom prst="rect">
-            <a:avLst/>
-          </a:prstGeom>
-          <a:solidFill>
-            <a:schemeClr val="tx1"/>
-          </a:solidFill>
-        </p:spPr>
-        <p:txBody>
-          <a:bodyPr wrap="square">
-            <a:spAutoFit/>
-          </a:bodyPr>
-          <a:lstStyle/>
-          <a:p>
-            <a:r>
-              <a:rPr lang="en-US" altLang="ko-KR" sz="1500" b="1" dirty="0">
-                <a:solidFill>
-                  <a:srgbClr val="51B6C4"/>
-                </a:solidFill>
-                <a:latin typeface="Consolas" panose="020B0609020204030204" pitchFamily="49" charset="0"/>
-              </a:rPr>
-              <a:t>$</a:t>
-            </a:r>
-            <a:r>
-              <a:rPr lang="en-US" altLang="ko-KR" sz="1500" b="1" dirty="0">
-                <a:solidFill>
-                  <a:srgbClr val="D4D4D4"/>
-                </a:solidFill>
-                <a:latin typeface="Consolas" panose="020B0609020204030204" pitchFamily="49" charset="0"/>
-              </a:rPr>
-              <a:t>(</a:t>
-            </a:r>
-            <a:r>
-              <a:rPr lang="en-US" altLang="ko-KR" sz="1500" b="1" dirty="0">
-                <a:solidFill>
-                  <a:srgbClr val="CE9178"/>
-                </a:solidFill>
-                <a:latin typeface="Consolas" panose="020B0609020204030204" pitchFamily="49" charset="0"/>
-              </a:rPr>
-              <a:t>'#</a:t>
-            </a:r>
-            <a:r>
-              <a:rPr lang="en-US" altLang="ko-KR" sz="1500" b="1" dirty="0" err="1">
-                <a:solidFill>
-                  <a:srgbClr val="CE9178"/>
-                </a:solidFill>
-                <a:latin typeface="Consolas" panose="020B0609020204030204" pitchFamily="49" charset="0"/>
-              </a:rPr>
-              <a:t>dialog_text</a:t>
-            </a:r>
-            <a:r>
-              <a:rPr lang="en-US" altLang="ko-KR" sz="1500" b="1" dirty="0">
-                <a:solidFill>
-                  <a:srgbClr val="CE9178"/>
-                </a:solidFill>
-                <a:latin typeface="Consolas" panose="020B0609020204030204" pitchFamily="49" charset="0"/>
-              </a:rPr>
-              <a:t>'</a:t>
-            </a:r>
-            <a:r>
-              <a:rPr lang="en-US" altLang="ko-KR" sz="1500" b="1" dirty="0">
-                <a:solidFill>
-                  <a:srgbClr val="D4D4D4"/>
-                </a:solidFill>
-                <a:latin typeface="Consolas" panose="020B0609020204030204" pitchFamily="49" charset="0"/>
-              </a:rPr>
-              <a:t>).</a:t>
-            </a:r>
-            <a:r>
-              <a:rPr lang="en-US" altLang="ko-KR" sz="1500" b="1" dirty="0">
-                <a:solidFill>
-                  <a:srgbClr val="DCDCAA"/>
-                </a:solidFill>
-                <a:latin typeface="Consolas" panose="020B0609020204030204" pitchFamily="49" charset="0"/>
-              </a:rPr>
-              <a:t>text</a:t>
-            </a:r>
-            <a:r>
-              <a:rPr lang="en-US" altLang="ko-KR" sz="1500" b="1" dirty="0">
-                <a:solidFill>
-                  <a:srgbClr val="D4D4D4"/>
-                </a:solidFill>
-                <a:latin typeface="Consolas" panose="020B0609020204030204" pitchFamily="49" charset="0"/>
-              </a:rPr>
-              <a:t>(</a:t>
-            </a:r>
-            <a:r>
-              <a:rPr lang="en-US" altLang="ko-KR" sz="1500" b="1" dirty="0">
-                <a:solidFill>
-                  <a:srgbClr val="CE9178"/>
-                </a:solidFill>
-                <a:latin typeface="Consolas" panose="020B0609020204030204" pitchFamily="49" charset="0"/>
-              </a:rPr>
-              <a:t>'[‘</a:t>
-            </a:r>
-            <a:r>
-              <a:rPr lang="en-US" altLang="ko-KR" sz="1500" b="1" dirty="0">
-                <a:solidFill>
-                  <a:srgbClr val="D4D4D4"/>
-                </a:solidFill>
-                <a:latin typeface="Consolas" panose="020B0609020204030204" pitchFamily="49" charset="0"/>
-              </a:rPr>
-              <a:t> +</a:t>
-            </a:r>
-          </a:p>
-          <a:p>
-            <a:r>
-              <a:rPr lang="en-US" altLang="ko-KR" sz="1500" b="1" dirty="0" err="1">
-                <a:solidFill>
-                  <a:srgbClr val="9CDCFE"/>
-                </a:solidFill>
-                <a:latin typeface="Consolas" panose="020B0609020204030204" pitchFamily="49" charset="0"/>
-              </a:rPr>
-              <a:t>tmp</a:t>
-            </a:r>
-            <a:r>
-              <a:rPr lang="en-US" altLang="ko-KR" sz="1500" b="1" dirty="0">
-                <a:solidFill>
-                  <a:srgbClr val="D4D4D4"/>
-                </a:solidFill>
-                <a:latin typeface="Consolas" panose="020B0609020204030204" pitchFamily="49" charset="0"/>
-              </a:rPr>
-              <a:t>[</a:t>
-            </a:r>
-            <a:r>
-              <a:rPr lang="en-US" altLang="ko-KR" sz="1500" b="1" dirty="0" err="1">
-                <a:solidFill>
-                  <a:srgbClr val="9CDCFE"/>
-                </a:solidFill>
-                <a:latin typeface="Consolas" panose="020B0609020204030204" pitchFamily="49" charset="0"/>
-              </a:rPr>
-              <a:t>swiper</a:t>
-            </a:r>
-            <a:r>
-              <a:rPr lang="en-US" altLang="ko-KR" sz="1500" b="1" dirty="0" err="1">
-                <a:solidFill>
-                  <a:srgbClr val="D4D4D4"/>
-                </a:solidFill>
-                <a:latin typeface="Consolas" panose="020B0609020204030204" pitchFamily="49" charset="0"/>
-              </a:rPr>
-              <a:t>.</a:t>
-            </a:r>
-            <a:r>
-              <a:rPr lang="en-US" altLang="ko-KR" sz="1500" b="1" dirty="0" err="1">
-                <a:solidFill>
-                  <a:srgbClr val="9CDCFE"/>
-                </a:solidFill>
-                <a:latin typeface="Consolas" panose="020B0609020204030204" pitchFamily="49" charset="0"/>
-              </a:rPr>
-              <a:t>activeIndex</a:t>
-            </a:r>
-            <a:r>
-              <a:rPr lang="en-US" altLang="ko-KR" sz="1500" b="1" dirty="0">
-                <a:solidFill>
-                  <a:srgbClr val="D4D4D4"/>
-                </a:solidFill>
-                <a:latin typeface="Consolas" panose="020B0609020204030204" pitchFamily="49" charset="0"/>
-              </a:rPr>
-              <a:t>].</a:t>
-            </a:r>
-            <a:r>
-              <a:rPr lang="en-US" altLang="ko-KR" sz="1500" b="1" dirty="0" err="1">
-                <a:solidFill>
-                  <a:srgbClr val="9CDCFE"/>
-                </a:solidFill>
-                <a:latin typeface="Consolas" panose="020B0609020204030204" pitchFamily="49" charset="0"/>
-              </a:rPr>
-              <a:t>u_name</a:t>
-            </a:r>
-            <a:r>
-              <a:rPr lang="en-US" altLang="ko-KR" sz="1500" b="1" dirty="0">
-                <a:solidFill>
-                  <a:srgbClr val="D4D4D4"/>
-                </a:solidFill>
-                <a:latin typeface="Consolas" panose="020B0609020204030204" pitchFamily="49" charset="0"/>
-              </a:rPr>
-              <a:t> + </a:t>
-            </a:r>
-            <a:r>
-              <a:rPr lang="en-US" altLang="ko-KR" sz="1500" b="1" dirty="0">
-                <a:solidFill>
-                  <a:srgbClr val="CE9178"/>
-                </a:solidFill>
-                <a:latin typeface="Consolas" panose="020B0609020204030204" pitchFamily="49" charset="0"/>
-              </a:rPr>
-              <a:t>'] </a:t>
-            </a:r>
-            <a:r>
-              <a:rPr lang="ko-KR" altLang="en-US" sz="1500" b="1" dirty="0">
-                <a:solidFill>
-                  <a:srgbClr val="CE9178"/>
-                </a:solidFill>
-                <a:latin typeface="Consolas" panose="020B0609020204030204" pitchFamily="49" charset="0"/>
-              </a:rPr>
-              <a:t>사용자로 </a:t>
-            </a:r>
-            <a:r>
-              <a:rPr lang="ko-KR" altLang="en-US" sz="1500" b="1" dirty="0" err="1">
-                <a:solidFill>
-                  <a:srgbClr val="CE9178"/>
-                </a:solidFill>
-                <a:latin typeface="Consolas" panose="020B0609020204030204" pitchFamily="49" charset="0"/>
-              </a:rPr>
-              <a:t>시작하시겠어요</a:t>
-            </a:r>
-            <a:r>
-              <a:rPr lang="en-US" altLang="ko-KR" sz="1500" b="1" dirty="0">
-                <a:solidFill>
-                  <a:srgbClr val="CE9178"/>
-                </a:solidFill>
-                <a:latin typeface="Consolas" panose="020B0609020204030204" pitchFamily="49" charset="0"/>
-              </a:rPr>
-              <a:t>?'</a:t>
-            </a:r>
-            <a:r>
-              <a:rPr lang="en-US" altLang="ko-KR" sz="1500" b="1" dirty="0">
-                <a:solidFill>
-                  <a:srgbClr val="D4D4D4"/>
-                </a:solidFill>
-                <a:latin typeface="Consolas" panose="020B0609020204030204" pitchFamily="49" charset="0"/>
-              </a:rPr>
-              <a:t>);</a:t>
-            </a:r>
-          </a:p>
-          <a:p>
-            <a:r>
-              <a:rPr lang="en-US" altLang="ko-KR" sz="1500" b="1" dirty="0">
-                <a:solidFill>
-                  <a:srgbClr val="51B6C4"/>
-                </a:solidFill>
-                <a:latin typeface="Consolas" panose="020B0609020204030204" pitchFamily="49" charset="0"/>
-              </a:rPr>
-              <a:t>    $</a:t>
-            </a:r>
-            <a:r>
-              <a:rPr lang="en-US" altLang="ko-KR" sz="1500" b="1" dirty="0">
-                <a:solidFill>
-                  <a:srgbClr val="D4D4D4"/>
-                </a:solidFill>
-                <a:latin typeface="Consolas" panose="020B0609020204030204" pitchFamily="49" charset="0"/>
-              </a:rPr>
-              <a:t>(</a:t>
-            </a:r>
-            <a:r>
-              <a:rPr lang="en-US" altLang="ko-KR" sz="1500" b="1" dirty="0">
-                <a:solidFill>
-                  <a:srgbClr val="CE9178"/>
-                </a:solidFill>
-                <a:latin typeface="Consolas" panose="020B0609020204030204" pitchFamily="49" charset="0"/>
-              </a:rPr>
-              <a:t>"#dialog"</a:t>
-            </a:r>
-            <a:r>
-              <a:rPr lang="en-US" altLang="ko-KR" sz="1500" b="1" dirty="0">
-                <a:solidFill>
-                  <a:srgbClr val="D4D4D4"/>
-                </a:solidFill>
-                <a:latin typeface="Consolas" panose="020B0609020204030204" pitchFamily="49" charset="0"/>
-              </a:rPr>
-              <a:t>).</a:t>
-            </a:r>
-            <a:r>
-              <a:rPr lang="en-US" altLang="ko-KR" sz="1500" b="1" dirty="0">
-                <a:solidFill>
-                  <a:srgbClr val="DCDCAA"/>
-                </a:solidFill>
-                <a:latin typeface="Consolas" panose="020B0609020204030204" pitchFamily="49" charset="0"/>
-              </a:rPr>
-              <a:t>dialog</a:t>
-            </a:r>
-            <a:r>
-              <a:rPr lang="en-US" altLang="ko-KR" sz="1500" b="1" dirty="0">
-                <a:solidFill>
-                  <a:srgbClr val="D4D4D4"/>
-                </a:solidFill>
-                <a:latin typeface="Consolas" panose="020B0609020204030204" pitchFamily="49" charset="0"/>
-              </a:rPr>
-              <a:t>({</a:t>
-            </a:r>
-            <a:r>
-              <a:rPr lang="ko-KR" altLang="en-US" sz="1500" b="1" dirty="0">
-                <a:solidFill>
-                  <a:srgbClr val="D4D4D4"/>
-                </a:solidFill>
-                <a:latin typeface="Consolas" panose="020B0609020204030204" pitchFamily="49" charset="0"/>
-              </a:rPr>
-              <a:t>                                </a:t>
-            </a:r>
-            <a:endParaRPr lang="en-US" altLang="ko-KR" sz="1500" b="1" dirty="0">
-              <a:solidFill>
-                <a:srgbClr val="D4D4D4"/>
-              </a:solidFill>
-              <a:latin typeface="Consolas" panose="020B0609020204030204" pitchFamily="49" charset="0"/>
-            </a:endParaRPr>
-          </a:p>
-          <a:p>
-            <a:r>
-              <a:rPr lang="en-US" altLang="ko-KR" sz="1500" b="1" dirty="0">
-                <a:solidFill>
-                  <a:srgbClr val="9CDCFE"/>
-                </a:solidFill>
-                <a:latin typeface="Consolas" panose="020B0609020204030204" pitchFamily="49" charset="0"/>
-              </a:rPr>
-              <a:t>      title:</a:t>
-            </a:r>
-            <a:r>
-              <a:rPr lang="en-US" altLang="ko-KR" sz="1500" b="1" dirty="0">
-                <a:solidFill>
-                  <a:srgbClr val="D4D4D4"/>
-                </a:solidFill>
-                <a:latin typeface="Consolas" panose="020B0609020204030204" pitchFamily="49" charset="0"/>
-              </a:rPr>
-              <a:t> </a:t>
-            </a:r>
-            <a:r>
-              <a:rPr lang="en-US" altLang="ko-KR" sz="1500" b="1" dirty="0">
-                <a:solidFill>
-                  <a:srgbClr val="CE9178"/>
-                </a:solidFill>
-                <a:latin typeface="Consolas" panose="020B0609020204030204" pitchFamily="49" charset="0"/>
-              </a:rPr>
-              <a:t>'</a:t>
-            </a:r>
-            <a:r>
-              <a:rPr lang="ko-KR" altLang="en-US" sz="1500" b="1" dirty="0">
-                <a:solidFill>
-                  <a:srgbClr val="CE9178"/>
-                </a:solidFill>
-                <a:latin typeface="Consolas" panose="020B0609020204030204" pitchFamily="49" charset="0"/>
-              </a:rPr>
-              <a:t>사용자 선택</a:t>
-            </a:r>
-            <a:r>
-              <a:rPr lang="en-US" altLang="ko-KR" sz="1500" b="1" dirty="0">
-                <a:solidFill>
-                  <a:srgbClr val="CE9178"/>
-                </a:solidFill>
-                <a:latin typeface="Consolas" panose="020B0609020204030204" pitchFamily="49" charset="0"/>
-              </a:rPr>
-              <a:t>'</a:t>
-            </a:r>
-            <a:r>
-              <a:rPr lang="en-US" altLang="ko-KR" sz="1500" b="1" dirty="0">
-                <a:solidFill>
-                  <a:srgbClr val="D4D4D4"/>
-                </a:solidFill>
-                <a:latin typeface="Consolas" panose="020B0609020204030204" pitchFamily="49" charset="0"/>
-              </a:rPr>
-              <a:t>,</a:t>
-            </a:r>
-          </a:p>
-          <a:p>
-            <a:r>
-              <a:rPr lang="en-US" altLang="ko-KR" sz="1500" b="1" dirty="0">
-                <a:solidFill>
-                  <a:srgbClr val="9CDCFE"/>
-                </a:solidFill>
-                <a:latin typeface="Consolas" panose="020B0609020204030204" pitchFamily="49" charset="0"/>
-              </a:rPr>
-              <a:t>      width:</a:t>
-            </a:r>
-            <a:r>
-              <a:rPr lang="en-US" altLang="ko-KR" sz="1500" b="1" dirty="0">
-                <a:solidFill>
-                  <a:srgbClr val="D4D4D4"/>
-                </a:solidFill>
-                <a:latin typeface="Consolas" panose="020B0609020204030204" pitchFamily="49" charset="0"/>
-              </a:rPr>
-              <a:t> </a:t>
-            </a:r>
-            <a:r>
-              <a:rPr lang="en-US" altLang="ko-KR" sz="1500" b="1" dirty="0">
-                <a:solidFill>
-                  <a:srgbClr val="B5CEA8"/>
-                </a:solidFill>
-                <a:latin typeface="Consolas" panose="020B0609020204030204" pitchFamily="49" charset="0"/>
-              </a:rPr>
-              <a:t>400</a:t>
-            </a:r>
-            <a:r>
-              <a:rPr lang="en-US" altLang="ko-KR" sz="1500" b="1" dirty="0">
-                <a:solidFill>
-                  <a:srgbClr val="D4D4D4"/>
-                </a:solidFill>
-                <a:latin typeface="Consolas" panose="020B0609020204030204" pitchFamily="49" charset="0"/>
-              </a:rPr>
-              <a:t>,</a:t>
-            </a:r>
-          </a:p>
-          <a:p>
-            <a:r>
-              <a:rPr lang="en-US" altLang="ko-KR" sz="1500" b="1" dirty="0">
-                <a:solidFill>
-                  <a:srgbClr val="9CDCFE"/>
-                </a:solidFill>
-                <a:latin typeface="Consolas" panose="020B0609020204030204" pitchFamily="49" charset="0"/>
-              </a:rPr>
-              <a:t>      height:</a:t>
-            </a:r>
-            <a:r>
-              <a:rPr lang="en-US" altLang="ko-KR" sz="1500" b="1" dirty="0">
-                <a:solidFill>
-                  <a:srgbClr val="D4D4D4"/>
-                </a:solidFill>
-                <a:latin typeface="Consolas" panose="020B0609020204030204" pitchFamily="49" charset="0"/>
-              </a:rPr>
-              <a:t> </a:t>
-            </a:r>
-            <a:r>
-              <a:rPr lang="en-US" altLang="ko-KR" sz="1500" b="1" dirty="0">
-                <a:solidFill>
-                  <a:srgbClr val="B5CEA8"/>
-                </a:solidFill>
-                <a:latin typeface="Consolas" panose="020B0609020204030204" pitchFamily="49" charset="0"/>
-              </a:rPr>
-              <a:t>250</a:t>
-            </a:r>
-            <a:r>
-              <a:rPr lang="en-US" altLang="ko-KR" sz="1500" b="1" dirty="0">
-                <a:solidFill>
-                  <a:srgbClr val="D4D4D4"/>
-                </a:solidFill>
-                <a:latin typeface="Consolas" panose="020B0609020204030204" pitchFamily="49" charset="0"/>
-              </a:rPr>
-              <a:t>,</a:t>
-            </a:r>
-          </a:p>
-          <a:p>
-            <a:r>
-              <a:rPr lang="en-US" altLang="ko-KR" sz="1500" b="1" dirty="0">
-                <a:solidFill>
-                  <a:srgbClr val="9CDCFE"/>
-                </a:solidFill>
-                <a:latin typeface="Consolas" panose="020B0609020204030204" pitchFamily="49" charset="0"/>
-              </a:rPr>
-              <a:t>      modal:</a:t>
-            </a:r>
-            <a:r>
-              <a:rPr lang="en-US" altLang="ko-KR" sz="1500" b="1" dirty="0">
-                <a:solidFill>
-                  <a:srgbClr val="D4D4D4"/>
-                </a:solidFill>
-                <a:latin typeface="Consolas" panose="020B0609020204030204" pitchFamily="49" charset="0"/>
-              </a:rPr>
-              <a:t> </a:t>
-            </a:r>
-            <a:r>
-              <a:rPr lang="en-US" altLang="ko-KR" sz="1500" b="1" dirty="0">
-                <a:solidFill>
-                  <a:srgbClr val="569CD6"/>
-                </a:solidFill>
-                <a:latin typeface="Consolas" panose="020B0609020204030204" pitchFamily="49" charset="0"/>
-              </a:rPr>
-              <a:t>true</a:t>
-            </a:r>
-            <a:r>
-              <a:rPr lang="en-US" altLang="ko-KR" sz="1500" b="1" dirty="0">
-                <a:solidFill>
-                  <a:srgbClr val="D4D4D4"/>
-                </a:solidFill>
-                <a:latin typeface="Consolas" panose="020B0609020204030204" pitchFamily="49" charset="0"/>
-              </a:rPr>
-              <a:t>,</a:t>
-            </a:r>
-          </a:p>
-          <a:p>
-            <a:r>
-              <a:rPr lang="en-US" altLang="ko-KR" sz="1500" b="1" dirty="0">
-                <a:solidFill>
-                  <a:srgbClr val="9CDCFE"/>
-                </a:solidFill>
-                <a:latin typeface="Consolas" panose="020B0609020204030204" pitchFamily="49" charset="0"/>
-              </a:rPr>
-              <a:t>      buttons:</a:t>
-            </a:r>
-            <a:r>
-              <a:rPr lang="en-US" altLang="ko-KR" sz="1500" b="1" dirty="0">
-                <a:solidFill>
-                  <a:srgbClr val="D4D4D4"/>
-                </a:solidFill>
-                <a:latin typeface="Consolas" panose="020B0609020204030204" pitchFamily="49" charset="0"/>
-              </a:rPr>
-              <a:t> [{</a:t>
-            </a:r>
-          </a:p>
-          <a:p>
-            <a:r>
-              <a:rPr lang="en-US" altLang="ko-KR" sz="1500" b="1" dirty="0">
-                <a:solidFill>
-                  <a:srgbClr val="9CDCFE"/>
-                </a:solidFill>
-                <a:latin typeface="Consolas" panose="020B0609020204030204" pitchFamily="49" charset="0"/>
-              </a:rPr>
-              <a:t>        text:</a:t>
-            </a:r>
-            <a:r>
-              <a:rPr lang="en-US" altLang="ko-KR" sz="1500" b="1" dirty="0">
-                <a:solidFill>
-                  <a:srgbClr val="D4D4D4"/>
-                </a:solidFill>
-                <a:latin typeface="Consolas" panose="020B0609020204030204" pitchFamily="49" charset="0"/>
-              </a:rPr>
-              <a:t> </a:t>
-            </a:r>
-            <a:r>
-              <a:rPr lang="en-US" altLang="ko-KR" sz="1500" b="1" dirty="0">
-                <a:solidFill>
-                  <a:srgbClr val="CE9178"/>
-                </a:solidFill>
-                <a:latin typeface="Consolas" panose="020B0609020204030204" pitchFamily="49" charset="0"/>
-              </a:rPr>
-              <a:t>"</a:t>
-            </a:r>
-            <a:r>
-              <a:rPr lang="ko-KR" altLang="en-US" sz="1500" b="1" dirty="0">
-                <a:solidFill>
-                  <a:srgbClr val="CE9178"/>
-                </a:solidFill>
-                <a:latin typeface="Consolas" panose="020B0609020204030204" pitchFamily="49" charset="0"/>
-              </a:rPr>
-              <a:t>확인</a:t>
-            </a:r>
-            <a:r>
-              <a:rPr lang="en-US" altLang="ko-KR" sz="1500" b="1" dirty="0">
-                <a:solidFill>
-                  <a:srgbClr val="CE9178"/>
-                </a:solidFill>
-                <a:latin typeface="Consolas" panose="020B0609020204030204" pitchFamily="49" charset="0"/>
-              </a:rPr>
-              <a:t>"</a:t>
-            </a:r>
-            <a:r>
-              <a:rPr lang="en-US" altLang="ko-KR" sz="1500" b="1" dirty="0">
-                <a:solidFill>
-                  <a:srgbClr val="D4D4D4"/>
-                </a:solidFill>
-                <a:latin typeface="Consolas" panose="020B0609020204030204" pitchFamily="49" charset="0"/>
-              </a:rPr>
-              <a:t>,</a:t>
-            </a:r>
-          </a:p>
-          <a:p>
-            <a:r>
-              <a:rPr lang="en-US" altLang="ko-KR" sz="1500" b="1" dirty="0">
-                <a:solidFill>
-                  <a:srgbClr val="DCDCAA"/>
-                </a:solidFill>
-                <a:latin typeface="Consolas" panose="020B0609020204030204" pitchFamily="49" charset="0"/>
-              </a:rPr>
-              <a:t>        click</a:t>
-            </a:r>
-            <a:r>
-              <a:rPr lang="en-US" altLang="ko-KR" sz="1500" b="1" dirty="0">
-                <a:solidFill>
-                  <a:srgbClr val="9CDCFE"/>
-                </a:solidFill>
-                <a:latin typeface="Consolas" panose="020B0609020204030204" pitchFamily="49" charset="0"/>
-              </a:rPr>
-              <a:t>:</a:t>
-            </a:r>
-            <a:r>
-              <a:rPr lang="en-US" altLang="ko-KR" sz="1500" b="1" dirty="0">
-                <a:solidFill>
-                  <a:srgbClr val="D4D4D4"/>
-                </a:solidFill>
-                <a:latin typeface="Consolas" panose="020B0609020204030204" pitchFamily="49" charset="0"/>
-              </a:rPr>
-              <a:t> </a:t>
-            </a:r>
-            <a:r>
-              <a:rPr lang="en-US" altLang="ko-KR" sz="1500" b="1" dirty="0">
-                <a:solidFill>
-                  <a:srgbClr val="569CD6"/>
-                </a:solidFill>
-                <a:latin typeface="Consolas" panose="020B0609020204030204" pitchFamily="49" charset="0"/>
-              </a:rPr>
-              <a:t>function</a:t>
-            </a:r>
-            <a:r>
-              <a:rPr lang="en-US" altLang="ko-KR" sz="1500" b="1" dirty="0">
-                <a:solidFill>
-                  <a:srgbClr val="D4D4D4"/>
-                </a:solidFill>
-                <a:latin typeface="Consolas" panose="020B0609020204030204" pitchFamily="49" charset="0"/>
-              </a:rPr>
-              <a:t> () {</a:t>
-            </a:r>
-          </a:p>
-          <a:p>
-            <a:r>
-              <a:rPr lang="en-US" altLang="ko-KR" sz="1500" b="1" dirty="0">
-                <a:solidFill>
-                  <a:srgbClr val="9CDCFE"/>
-                </a:solidFill>
-                <a:latin typeface="Consolas" panose="020B0609020204030204" pitchFamily="49" charset="0"/>
-              </a:rPr>
-              <a:t>          </a:t>
-            </a:r>
-            <a:r>
-              <a:rPr lang="en-US" altLang="ko-KR" sz="1500" b="1" dirty="0" err="1">
-                <a:solidFill>
-                  <a:srgbClr val="9CDCFE"/>
-                </a:solidFill>
-                <a:latin typeface="Consolas" panose="020B0609020204030204" pitchFamily="49" charset="0"/>
-              </a:rPr>
-              <a:t>document</a:t>
-            </a:r>
-            <a:r>
-              <a:rPr lang="en-US" altLang="ko-KR" sz="1500" b="1" dirty="0" err="1">
-                <a:solidFill>
-                  <a:srgbClr val="D4D4D4"/>
-                </a:solidFill>
-                <a:latin typeface="Consolas" panose="020B0609020204030204" pitchFamily="49" charset="0"/>
-              </a:rPr>
-              <a:t>.</a:t>
-            </a:r>
-            <a:r>
-              <a:rPr lang="en-US" altLang="ko-KR" sz="1500" b="1" dirty="0" err="1">
-                <a:solidFill>
-                  <a:srgbClr val="9CDCFE"/>
-                </a:solidFill>
-                <a:latin typeface="Consolas" panose="020B0609020204030204" pitchFamily="49" charset="0"/>
-              </a:rPr>
-              <a:t>location</a:t>
-            </a:r>
-            <a:r>
-              <a:rPr lang="en-US" altLang="ko-KR" sz="1500" b="1" dirty="0" err="1">
-                <a:solidFill>
-                  <a:srgbClr val="D4D4D4"/>
-                </a:solidFill>
-                <a:latin typeface="Consolas" panose="020B0609020204030204" pitchFamily="49" charset="0"/>
-              </a:rPr>
-              <a:t>.</a:t>
-            </a:r>
-            <a:r>
-              <a:rPr lang="en-US" altLang="ko-KR" sz="1500" b="1" dirty="0" err="1">
-                <a:solidFill>
-                  <a:srgbClr val="9CDCFE"/>
-                </a:solidFill>
-                <a:latin typeface="Consolas" panose="020B0609020204030204" pitchFamily="49" charset="0"/>
-              </a:rPr>
-              <a:t>href</a:t>
-            </a:r>
-            <a:r>
-              <a:rPr lang="en-US" altLang="ko-KR" sz="1500" b="1" dirty="0">
-                <a:solidFill>
-                  <a:srgbClr val="D4D4D4"/>
-                </a:solidFill>
-                <a:latin typeface="Consolas" panose="020B0609020204030204" pitchFamily="49" charset="0"/>
-              </a:rPr>
-              <a:t> = </a:t>
-            </a:r>
-            <a:r>
-              <a:rPr lang="en-US" altLang="ko-KR" sz="1500" b="1" dirty="0">
-                <a:solidFill>
-                  <a:srgbClr val="CE9178"/>
-                </a:solidFill>
-                <a:latin typeface="Consolas" panose="020B0609020204030204" pitchFamily="49" charset="0"/>
-              </a:rPr>
-              <a:t>'./user_choice.html'</a:t>
-            </a:r>
-            <a:r>
-              <a:rPr lang="en-US" altLang="ko-KR" sz="1500" b="1" dirty="0">
-                <a:solidFill>
-                  <a:srgbClr val="D4D4D4"/>
-                </a:solidFill>
-                <a:latin typeface="Consolas" panose="020B0609020204030204" pitchFamily="49" charset="0"/>
-              </a:rPr>
-              <a:t>;</a:t>
-            </a:r>
-          </a:p>
-          <a:p>
-            <a:r>
-              <a:rPr lang="en-US" altLang="ko-KR" sz="1500" b="1" dirty="0">
-                <a:solidFill>
-                  <a:srgbClr val="D4D4D4"/>
-                </a:solidFill>
-                <a:latin typeface="Consolas" panose="020B0609020204030204" pitchFamily="49" charset="0"/>
-              </a:rPr>
-              <a:t>        }</a:t>
-            </a:r>
-          </a:p>
-          <a:p>
-            <a:r>
-              <a:rPr lang="en-US" altLang="ko-KR" sz="1500" b="1" dirty="0">
-                <a:solidFill>
-                  <a:srgbClr val="D4D4D4"/>
-                </a:solidFill>
-                <a:latin typeface="Consolas" panose="020B0609020204030204" pitchFamily="49" charset="0"/>
-              </a:rPr>
-              <a:t>      },</a:t>
-            </a:r>
-          </a:p>
-        </p:txBody>
-      </p:sp>
-      <p:sp>
-        <p:nvSpPr>
-          <p:cNvPr id="14" name="타원 13">
-            <a:extLst>
-              <a:ext uri="{FF2B5EF4-FFF2-40B4-BE49-F238E27FC236}">
-                <a16:creationId xmlns:a16="http://schemas.microsoft.com/office/drawing/2014/main" id="{D036A916-83D2-4F52-B5BE-5B7E2F1F6BD7}"/>
-              </a:ext>
-            </a:extLst>
-          </p:cNvPr>
-          <p:cNvSpPr/>
-          <p:nvPr/>
-        </p:nvSpPr>
-        <p:spPr>
-          <a:xfrm>
-            <a:off x="2075739" y="1919904"/>
-            <a:ext cx="280431" cy="277509"/>
-          </a:xfrm>
-          <a:prstGeom prst="ellipse">
-            <a:avLst/>
-          </a:prstGeom>
-          <a:noFill/>
-          <a:ln w="12700">
-            <a:solidFill>
-              <a:schemeClr val="tx1"/>
-            </a:solidFill>
-          </a:ln>
-        </p:spPr>
-        <p:style>
-          <a:lnRef idx="2">
-            <a:schemeClr val="accent1">
-              <a:shade val="50000"/>
-            </a:schemeClr>
-          </a:lnRef>
-          <a:fillRef idx="1">
-            <a:schemeClr val="accent1"/>
-          </a:fillRef>
-          <a:effectRef idx="0">
-            <a:schemeClr val="accent1"/>
-          </a:effectRef>
-          <a:fontRef idx="minor">
-            <a:schemeClr val="lt1"/>
-          </a:fontRef>
-        </p:style>
-        <p:txBody>
-          <a:bodyPr rtlCol="0" anchor="ctr"/>
-          <a:lstStyle/>
-          <a:p>
-            <a:pPr algn="ctr"/>
-            <a:r>
-              <a:rPr lang="en-US" altLang="ko-KR" sz="1600" b="1" dirty="0">
-                <a:solidFill>
-                  <a:srgbClr val="767171"/>
-                </a:solidFill>
-              </a:rPr>
-              <a:t>2</a:t>
-            </a:r>
-            <a:endParaRPr lang="ko-KR" altLang="en-US" sz="1600" b="1" dirty="0">
-              <a:solidFill>
-                <a:srgbClr val="767171"/>
-              </a:solidFill>
-            </a:endParaRPr>
-          </a:p>
-        </p:txBody>
-      </p:sp>
-      <p:sp>
-        <p:nvSpPr>
-          <p:cNvPr id="10" name="TextBox 9">
-            <a:extLst>
-              <a:ext uri="{FF2B5EF4-FFF2-40B4-BE49-F238E27FC236}">
-                <a16:creationId xmlns:a16="http://schemas.microsoft.com/office/drawing/2014/main" id="{BD5F1DDB-5E56-44E8-9D45-709C511AFDE3}"/>
-              </a:ext>
-            </a:extLst>
-          </p:cNvPr>
-          <p:cNvSpPr txBox="1"/>
-          <p:nvPr/>
-        </p:nvSpPr>
-        <p:spPr>
-          <a:xfrm>
-            <a:off x="484675" y="1367445"/>
-            <a:ext cx="10338519" cy="400110"/>
-          </a:xfrm>
-          <a:prstGeom prst="rect">
-            <a:avLst/>
-          </a:prstGeom>
-          <a:noFill/>
-        </p:spPr>
-        <p:txBody>
-          <a:bodyPr wrap="square" rtlCol="0">
-            <a:spAutoFit/>
-          </a:bodyPr>
-          <a:lstStyle/>
-          <a:p>
-            <a:r>
-              <a:rPr lang="ko-KR" altLang="en-US" sz="2000" dirty="0">
-                <a:solidFill>
-                  <a:srgbClr val="767171"/>
-                </a:solidFill>
-              </a:rPr>
-              <a:t>● 등록된 사용자들을 선택 할 수 있는 프로필선택 페이지</a:t>
-            </a:r>
-          </a:p>
-        </p:txBody>
-      </p:sp>
-    </p:spTree>
-    <p:extLst>
-      <p:ext uri="{BB962C8B-B14F-4D97-AF65-F5344CB8AC3E}">
-        <p14:creationId xmlns:p14="http://schemas.microsoft.com/office/powerpoint/2010/main" val="1275665108"/>
-      </p:ext>
-    </p:extLst>
-  </p:cSld>
-  <p:clrMapOvr>
-    <a:masterClrMapping/>
-  </p:clrMapOvr>
-</p:sld>
-</file>
-
 <file path=ppt/slides/slide24.xml><?xml version="1.0" encoding="utf-8"?>
 <p:sld xmlns:a="http://schemas.openxmlformats.org/drawingml/2006/main" xmlns:r="http://schemas.openxmlformats.org/officeDocument/2006/relationships" xmlns:p="http://schemas.openxmlformats.org/presentationml/2006/main">
   <p:cSld>
@@ -20829,6 +23027,1146 @@
           </a:p>
         </p:txBody>
       </p:sp>
+      <p:sp>
+        <p:nvSpPr>
+          <p:cNvPr id="19" name="TextBox 18">
+            <a:extLst>
+              <a:ext uri="{FF2B5EF4-FFF2-40B4-BE49-F238E27FC236}">
+                <a16:creationId xmlns:a16="http://schemas.microsoft.com/office/drawing/2014/main" id="{439081C3-781B-4BF8-870E-09F8DCED1388}"/>
+              </a:ext>
+            </a:extLst>
+          </p:cNvPr>
+          <p:cNvSpPr txBox="1"/>
+          <p:nvPr/>
+        </p:nvSpPr>
+        <p:spPr>
+          <a:xfrm>
+            <a:off x="465220" y="523116"/>
+            <a:ext cx="6124266" cy="707886"/>
+          </a:xfrm>
+          <a:prstGeom prst="rect">
+            <a:avLst/>
+          </a:prstGeom>
+          <a:noFill/>
+        </p:spPr>
+        <p:txBody>
+          <a:bodyPr wrap="square" rtlCol="0">
+            <a:spAutoFit/>
+          </a:bodyPr>
+          <a:lstStyle/>
+          <a:p>
+            <a:r>
+              <a:rPr lang="ko-KR" altLang="en-US" sz="4000" b="1" dirty="0">
+                <a:solidFill>
+                  <a:schemeClr val="tx1">
+                    <a:lumMod val="50000"/>
+                    <a:lumOff val="50000"/>
+                  </a:schemeClr>
+                </a:solidFill>
+                <a:latin typeface="맑은 고딕" panose="020B0503020000020004" pitchFamily="50" charset="-127"/>
+                <a:cs typeface="함초롬바탕" panose="02030604000101010101" pitchFamily="18" charset="-127"/>
+              </a:rPr>
+              <a:t>웹 사이트 구현 </a:t>
+            </a:r>
+            <a:r>
+              <a:rPr lang="en-US" altLang="ko-KR" sz="2000" b="1" dirty="0">
+                <a:solidFill>
+                  <a:schemeClr val="tx1">
+                    <a:lumMod val="50000"/>
+                    <a:lumOff val="50000"/>
+                  </a:schemeClr>
+                </a:solidFill>
+                <a:latin typeface="맑은 고딕" panose="020B0503020000020004" pitchFamily="50" charset="-127"/>
+                <a:cs typeface="함초롬바탕" panose="02030604000101010101" pitchFamily="18" charset="-127"/>
+              </a:rPr>
+              <a:t>(</a:t>
+            </a:r>
+            <a:r>
+              <a:rPr lang="ko-KR" altLang="en-US" sz="2000" b="1" dirty="0">
+                <a:solidFill>
+                  <a:schemeClr val="tx1">
+                    <a:lumMod val="50000"/>
+                    <a:lumOff val="50000"/>
+                  </a:schemeClr>
+                </a:solidFill>
+                <a:latin typeface="맑은 고딕" panose="020B0503020000020004" pitchFamily="50" charset="-127"/>
+                <a:cs typeface="함초롬바탕" panose="02030604000101010101" pitchFamily="18" charset="-127"/>
+              </a:rPr>
+              <a:t>사용자선택 페이지</a:t>
+            </a:r>
+            <a:r>
+              <a:rPr lang="en-US" altLang="ko-KR" sz="2000" b="1" dirty="0">
+                <a:solidFill>
+                  <a:schemeClr val="tx1">
+                    <a:lumMod val="50000"/>
+                    <a:lumOff val="50000"/>
+                  </a:schemeClr>
+                </a:solidFill>
+                <a:latin typeface="맑은 고딕" panose="020B0503020000020004" pitchFamily="50" charset="-127"/>
+                <a:cs typeface="함초롬바탕" panose="02030604000101010101" pitchFamily="18" charset="-127"/>
+              </a:rPr>
+              <a:t>)</a:t>
+            </a:r>
+            <a:endParaRPr lang="en-US" altLang="ko-KR" sz="4000" b="1" dirty="0">
+              <a:solidFill>
+                <a:schemeClr val="tx1">
+                  <a:lumMod val="50000"/>
+                  <a:lumOff val="50000"/>
+                </a:schemeClr>
+              </a:solidFill>
+              <a:latin typeface="맑은 고딕" panose="020B0503020000020004" pitchFamily="50" charset="-127"/>
+              <a:cs typeface="함초롬바탕" panose="02030604000101010101" pitchFamily="18" charset="-127"/>
+            </a:endParaRPr>
+          </a:p>
+        </p:txBody>
+      </p:sp>
+      <p:pic>
+        <p:nvPicPr>
+          <p:cNvPr id="4" name="그림 3">
+            <a:extLst>
+              <a:ext uri="{FF2B5EF4-FFF2-40B4-BE49-F238E27FC236}">
+                <a16:creationId xmlns:a16="http://schemas.microsoft.com/office/drawing/2014/main" id="{16077E92-84DE-40F5-A534-096275CA6828}"/>
+              </a:ext>
+            </a:extLst>
+          </p:cNvPr>
+          <p:cNvPicPr>
+            <a:picLocks/>
+          </p:cNvPicPr>
+          <p:nvPr/>
+        </p:nvPicPr>
+        <p:blipFill>
+          <a:blip r:embed="rId3"/>
+          <a:stretch>
+            <a:fillRect/>
+          </a:stretch>
+        </p:blipFill>
+        <p:spPr>
+          <a:xfrm>
+            <a:off x="558693" y="2243324"/>
+            <a:ext cx="5040000" cy="3600000"/>
+          </a:xfrm>
+          <a:prstGeom prst="rect">
+            <a:avLst/>
+          </a:prstGeom>
+        </p:spPr>
+      </p:pic>
+      <p:sp>
+        <p:nvSpPr>
+          <p:cNvPr id="11" name="TextBox 10">
+            <a:extLst>
+              <a:ext uri="{FF2B5EF4-FFF2-40B4-BE49-F238E27FC236}">
+                <a16:creationId xmlns:a16="http://schemas.microsoft.com/office/drawing/2014/main" id="{58C9CC48-2BCE-4256-A9D6-F2B838AFEA1B}"/>
+              </a:ext>
+            </a:extLst>
+          </p:cNvPr>
+          <p:cNvSpPr txBox="1"/>
+          <p:nvPr/>
+        </p:nvSpPr>
+        <p:spPr>
+          <a:xfrm>
+            <a:off x="1924375" y="1873992"/>
+            <a:ext cx="2308634" cy="369332"/>
+          </a:xfrm>
+          <a:prstGeom prst="rect">
+            <a:avLst/>
+          </a:prstGeom>
+          <a:noFill/>
+        </p:spPr>
+        <p:txBody>
+          <a:bodyPr wrap="square" rtlCol="0">
+            <a:spAutoFit/>
+          </a:bodyPr>
+          <a:lstStyle/>
+          <a:p>
+            <a:pPr algn="ctr"/>
+            <a:r>
+              <a:rPr lang="ko-KR" altLang="en-US" b="1" dirty="0">
+                <a:solidFill>
+                  <a:srgbClr val="767171"/>
+                </a:solidFill>
+              </a:rPr>
+              <a:t>프로필 선택</a:t>
+            </a:r>
+            <a:endParaRPr lang="en-US" altLang="ko-KR" b="1" dirty="0">
+              <a:solidFill>
+                <a:srgbClr val="767171"/>
+              </a:solidFill>
+            </a:endParaRPr>
+          </a:p>
+        </p:txBody>
+      </p:sp>
+      <p:sp>
+        <p:nvSpPr>
+          <p:cNvPr id="12" name="TextBox 11">
+            <a:extLst>
+              <a:ext uri="{FF2B5EF4-FFF2-40B4-BE49-F238E27FC236}">
+                <a16:creationId xmlns:a16="http://schemas.microsoft.com/office/drawing/2014/main" id="{52E4F743-ACEC-43EB-B79B-346C366BDE93}"/>
+              </a:ext>
+            </a:extLst>
+          </p:cNvPr>
+          <p:cNvSpPr txBox="1"/>
+          <p:nvPr/>
+        </p:nvSpPr>
+        <p:spPr>
+          <a:xfrm>
+            <a:off x="404260" y="5843324"/>
+            <a:ext cx="6521805" cy="323165"/>
+          </a:xfrm>
+          <a:prstGeom prst="rect">
+            <a:avLst/>
+          </a:prstGeom>
+          <a:noFill/>
+        </p:spPr>
+        <p:txBody>
+          <a:bodyPr wrap="square" rtlCol="0">
+            <a:spAutoFit/>
+          </a:bodyPr>
+          <a:lstStyle/>
+          <a:p>
+            <a:r>
+              <a:rPr lang="en-US" altLang="ko-KR" sz="1500" dirty="0">
+                <a:solidFill>
+                  <a:srgbClr val="767171"/>
+                </a:solidFill>
+              </a:rPr>
+              <a:t>(</a:t>
+            </a:r>
+            <a:r>
+              <a:rPr lang="ko-KR" altLang="en-US" sz="1500" dirty="0">
+                <a:solidFill>
+                  <a:srgbClr val="767171"/>
+                </a:solidFill>
+              </a:rPr>
+              <a:t>사용자를 선택하면 서버에 저장된 사용자</a:t>
+            </a:r>
+            <a:r>
+              <a:rPr lang="en-US" altLang="ko-KR" sz="1500" dirty="0">
+                <a:solidFill>
+                  <a:srgbClr val="767171"/>
+                </a:solidFill>
+              </a:rPr>
+              <a:t> </a:t>
+            </a:r>
+            <a:r>
+              <a:rPr lang="ko-KR" altLang="en-US" sz="1500" dirty="0">
+                <a:solidFill>
+                  <a:srgbClr val="767171"/>
+                </a:solidFill>
+              </a:rPr>
+              <a:t>데이터를 불러옴</a:t>
+            </a:r>
+            <a:r>
+              <a:rPr lang="en-US" altLang="ko-KR" sz="1500" dirty="0">
+                <a:solidFill>
+                  <a:srgbClr val="767171"/>
+                </a:solidFill>
+              </a:rPr>
+              <a:t>)</a:t>
+            </a:r>
+            <a:endParaRPr lang="ko-KR" altLang="en-US" sz="1500" dirty="0">
+              <a:solidFill>
+                <a:srgbClr val="767171"/>
+              </a:solidFill>
+            </a:endParaRPr>
+          </a:p>
+        </p:txBody>
+      </p:sp>
+      <p:sp>
+        <p:nvSpPr>
+          <p:cNvPr id="18" name="직사각형 17">
+            <a:extLst>
+              <a:ext uri="{FF2B5EF4-FFF2-40B4-BE49-F238E27FC236}">
+                <a16:creationId xmlns:a16="http://schemas.microsoft.com/office/drawing/2014/main" id="{A6ADE20D-130D-41AE-BB03-C4003EF76AF2}"/>
+              </a:ext>
+            </a:extLst>
+          </p:cNvPr>
+          <p:cNvSpPr/>
+          <p:nvPr/>
+        </p:nvSpPr>
+        <p:spPr>
+          <a:xfrm>
+            <a:off x="5598693" y="2243324"/>
+            <a:ext cx="6593308" cy="3093154"/>
+          </a:xfrm>
+          <a:prstGeom prst="rect">
+            <a:avLst/>
+          </a:prstGeom>
+          <a:solidFill>
+            <a:schemeClr val="tx1"/>
+          </a:solidFill>
+        </p:spPr>
+        <p:txBody>
+          <a:bodyPr wrap="square">
+            <a:spAutoFit/>
+          </a:bodyPr>
+          <a:lstStyle/>
+          <a:p>
+            <a:r>
+              <a:rPr lang="en-US" altLang="ko-KR" sz="1500" b="1" dirty="0">
+                <a:solidFill>
+                  <a:srgbClr val="51B6C4"/>
+                </a:solidFill>
+                <a:latin typeface="Consolas" panose="020B0609020204030204" pitchFamily="49" charset="0"/>
+              </a:rPr>
+              <a:t>$</a:t>
+            </a:r>
+            <a:r>
+              <a:rPr lang="en-US" altLang="ko-KR" sz="1500" b="1" dirty="0">
+                <a:solidFill>
+                  <a:srgbClr val="D4D4D4"/>
+                </a:solidFill>
+                <a:latin typeface="Consolas" panose="020B0609020204030204" pitchFamily="49" charset="0"/>
+              </a:rPr>
+              <a:t>(</a:t>
+            </a:r>
+            <a:r>
+              <a:rPr lang="en-US" altLang="ko-KR" sz="1500" b="1" dirty="0">
+                <a:solidFill>
+                  <a:srgbClr val="CE9178"/>
+                </a:solidFill>
+                <a:latin typeface="Consolas" panose="020B0609020204030204" pitchFamily="49" charset="0"/>
+              </a:rPr>
+              <a:t>'#</a:t>
+            </a:r>
+            <a:r>
+              <a:rPr lang="en-US" altLang="ko-KR" sz="1500" b="1" dirty="0" err="1">
+                <a:solidFill>
+                  <a:srgbClr val="CE9178"/>
+                </a:solidFill>
+                <a:latin typeface="Consolas" panose="020B0609020204030204" pitchFamily="49" charset="0"/>
+              </a:rPr>
+              <a:t>dialog_text</a:t>
+            </a:r>
+            <a:r>
+              <a:rPr lang="en-US" altLang="ko-KR" sz="1500" b="1" dirty="0">
+                <a:solidFill>
+                  <a:srgbClr val="CE9178"/>
+                </a:solidFill>
+                <a:latin typeface="Consolas" panose="020B0609020204030204" pitchFamily="49" charset="0"/>
+              </a:rPr>
+              <a:t>'</a:t>
+            </a:r>
+            <a:r>
+              <a:rPr lang="en-US" altLang="ko-KR" sz="1500" b="1" dirty="0">
+                <a:solidFill>
+                  <a:srgbClr val="D4D4D4"/>
+                </a:solidFill>
+                <a:latin typeface="Consolas" panose="020B0609020204030204" pitchFamily="49" charset="0"/>
+              </a:rPr>
+              <a:t>).</a:t>
+            </a:r>
+            <a:r>
+              <a:rPr lang="en-US" altLang="ko-KR" sz="1500" b="1" dirty="0">
+                <a:solidFill>
+                  <a:srgbClr val="DCDCAA"/>
+                </a:solidFill>
+                <a:latin typeface="Consolas" panose="020B0609020204030204" pitchFamily="49" charset="0"/>
+              </a:rPr>
+              <a:t>text</a:t>
+            </a:r>
+            <a:r>
+              <a:rPr lang="en-US" altLang="ko-KR" sz="1500" b="1" dirty="0">
+                <a:solidFill>
+                  <a:srgbClr val="D4D4D4"/>
+                </a:solidFill>
+                <a:latin typeface="Consolas" panose="020B0609020204030204" pitchFamily="49" charset="0"/>
+              </a:rPr>
+              <a:t>(</a:t>
+            </a:r>
+            <a:r>
+              <a:rPr lang="en-US" altLang="ko-KR" sz="1500" b="1" dirty="0">
+                <a:solidFill>
+                  <a:srgbClr val="CE9178"/>
+                </a:solidFill>
+                <a:latin typeface="Consolas" panose="020B0609020204030204" pitchFamily="49" charset="0"/>
+              </a:rPr>
+              <a:t>'[‘</a:t>
+            </a:r>
+            <a:r>
+              <a:rPr lang="en-US" altLang="ko-KR" sz="1500" b="1" dirty="0">
+                <a:solidFill>
+                  <a:srgbClr val="D4D4D4"/>
+                </a:solidFill>
+                <a:latin typeface="Consolas" panose="020B0609020204030204" pitchFamily="49" charset="0"/>
+              </a:rPr>
+              <a:t> +</a:t>
+            </a:r>
+          </a:p>
+          <a:p>
+            <a:r>
+              <a:rPr lang="en-US" altLang="ko-KR" sz="1500" b="1" dirty="0" err="1">
+                <a:solidFill>
+                  <a:srgbClr val="9CDCFE"/>
+                </a:solidFill>
+                <a:latin typeface="Consolas" panose="020B0609020204030204" pitchFamily="49" charset="0"/>
+              </a:rPr>
+              <a:t>tmp</a:t>
+            </a:r>
+            <a:r>
+              <a:rPr lang="en-US" altLang="ko-KR" sz="1500" b="1" dirty="0">
+                <a:solidFill>
+                  <a:srgbClr val="D4D4D4"/>
+                </a:solidFill>
+                <a:latin typeface="Consolas" panose="020B0609020204030204" pitchFamily="49" charset="0"/>
+              </a:rPr>
+              <a:t>[</a:t>
+            </a:r>
+            <a:r>
+              <a:rPr lang="en-US" altLang="ko-KR" sz="1500" b="1" dirty="0" err="1">
+                <a:solidFill>
+                  <a:srgbClr val="9CDCFE"/>
+                </a:solidFill>
+                <a:latin typeface="Consolas" panose="020B0609020204030204" pitchFamily="49" charset="0"/>
+              </a:rPr>
+              <a:t>swiper</a:t>
+            </a:r>
+            <a:r>
+              <a:rPr lang="en-US" altLang="ko-KR" sz="1500" b="1" dirty="0" err="1">
+                <a:solidFill>
+                  <a:srgbClr val="D4D4D4"/>
+                </a:solidFill>
+                <a:latin typeface="Consolas" panose="020B0609020204030204" pitchFamily="49" charset="0"/>
+              </a:rPr>
+              <a:t>.</a:t>
+            </a:r>
+            <a:r>
+              <a:rPr lang="en-US" altLang="ko-KR" sz="1500" b="1" dirty="0" err="1">
+                <a:solidFill>
+                  <a:srgbClr val="9CDCFE"/>
+                </a:solidFill>
+                <a:latin typeface="Consolas" panose="020B0609020204030204" pitchFamily="49" charset="0"/>
+              </a:rPr>
+              <a:t>activeIndex</a:t>
+            </a:r>
+            <a:r>
+              <a:rPr lang="en-US" altLang="ko-KR" sz="1500" b="1" dirty="0">
+                <a:solidFill>
+                  <a:srgbClr val="D4D4D4"/>
+                </a:solidFill>
+                <a:latin typeface="Consolas" panose="020B0609020204030204" pitchFamily="49" charset="0"/>
+              </a:rPr>
+              <a:t>].</a:t>
+            </a:r>
+            <a:r>
+              <a:rPr lang="en-US" altLang="ko-KR" sz="1500" b="1" dirty="0" err="1">
+                <a:solidFill>
+                  <a:srgbClr val="9CDCFE"/>
+                </a:solidFill>
+                <a:latin typeface="Consolas" panose="020B0609020204030204" pitchFamily="49" charset="0"/>
+              </a:rPr>
+              <a:t>u_name</a:t>
+            </a:r>
+            <a:r>
+              <a:rPr lang="en-US" altLang="ko-KR" sz="1500" b="1" dirty="0">
+                <a:solidFill>
+                  <a:srgbClr val="D4D4D4"/>
+                </a:solidFill>
+                <a:latin typeface="Consolas" panose="020B0609020204030204" pitchFamily="49" charset="0"/>
+              </a:rPr>
+              <a:t> + </a:t>
+            </a:r>
+            <a:r>
+              <a:rPr lang="en-US" altLang="ko-KR" sz="1500" b="1" dirty="0">
+                <a:solidFill>
+                  <a:srgbClr val="CE9178"/>
+                </a:solidFill>
+                <a:latin typeface="Consolas" panose="020B0609020204030204" pitchFamily="49" charset="0"/>
+              </a:rPr>
+              <a:t>'] </a:t>
+            </a:r>
+            <a:r>
+              <a:rPr lang="ko-KR" altLang="en-US" sz="1500" b="1" dirty="0">
+                <a:solidFill>
+                  <a:srgbClr val="CE9178"/>
+                </a:solidFill>
+                <a:latin typeface="Consolas" panose="020B0609020204030204" pitchFamily="49" charset="0"/>
+              </a:rPr>
+              <a:t>사용자로 </a:t>
+            </a:r>
+            <a:r>
+              <a:rPr lang="ko-KR" altLang="en-US" sz="1500" b="1" dirty="0" err="1">
+                <a:solidFill>
+                  <a:srgbClr val="CE9178"/>
+                </a:solidFill>
+                <a:latin typeface="Consolas" panose="020B0609020204030204" pitchFamily="49" charset="0"/>
+              </a:rPr>
+              <a:t>시작하시겠어요</a:t>
+            </a:r>
+            <a:r>
+              <a:rPr lang="en-US" altLang="ko-KR" sz="1500" b="1" dirty="0">
+                <a:solidFill>
+                  <a:srgbClr val="CE9178"/>
+                </a:solidFill>
+                <a:latin typeface="Consolas" panose="020B0609020204030204" pitchFamily="49" charset="0"/>
+              </a:rPr>
+              <a:t>?'</a:t>
+            </a:r>
+            <a:r>
+              <a:rPr lang="en-US" altLang="ko-KR" sz="1500" b="1" dirty="0">
+                <a:solidFill>
+                  <a:srgbClr val="D4D4D4"/>
+                </a:solidFill>
+                <a:latin typeface="Consolas" panose="020B0609020204030204" pitchFamily="49" charset="0"/>
+              </a:rPr>
+              <a:t>);</a:t>
+            </a:r>
+          </a:p>
+          <a:p>
+            <a:r>
+              <a:rPr lang="en-US" altLang="ko-KR" sz="1500" b="1" dirty="0">
+                <a:solidFill>
+                  <a:srgbClr val="51B6C4"/>
+                </a:solidFill>
+                <a:latin typeface="Consolas" panose="020B0609020204030204" pitchFamily="49" charset="0"/>
+              </a:rPr>
+              <a:t>    $</a:t>
+            </a:r>
+            <a:r>
+              <a:rPr lang="en-US" altLang="ko-KR" sz="1500" b="1" dirty="0">
+                <a:solidFill>
+                  <a:srgbClr val="D4D4D4"/>
+                </a:solidFill>
+                <a:latin typeface="Consolas" panose="020B0609020204030204" pitchFamily="49" charset="0"/>
+              </a:rPr>
+              <a:t>(</a:t>
+            </a:r>
+            <a:r>
+              <a:rPr lang="en-US" altLang="ko-KR" sz="1500" b="1" dirty="0">
+                <a:solidFill>
+                  <a:srgbClr val="CE9178"/>
+                </a:solidFill>
+                <a:latin typeface="Consolas" panose="020B0609020204030204" pitchFamily="49" charset="0"/>
+              </a:rPr>
+              <a:t>"#dialog"</a:t>
+            </a:r>
+            <a:r>
+              <a:rPr lang="en-US" altLang="ko-KR" sz="1500" b="1" dirty="0">
+                <a:solidFill>
+                  <a:srgbClr val="D4D4D4"/>
+                </a:solidFill>
+                <a:latin typeface="Consolas" panose="020B0609020204030204" pitchFamily="49" charset="0"/>
+              </a:rPr>
+              <a:t>).</a:t>
+            </a:r>
+            <a:r>
+              <a:rPr lang="en-US" altLang="ko-KR" sz="1500" b="1" dirty="0">
+                <a:solidFill>
+                  <a:srgbClr val="DCDCAA"/>
+                </a:solidFill>
+                <a:latin typeface="Consolas" panose="020B0609020204030204" pitchFamily="49" charset="0"/>
+              </a:rPr>
+              <a:t>dialog</a:t>
+            </a:r>
+            <a:r>
+              <a:rPr lang="en-US" altLang="ko-KR" sz="1500" b="1" dirty="0">
+                <a:solidFill>
+                  <a:srgbClr val="D4D4D4"/>
+                </a:solidFill>
+                <a:latin typeface="Consolas" panose="020B0609020204030204" pitchFamily="49" charset="0"/>
+              </a:rPr>
+              <a:t>({</a:t>
+            </a:r>
+            <a:r>
+              <a:rPr lang="ko-KR" altLang="en-US" sz="1500" b="1" dirty="0">
+                <a:solidFill>
+                  <a:srgbClr val="D4D4D4"/>
+                </a:solidFill>
+                <a:latin typeface="Consolas" panose="020B0609020204030204" pitchFamily="49" charset="0"/>
+              </a:rPr>
+              <a:t>                                </a:t>
+            </a:r>
+            <a:endParaRPr lang="en-US" altLang="ko-KR" sz="1500" b="1" dirty="0">
+              <a:solidFill>
+                <a:srgbClr val="D4D4D4"/>
+              </a:solidFill>
+              <a:latin typeface="Consolas" panose="020B0609020204030204" pitchFamily="49" charset="0"/>
+            </a:endParaRPr>
+          </a:p>
+          <a:p>
+            <a:r>
+              <a:rPr lang="en-US" altLang="ko-KR" sz="1500" b="1" dirty="0">
+                <a:solidFill>
+                  <a:srgbClr val="9CDCFE"/>
+                </a:solidFill>
+                <a:latin typeface="Consolas" panose="020B0609020204030204" pitchFamily="49" charset="0"/>
+              </a:rPr>
+              <a:t>      title:</a:t>
+            </a:r>
+            <a:r>
+              <a:rPr lang="en-US" altLang="ko-KR" sz="1500" b="1" dirty="0">
+                <a:solidFill>
+                  <a:srgbClr val="D4D4D4"/>
+                </a:solidFill>
+                <a:latin typeface="Consolas" panose="020B0609020204030204" pitchFamily="49" charset="0"/>
+              </a:rPr>
+              <a:t> </a:t>
+            </a:r>
+            <a:r>
+              <a:rPr lang="en-US" altLang="ko-KR" sz="1500" b="1" dirty="0">
+                <a:solidFill>
+                  <a:srgbClr val="CE9178"/>
+                </a:solidFill>
+                <a:latin typeface="Consolas" panose="020B0609020204030204" pitchFamily="49" charset="0"/>
+              </a:rPr>
+              <a:t>'</a:t>
+            </a:r>
+            <a:r>
+              <a:rPr lang="ko-KR" altLang="en-US" sz="1500" b="1" dirty="0">
+                <a:solidFill>
+                  <a:srgbClr val="CE9178"/>
+                </a:solidFill>
+                <a:latin typeface="Consolas" panose="020B0609020204030204" pitchFamily="49" charset="0"/>
+              </a:rPr>
+              <a:t>사용자 선택</a:t>
+            </a:r>
+            <a:r>
+              <a:rPr lang="en-US" altLang="ko-KR" sz="1500" b="1" dirty="0">
+                <a:solidFill>
+                  <a:srgbClr val="CE9178"/>
+                </a:solidFill>
+                <a:latin typeface="Consolas" panose="020B0609020204030204" pitchFamily="49" charset="0"/>
+              </a:rPr>
+              <a:t>'</a:t>
+            </a:r>
+            <a:r>
+              <a:rPr lang="en-US" altLang="ko-KR" sz="1500" b="1" dirty="0">
+                <a:solidFill>
+                  <a:srgbClr val="D4D4D4"/>
+                </a:solidFill>
+                <a:latin typeface="Consolas" panose="020B0609020204030204" pitchFamily="49" charset="0"/>
+              </a:rPr>
+              <a:t>,</a:t>
+            </a:r>
+          </a:p>
+          <a:p>
+            <a:r>
+              <a:rPr lang="en-US" altLang="ko-KR" sz="1500" b="1" dirty="0">
+                <a:solidFill>
+                  <a:srgbClr val="9CDCFE"/>
+                </a:solidFill>
+                <a:latin typeface="Consolas" panose="020B0609020204030204" pitchFamily="49" charset="0"/>
+              </a:rPr>
+              <a:t>      width:</a:t>
+            </a:r>
+            <a:r>
+              <a:rPr lang="en-US" altLang="ko-KR" sz="1500" b="1" dirty="0">
+                <a:solidFill>
+                  <a:srgbClr val="D4D4D4"/>
+                </a:solidFill>
+                <a:latin typeface="Consolas" panose="020B0609020204030204" pitchFamily="49" charset="0"/>
+              </a:rPr>
+              <a:t> </a:t>
+            </a:r>
+            <a:r>
+              <a:rPr lang="en-US" altLang="ko-KR" sz="1500" b="1" dirty="0">
+                <a:solidFill>
+                  <a:srgbClr val="B5CEA8"/>
+                </a:solidFill>
+                <a:latin typeface="Consolas" panose="020B0609020204030204" pitchFamily="49" charset="0"/>
+              </a:rPr>
+              <a:t>400</a:t>
+            </a:r>
+            <a:r>
+              <a:rPr lang="en-US" altLang="ko-KR" sz="1500" b="1" dirty="0">
+                <a:solidFill>
+                  <a:srgbClr val="D4D4D4"/>
+                </a:solidFill>
+                <a:latin typeface="Consolas" panose="020B0609020204030204" pitchFamily="49" charset="0"/>
+              </a:rPr>
+              <a:t>,</a:t>
+            </a:r>
+          </a:p>
+          <a:p>
+            <a:r>
+              <a:rPr lang="en-US" altLang="ko-KR" sz="1500" b="1" dirty="0">
+                <a:solidFill>
+                  <a:srgbClr val="9CDCFE"/>
+                </a:solidFill>
+                <a:latin typeface="Consolas" panose="020B0609020204030204" pitchFamily="49" charset="0"/>
+              </a:rPr>
+              <a:t>      height:</a:t>
+            </a:r>
+            <a:r>
+              <a:rPr lang="en-US" altLang="ko-KR" sz="1500" b="1" dirty="0">
+                <a:solidFill>
+                  <a:srgbClr val="D4D4D4"/>
+                </a:solidFill>
+                <a:latin typeface="Consolas" panose="020B0609020204030204" pitchFamily="49" charset="0"/>
+              </a:rPr>
+              <a:t> </a:t>
+            </a:r>
+            <a:r>
+              <a:rPr lang="en-US" altLang="ko-KR" sz="1500" b="1" dirty="0">
+                <a:solidFill>
+                  <a:srgbClr val="B5CEA8"/>
+                </a:solidFill>
+                <a:latin typeface="Consolas" panose="020B0609020204030204" pitchFamily="49" charset="0"/>
+              </a:rPr>
+              <a:t>250</a:t>
+            </a:r>
+            <a:r>
+              <a:rPr lang="en-US" altLang="ko-KR" sz="1500" b="1" dirty="0">
+                <a:solidFill>
+                  <a:srgbClr val="D4D4D4"/>
+                </a:solidFill>
+                <a:latin typeface="Consolas" panose="020B0609020204030204" pitchFamily="49" charset="0"/>
+              </a:rPr>
+              <a:t>,</a:t>
+            </a:r>
+          </a:p>
+          <a:p>
+            <a:r>
+              <a:rPr lang="en-US" altLang="ko-KR" sz="1500" b="1" dirty="0">
+                <a:solidFill>
+                  <a:srgbClr val="9CDCFE"/>
+                </a:solidFill>
+                <a:latin typeface="Consolas" panose="020B0609020204030204" pitchFamily="49" charset="0"/>
+              </a:rPr>
+              <a:t>      modal:</a:t>
+            </a:r>
+            <a:r>
+              <a:rPr lang="en-US" altLang="ko-KR" sz="1500" b="1" dirty="0">
+                <a:solidFill>
+                  <a:srgbClr val="D4D4D4"/>
+                </a:solidFill>
+                <a:latin typeface="Consolas" panose="020B0609020204030204" pitchFamily="49" charset="0"/>
+              </a:rPr>
+              <a:t> </a:t>
+            </a:r>
+            <a:r>
+              <a:rPr lang="en-US" altLang="ko-KR" sz="1500" b="1" dirty="0">
+                <a:solidFill>
+                  <a:srgbClr val="569CD6"/>
+                </a:solidFill>
+                <a:latin typeface="Consolas" panose="020B0609020204030204" pitchFamily="49" charset="0"/>
+              </a:rPr>
+              <a:t>true</a:t>
+            </a:r>
+            <a:r>
+              <a:rPr lang="en-US" altLang="ko-KR" sz="1500" b="1" dirty="0">
+                <a:solidFill>
+                  <a:srgbClr val="D4D4D4"/>
+                </a:solidFill>
+                <a:latin typeface="Consolas" panose="020B0609020204030204" pitchFamily="49" charset="0"/>
+              </a:rPr>
+              <a:t>,</a:t>
+            </a:r>
+          </a:p>
+          <a:p>
+            <a:r>
+              <a:rPr lang="en-US" altLang="ko-KR" sz="1500" b="1" dirty="0">
+                <a:solidFill>
+                  <a:srgbClr val="9CDCFE"/>
+                </a:solidFill>
+                <a:latin typeface="Consolas" panose="020B0609020204030204" pitchFamily="49" charset="0"/>
+              </a:rPr>
+              <a:t>      buttons:</a:t>
+            </a:r>
+            <a:r>
+              <a:rPr lang="en-US" altLang="ko-KR" sz="1500" b="1" dirty="0">
+                <a:solidFill>
+                  <a:srgbClr val="D4D4D4"/>
+                </a:solidFill>
+                <a:latin typeface="Consolas" panose="020B0609020204030204" pitchFamily="49" charset="0"/>
+              </a:rPr>
+              <a:t> [{</a:t>
+            </a:r>
+          </a:p>
+          <a:p>
+            <a:r>
+              <a:rPr lang="en-US" altLang="ko-KR" sz="1500" b="1" dirty="0">
+                <a:solidFill>
+                  <a:srgbClr val="9CDCFE"/>
+                </a:solidFill>
+                <a:latin typeface="Consolas" panose="020B0609020204030204" pitchFamily="49" charset="0"/>
+              </a:rPr>
+              <a:t>        text:</a:t>
+            </a:r>
+            <a:r>
+              <a:rPr lang="en-US" altLang="ko-KR" sz="1500" b="1" dirty="0">
+                <a:solidFill>
+                  <a:srgbClr val="D4D4D4"/>
+                </a:solidFill>
+                <a:latin typeface="Consolas" panose="020B0609020204030204" pitchFamily="49" charset="0"/>
+              </a:rPr>
+              <a:t> </a:t>
+            </a:r>
+            <a:r>
+              <a:rPr lang="en-US" altLang="ko-KR" sz="1500" b="1" dirty="0">
+                <a:solidFill>
+                  <a:srgbClr val="CE9178"/>
+                </a:solidFill>
+                <a:latin typeface="Consolas" panose="020B0609020204030204" pitchFamily="49" charset="0"/>
+              </a:rPr>
+              <a:t>"</a:t>
+            </a:r>
+            <a:r>
+              <a:rPr lang="ko-KR" altLang="en-US" sz="1500" b="1" dirty="0">
+                <a:solidFill>
+                  <a:srgbClr val="CE9178"/>
+                </a:solidFill>
+                <a:latin typeface="Consolas" panose="020B0609020204030204" pitchFamily="49" charset="0"/>
+              </a:rPr>
+              <a:t>확인</a:t>
+            </a:r>
+            <a:r>
+              <a:rPr lang="en-US" altLang="ko-KR" sz="1500" b="1" dirty="0">
+                <a:solidFill>
+                  <a:srgbClr val="CE9178"/>
+                </a:solidFill>
+                <a:latin typeface="Consolas" panose="020B0609020204030204" pitchFamily="49" charset="0"/>
+              </a:rPr>
+              <a:t>"</a:t>
+            </a:r>
+            <a:r>
+              <a:rPr lang="en-US" altLang="ko-KR" sz="1500" b="1" dirty="0">
+                <a:solidFill>
+                  <a:srgbClr val="D4D4D4"/>
+                </a:solidFill>
+                <a:latin typeface="Consolas" panose="020B0609020204030204" pitchFamily="49" charset="0"/>
+              </a:rPr>
+              <a:t>,</a:t>
+            </a:r>
+          </a:p>
+          <a:p>
+            <a:r>
+              <a:rPr lang="en-US" altLang="ko-KR" sz="1500" b="1" dirty="0">
+                <a:solidFill>
+                  <a:srgbClr val="DCDCAA"/>
+                </a:solidFill>
+                <a:latin typeface="Consolas" panose="020B0609020204030204" pitchFamily="49" charset="0"/>
+              </a:rPr>
+              <a:t>        click</a:t>
+            </a:r>
+            <a:r>
+              <a:rPr lang="en-US" altLang="ko-KR" sz="1500" b="1" dirty="0">
+                <a:solidFill>
+                  <a:srgbClr val="9CDCFE"/>
+                </a:solidFill>
+                <a:latin typeface="Consolas" panose="020B0609020204030204" pitchFamily="49" charset="0"/>
+              </a:rPr>
+              <a:t>:</a:t>
+            </a:r>
+            <a:r>
+              <a:rPr lang="en-US" altLang="ko-KR" sz="1500" b="1" dirty="0">
+                <a:solidFill>
+                  <a:srgbClr val="D4D4D4"/>
+                </a:solidFill>
+                <a:latin typeface="Consolas" panose="020B0609020204030204" pitchFamily="49" charset="0"/>
+              </a:rPr>
+              <a:t> </a:t>
+            </a:r>
+            <a:r>
+              <a:rPr lang="en-US" altLang="ko-KR" sz="1500" b="1" dirty="0">
+                <a:solidFill>
+                  <a:srgbClr val="569CD6"/>
+                </a:solidFill>
+                <a:latin typeface="Consolas" panose="020B0609020204030204" pitchFamily="49" charset="0"/>
+              </a:rPr>
+              <a:t>function</a:t>
+            </a:r>
+            <a:r>
+              <a:rPr lang="en-US" altLang="ko-KR" sz="1500" b="1" dirty="0">
+                <a:solidFill>
+                  <a:srgbClr val="D4D4D4"/>
+                </a:solidFill>
+                <a:latin typeface="Consolas" panose="020B0609020204030204" pitchFamily="49" charset="0"/>
+              </a:rPr>
+              <a:t> () {</a:t>
+            </a:r>
+          </a:p>
+          <a:p>
+            <a:r>
+              <a:rPr lang="en-US" altLang="ko-KR" sz="1500" b="1" dirty="0">
+                <a:solidFill>
+                  <a:srgbClr val="9CDCFE"/>
+                </a:solidFill>
+                <a:latin typeface="Consolas" panose="020B0609020204030204" pitchFamily="49" charset="0"/>
+              </a:rPr>
+              <a:t>          </a:t>
+            </a:r>
+            <a:r>
+              <a:rPr lang="en-US" altLang="ko-KR" sz="1500" b="1" dirty="0" err="1">
+                <a:solidFill>
+                  <a:srgbClr val="9CDCFE"/>
+                </a:solidFill>
+                <a:latin typeface="Consolas" panose="020B0609020204030204" pitchFamily="49" charset="0"/>
+              </a:rPr>
+              <a:t>document</a:t>
+            </a:r>
+            <a:r>
+              <a:rPr lang="en-US" altLang="ko-KR" sz="1500" b="1" dirty="0" err="1">
+                <a:solidFill>
+                  <a:srgbClr val="D4D4D4"/>
+                </a:solidFill>
+                <a:latin typeface="Consolas" panose="020B0609020204030204" pitchFamily="49" charset="0"/>
+              </a:rPr>
+              <a:t>.</a:t>
+            </a:r>
+            <a:r>
+              <a:rPr lang="en-US" altLang="ko-KR" sz="1500" b="1" dirty="0" err="1">
+                <a:solidFill>
+                  <a:srgbClr val="9CDCFE"/>
+                </a:solidFill>
+                <a:latin typeface="Consolas" panose="020B0609020204030204" pitchFamily="49" charset="0"/>
+              </a:rPr>
+              <a:t>location</a:t>
+            </a:r>
+            <a:r>
+              <a:rPr lang="en-US" altLang="ko-KR" sz="1500" b="1" dirty="0" err="1">
+                <a:solidFill>
+                  <a:srgbClr val="D4D4D4"/>
+                </a:solidFill>
+                <a:latin typeface="Consolas" panose="020B0609020204030204" pitchFamily="49" charset="0"/>
+              </a:rPr>
+              <a:t>.</a:t>
+            </a:r>
+            <a:r>
+              <a:rPr lang="en-US" altLang="ko-KR" sz="1500" b="1" dirty="0" err="1">
+                <a:solidFill>
+                  <a:srgbClr val="9CDCFE"/>
+                </a:solidFill>
+                <a:latin typeface="Consolas" panose="020B0609020204030204" pitchFamily="49" charset="0"/>
+              </a:rPr>
+              <a:t>href</a:t>
+            </a:r>
+            <a:r>
+              <a:rPr lang="en-US" altLang="ko-KR" sz="1500" b="1" dirty="0">
+                <a:solidFill>
+                  <a:srgbClr val="D4D4D4"/>
+                </a:solidFill>
+                <a:latin typeface="Consolas" panose="020B0609020204030204" pitchFamily="49" charset="0"/>
+              </a:rPr>
+              <a:t> = </a:t>
+            </a:r>
+            <a:r>
+              <a:rPr lang="en-US" altLang="ko-KR" sz="1500" b="1" dirty="0">
+                <a:solidFill>
+                  <a:srgbClr val="CE9178"/>
+                </a:solidFill>
+                <a:latin typeface="Consolas" panose="020B0609020204030204" pitchFamily="49" charset="0"/>
+              </a:rPr>
+              <a:t>'./user_choice.html'</a:t>
+            </a:r>
+            <a:r>
+              <a:rPr lang="en-US" altLang="ko-KR" sz="1500" b="1" dirty="0">
+                <a:solidFill>
+                  <a:srgbClr val="D4D4D4"/>
+                </a:solidFill>
+                <a:latin typeface="Consolas" panose="020B0609020204030204" pitchFamily="49" charset="0"/>
+              </a:rPr>
+              <a:t>;</a:t>
+            </a:r>
+          </a:p>
+          <a:p>
+            <a:r>
+              <a:rPr lang="en-US" altLang="ko-KR" sz="1500" b="1" dirty="0">
+                <a:solidFill>
+                  <a:srgbClr val="D4D4D4"/>
+                </a:solidFill>
+                <a:latin typeface="Consolas" panose="020B0609020204030204" pitchFamily="49" charset="0"/>
+              </a:rPr>
+              <a:t>        }</a:t>
+            </a:r>
+          </a:p>
+          <a:p>
+            <a:r>
+              <a:rPr lang="en-US" altLang="ko-KR" sz="1500" b="1" dirty="0">
+                <a:solidFill>
+                  <a:srgbClr val="D4D4D4"/>
+                </a:solidFill>
+                <a:latin typeface="Consolas" panose="020B0609020204030204" pitchFamily="49" charset="0"/>
+              </a:rPr>
+              <a:t>      },</a:t>
+            </a:r>
+          </a:p>
+        </p:txBody>
+      </p:sp>
+      <p:sp>
+        <p:nvSpPr>
+          <p:cNvPr id="14" name="타원 13">
+            <a:extLst>
+              <a:ext uri="{FF2B5EF4-FFF2-40B4-BE49-F238E27FC236}">
+                <a16:creationId xmlns:a16="http://schemas.microsoft.com/office/drawing/2014/main" id="{D036A916-83D2-4F52-B5BE-5B7E2F1F6BD7}"/>
+              </a:ext>
+            </a:extLst>
+          </p:cNvPr>
+          <p:cNvSpPr/>
+          <p:nvPr/>
+        </p:nvSpPr>
+        <p:spPr>
+          <a:xfrm>
+            <a:off x="2075739" y="1919904"/>
+            <a:ext cx="280431" cy="277509"/>
+          </a:xfrm>
+          <a:prstGeom prst="ellipse">
+            <a:avLst/>
+          </a:prstGeom>
+          <a:noFill/>
+          <a:ln w="12700">
+            <a:solidFill>
+              <a:schemeClr val="tx1"/>
+            </a:solidFill>
+          </a:ln>
+        </p:spPr>
+        <p:style>
+          <a:lnRef idx="2">
+            <a:schemeClr val="accent1">
+              <a:shade val="50000"/>
+            </a:schemeClr>
+          </a:lnRef>
+          <a:fillRef idx="1">
+            <a:schemeClr val="accent1"/>
+          </a:fillRef>
+          <a:effectRef idx="0">
+            <a:schemeClr val="accent1"/>
+          </a:effectRef>
+          <a:fontRef idx="minor">
+            <a:schemeClr val="lt1"/>
+          </a:fontRef>
+        </p:style>
+        <p:txBody>
+          <a:bodyPr rtlCol="0" anchor="ctr"/>
+          <a:lstStyle/>
+          <a:p>
+            <a:pPr algn="ctr"/>
+            <a:r>
+              <a:rPr lang="en-US" altLang="ko-KR" sz="1600" b="1" dirty="0">
+                <a:solidFill>
+                  <a:srgbClr val="767171"/>
+                </a:solidFill>
+              </a:rPr>
+              <a:t>2</a:t>
+            </a:r>
+            <a:endParaRPr lang="ko-KR" altLang="en-US" sz="1600" b="1" dirty="0">
+              <a:solidFill>
+                <a:srgbClr val="767171"/>
+              </a:solidFill>
+            </a:endParaRPr>
+          </a:p>
+        </p:txBody>
+      </p:sp>
+      <p:sp>
+        <p:nvSpPr>
+          <p:cNvPr id="10" name="TextBox 9">
+            <a:extLst>
+              <a:ext uri="{FF2B5EF4-FFF2-40B4-BE49-F238E27FC236}">
+                <a16:creationId xmlns:a16="http://schemas.microsoft.com/office/drawing/2014/main" id="{BD5F1DDB-5E56-44E8-9D45-709C511AFDE3}"/>
+              </a:ext>
+            </a:extLst>
+          </p:cNvPr>
+          <p:cNvSpPr txBox="1"/>
+          <p:nvPr/>
+        </p:nvSpPr>
+        <p:spPr>
+          <a:xfrm>
+            <a:off x="484675" y="1367445"/>
+            <a:ext cx="10338519" cy="400110"/>
+          </a:xfrm>
+          <a:prstGeom prst="rect">
+            <a:avLst/>
+          </a:prstGeom>
+          <a:noFill/>
+        </p:spPr>
+        <p:txBody>
+          <a:bodyPr wrap="square" rtlCol="0">
+            <a:spAutoFit/>
+          </a:bodyPr>
+          <a:lstStyle/>
+          <a:p>
+            <a:r>
+              <a:rPr lang="ko-KR" altLang="en-US" sz="2000" dirty="0">
+                <a:solidFill>
+                  <a:srgbClr val="767171"/>
+                </a:solidFill>
+              </a:rPr>
+              <a:t>● 등록된 사용자들을 선택 할 수 있는 프로필선택 페이지</a:t>
+            </a:r>
+          </a:p>
+        </p:txBody>
+      </p:sp>
+    </p:spTree>
+    <p:extLst>
+      <p:ext uri="{BB962C8B-B14F-4D97-AF65-F5344CB8AC3E}">
+        <p14:creationId xmlns:p14="http://schemas.microsoft.com/office/powerpoint/2010/main" val="1275665108"/>
+      </p:ext>
+    </p:extLst>
+  </p:cSld>
+  <p:clrMapOvr>
+    <a:masterClrMapping/>
+  </p:clrMapOvr>
+</p:sld>
+</file>
+
+<file path=ppt/slides/slide25.xml><?xml version="1.0" encoding="utf-8"?>
+<p:sld xmlns:a="http://schemas.openxmlformats.org/drawingml/2006/main" xmlns:r="http://schemas.openxmlformats.org/officeDocument/2006/relationships" xmlns:p="http://schemas.openxmlformats.org/presentationml/2006/main">
+  <p:cSld>
+    <p:spTree>
+      <p:nvGrpSpPr>
+        <p:cNvPr id="1" name=""/>
+        <p:cNvGrpSpPr/>
+        <p:nvPr/>
+      </p:nvGrpSpPr>
+      <p:grpSpPr>
+        <a:xfrm>
+          <a:off x="0" y="0"/>
+          <a:ext cx="0" cy="0"/>
+          <a:chOff x="0" y="0"/>
+          <a:chExt cx="0" cy="0"/>
+        </a:xfrm>
+      </p:grpSpPr>
+      <p:sp>
+        <p:nvSpPr>
+          <p:cNvPr id="6" name="직사각형 5">
+            <a:extLst>
+              <a:ext uri="{FF2B5EF4-FFF2-40B4-BE49-F238E27FC236}">
+                <a16:creationId xmlns:a16="http://schemas.microsoft.com/office/drawing/2014/main" id="{F3F3FFB9-31B7-4F7E-9FF5-C453DB84B302}"/>
+              </a:ext>
+            </a:extLst>
+          </p:cNvPr>
+          <p:cNvSpPr/>
+          <p:nvPr/>
+        </p:nvSpPr>
+        <p:spPr>
+          <a:xfrm>
+            <a:off x="404260" y="512131"/>
+            <a:ext cx="885525" cy="356132"/>
+          </a:xfrm>
+          <a:prstGeom prst="rect">
+            <a:avLst/>
+          </a:prstGeom>
+          <a:solidFill>
+            <a:srgbClr val="F0D252"/>
+          </a:solidFill>
+          <a:ln>
+            <a:noFill/>
+          </a:ln>
+        </p:spPr>
+        <p:style>
+          <a:lnRef idx="2">
+            <a:schemeClr val="accent1">
+              <a:shade val="50000"/>
+            </a:schemeClr>
+          </a:lnRef>
+          <a:fillRef idx="1">
+            <a:schemeClr val="accent1"/>
+          </a:fillRef>
+          <a:effectRef idx="0">
+            <a:schemeClr val="accent1"/>
+          </a:effectRef>
+          <a:fontRef idx="minor">
+            <a:schemeClr val="lt1"/>
+          </a:fontRef>
+        </p:style>
+        <p:txBody>
+          <a:bodyPr rtlCol="0" anchor="ctr"/>
+          <a:lstStyle/>
+          <a:p>
+            <a:pPr algn="ctr"/>
+            <a:endParaRPr lang="ko-KR" altLang="en-US" dirty="0"/>
+          </a:p>
+        </p:txBody>
+      </p:sp>
       <p:pic>
         <p:nvPicPr>
           <p:cNvPr id="2" name="그림 1">
@@ -22239,7 +25577,7 @@
 </p:sld>
 </file>
 
-<file path=ppt/slides/slide25.xml><?xml version="1.0" encoding="utf-8"?>
+<file path=ppt/slides/slide26.xml><?xml version="1.0" encoding="utf-8"?>
 <p:sld xmlns:a="http://schemas.openxmlformats.org/drawingml/2006/main" xmlns:r="http://schemas.openxmlformats.org/officeDocument/2006/relationships" xmlns:p="http://schemas.openxmlformats.org/presentationml/2006/main">
   <p:cSld>
     <p:spTree>
@@ -24275,7 +27613,7 @@
 </p:sld>
 </file>
 
-<file path=ppt/slides/slide26.xml><?xml version="1.0" encoding="utf-8"?>
+<file path=ppt/slides/slide27.xml><?xml version="1.0" encoding="utf-8"?>
 <p:sld xmlns:a="http://schemas.openxmlformats.org/drawingml/2006/main" xmlns:r="http://schemas.openxmlformats.org/officeDocument/2006/relationships" xmlns:p="http://schemas.openxmlformats.org/presentationml/2006/main">
   <p:cSld>
     <p:spTree>
@@ -25361,7 +28699,7 @@
 </p:sld>
 </file>
 
-<file path=ppt/slides/slide27.xml><?xml version="1.0" encoding="utf-8"?>
+<file path=ppt/slides/slide28.xml><?xml version="1.0" encoding="utf-8"?>
 <p:sld xmlns:a="http://schemas.openxmlformats.org/drawingml/2006/main" xmlns:r="http://schemas.openxmlformats.org/officeDocument/2006/relationships" xmlns:p="http://schemas.openxmlformats.org/presentationml/2006/main">
   <p:cSld>
     <p:spTree>
@@ -27196,7 +30534,7 @@
 </p:sld>
 </file>
 
-<file path=ppt/slides/slide28.xml><?xml version="1.0" encoding="utf-8"?>
+<file path=ppt/slides/slide29.xml><?xml version="1.0" encoding="utf-8"?>
 <p:sld xmlns:a="http://schemas.openxmlformats.org/drawingml/2006/main" xmlns:r="http://schemas.openxmlformats.org/officeDocument/2006/relationships" xmlns:p="http://schemas.openxmlformats.org/presentationml/2006/main">
   <p:cSld>
     <p:spTree>
@@ -27510,146 +30848,6 @@
     <p:extLst>
       <p:ext uri="{BB962C8B-B14F-4D97-AF65-F5344CB8AC3E}">
         <p14:creationId xmlns:p14="http://schemas.microsoft.com/office/powerpoint/2010/main" val="3000251213"/>
-      </p:ext>
-    </p:extLst>
-  </p:cSld>
-  <p:clrMapOvr>
-    <a:masterClrMapping/>
-  </p:clrMapOvr>
-</p:sld>
-</file>
-
-<file path=ppt/slides/slide29.xml><?xml version="1.0" encoding="utf-8"?>
-<p:sld xmlns:a="http://schemas.openxmlformats.org/drawingml/2006/main" xmlns:r="http://schemas.openxmlformats.org/officeDocument/2006/relationships" xmlns:p="http://schemas.openxmlformats.org/presentationml/2006/main">
-  <p:cSld>
-    <p:spTree>
-      <p:nvGrpSpPr>
-        <p:cNvPr id="1" name=""/>
-        <p:cNvGrpSpPr/>
-        <p:nvPr/>
-      </p:nvGrpSpPr>
-      <p:grpSpPr>
-        <a:xfrm>
-          <a:off x="0" y="0"/>
-          <a:ext cx="0" cy="0"/>
-          <a:chOff x="0" y="0"/>
-          <a:chExt cx="0" cy="0"/>
-        </a:xfrm>
-      </p:grpSpPr>
-      <p:sp>
-        <p:nvSpPr>
-          <p:cNvPr id="5" name="직사각형 4">
-            <a:extLst>
-              <a:ext uri="{FF2B5EF4-FFF2-40B4-BE49-F238E27FC236}">
-                <a16:creationId xmlns:a16="http://schemas.microsoft.com/office/drawing/2014/main" id="{5C265A66-5F2C-488C-AC8D-8D373FF54653}"/>
-              </a:ext>
-            </a:extLst>
-          </p:cNvPr>
-          <p:cNvSpPr/>
-          <p:nvPr/>
-        </p:nvSpPr>
-        <p:spPr>
-          <a:xfrm>
-            <a:off x="3376898" y="2875002"/>
-            <a:ext cx="1863790" cy="435259"/>
-          </a:xfrm>
-          <a:prstGeom prst="rect">
-            <a:avLst/>
-          </a:prstGeom>
-          <a:solidFill>
-            <a:srgbClr val="F0D252"/>
-          </a:solidFill>
-          <a:ln>
-            <a:noFill/>
-          </a:ln>
-        </p:spPr>
-        <p:style>
-          <a:lnRef idx="2">
-            <a:schemeClr val="accent1">
-              <a:shade val="50000"/>
-            </a:schemeClr>
-          </a:lnRef>
-          <a:fillRef idx="1">
-            <a:schemeClr val="accent1"/>
-          </a:fillRef>
-          <a:effectRef idx="0">
-            <a:schemeClr val="accent1"/>
-          </a:effectRef>
-          <a:fontRef idx="minor">
-            <a:schemeClr val="lt1"/>
-          </a:fontRef>
-        </p:style>
-        <p:txBody>
-          <a:bodyPr rtlCol="0" anchor="ctr"/>
-          <a:lstStyle/>
-          <a:p>
-            <a:pPr algn="ctr"/>
-            <a:endParaRPr lang="ko-KR" altLang="en-US" dirty="0"/>
-          </a:p>
-        </p:txBody>
-      </p:sp>
-      <p:sp>
-        <p:nvSpPr>
-          <p:cNvPr id="26" name="TextBox 25">
-            <a:extLst>
-              <a:ext uri="{FF2B5EF4-FFF2-40B4-BE49-F238E27FC236}">
-                <a16:creationId xmlns:a16="http://schemas.microsoft.com/office/drawing/2014/main" id="{C9DAF82C-ADFD-4B48-B29F-3AE82A1617AC}"/>
-              </a:ext>
-            </a:extLst>
-          </p:cNvPr>
-          <p:cNvSpPr txBox="1"/>
-          <p:nvPr/>
-        </p:nvSpPr>
-        <p:spPr>
-          <a:xfrm>
-            <a:off x="2995682" y="2875002"/>
-            <a:ext cx="7441541" cy="1107996"/>
-          </a:xfrm>
-          <a:prstGeom prst="rect">
-            <a:avLst/>
-          </a:prstGeom>
-          <a:noFill/>
-        </p:spPr>
-        <p:txBody>
-          <a:bodyPr wrap="square" rtlCol="0">
-            <a:spAutoFit/>
-          </a:bodyPr>
-          <a:lstStyle/>
-          <a:p>
-            <a:pPr algn="ctr"/>
-            <a:r>
-              <a:rPr lang="ko-KR" altLang="en-US" sz="6600" b="1" dirty="0">
-                <a:ln>
-                  <a:solidFill>
-                    <a:schemeClr val="accent1">
-                      <a:shade val="50000"/>
-                      <a:alpha val="0"/>
-                    </a:schemeClr>
-                  </a:solidFill>
-                </a:ln>
-                <a:solidFill>
-                  <a:schemeClr val="bg2">
-                    <a:lumMod val="50000"/>
-                  </a:schemeClr>
-                </a:solidFill>
-                <a:latin typeface="맑은 고딕" panose="020B0503020000020004" pitchFamily="50" charset="-127"/>
-                <a:ea typeface="맑은 고딕" panose="020B0503020000020004" pitchFamily="50" charset="-127"/>
-                <a:cs typeface="함초롬바탕" panose="02030604000101010101" pitchFamily="18" charset="-127"/>
-              </a:rPr>
-              <a:t>금주 진행 사항</a:t>
-            </a:r>
-            <a:endParaRPr lang="en-US" altLang="ko-KR" sz="6600" dirty="0">
-              <a:latin typeface="맑은 고딕" panose="020B0503020000020004" pitchFamily="50" charset="-127"/>
-              <a:ea typeface="맑은 고딕" panose="020B0503020000020004" pitchFamily="50" charset="-127"/>
-              <a:cs typeface="함초롬바탕" panose="02030604000101010101" pitchFamily="18" charset="-127"/>
-            </a:endParaRPr>
-          </a:p>
-        </p:txBody>
-      </p:sp>
-    </p:spTree>
-    <p:extLst>
-      <p:ext uri="{BB962C8B-B14F-4D97-AF65-F5344CB8AC3E}">
-        <p14:creationId xmlns:p14="http://schemas.microsoft.com/office/powerpoint/2010/main" val="3925976724"/>
       </p:ext>
     </p:extLst>
   </p:cSld>
@@ -27800,6 +30998,146 @@
 </file>
 
 <file path=ppt/slides/slide30.xml><?xml version="1.0" encoding="utf-8"?>
+<p:sld xmlns:a="http://schemas.openxmlformats.org/drawingml/2006/main" xmlns:r="http://schemas.openxmlformats.org/officeDocument/2006/relationships" xmlns:p="http://schemas.openxmlformats.org/presentationml/2006/main">
+  <p:cSld>
+    <p:spTree>
+      <p:nvGrpSpPr>
+        <p:cNvPr id="1" name=""/>
+        <p:cNvGrpSpPr/>
+        <p:nvPr/>
+      </p:nvGrpSpPr>
+      <p:grpSpPr>
+        <a:xfrm>
+          <a:off x="0" y="0"/>
+          <a:ext cx="0" cy="0"/>
+          <a:chOff x="0" y="0"/>
+          <a:chExt cx="0" cy="0"/>
+        </a:xfrm>
+      </p:grpSpPr>
+      <p:sp>
+        <p:nvSpPr>
+          <p:cNvPr id="5" name="직사각형 4">
+            <a:extLst>
+              <a:ext uri="{FF2B5EF4-FFF2-40B4-BE49-F238E27FC236}">
+                <a16:creationId xmlns:a16="http://schemas.microsoft.com/office/drawing/2014/main" id="{5C265A66-5F2C-488C-AC8D-8D373FF54653}"/>
+              </a:ext>
+            </a:extLst>
+          </p:cNvPr>
+          <p:cNvSpPr/>
+          <p:nvPr/>
+        </p:nvSpPr>
+        <p:spPr>
+          <a:xfrm>
+            <a:off x="3376898" y="2875002"/>
+            <a:ext cx="1863790" cy="435259"/>
+          </a:xfrm>
+          <a:prstGeom prst="rect">
+            <a:avLst/>
+          </a:prstGeom>
+          <a:solidFill>
+            <a:srgbClr val="F0D252"/>
+          </a:solidFill>
+          <a:ln>
+            <a:noFill/>
+          </a:ln>
+        </p:spPr>
+        <p:style>
+          <a:lnRef idx="2">
+            <a:schemeClr val="accent1">
+              <a:shade val="50000"/>
+            </a:schemeClr>
+          </a:lnRef>
+          <a:fillRef idx="1">
+            <a:schemeClr val="accent1"/>
+          </a:fillRef>
+          <a:effectRef idx="0">
+            <a:schemeClr val="accent1"/>
+          </a:effectRef>
+          <a:fontRef idx="minor">
+            <a:schemeClr val="lt1"/>
+          </a:fontRef>
+        </p:style>
+        <p:txBody>
+          <a:bodyPr rtlCol="0" anchor="ctr"/>
+          <a:lstStyle/>
+          <a:p>
+            <a:pPr algn="ctr"/>
+            <a:endParaRPr lang="ko-KR" altLang="en-US" dirty="0"/>
+          </a:p>
+        </p:txBody>
+      </p:sp>
+      <p:sp>
+        <p:nvSpPr>
+          <p:cNvPr id="26" name="TextBox 25">
+            <a:extLst>
+              <a:ext uri="{FF2B5EF4-FFF2-40B4-BE49-F238E27FC236}">
+                <a16:creationId xmlns:a16="http://schemas.microsoft.com/office/drawing/2014/main" id="{C9DAF82C-ADFD-4B48-B29F-3AE82A1617AC}"/>
+              </a:ext>
+            </a:extLst>
+          </p:cNvPr>
+          <p:cNvSpPr txBox="1"/>
+          <p:nvPr/>
+        </p:nvSpPr>
+        <p:spPr>
+          <a:xfrm>
+            <a:off x="2995682" y="2875002"/>
+            <a:ext cx="7441541" cy="1107996"/>
+          </a:xfrm>
+          <a:prstGeom prst="rect">
+            <a:avLst/>
+          </a:prstGeom>
+          <a:noFill/>
+        </p:spPr>
+        <p:txBody>
+          <a:bodyPr wrap="square" rtlCol="0">
+            <a:spAutoFit/>
+          </a:bodyPr>
+          <a:lstStyle/>
+          <a:p>
+            <a:pPr algn="ctr"/>
+            <a:r>
+              <a:rPr lang="ko-KR" altLang="en-US" sz="6600" b="1" dirty="0">
+                <a:ln>
+                  <a:solidFill>
+                    <a:schemeClr val="accent1">
+                      <a:shade val="50000"/>
+                      <a:alpha val="0"/>
+                    </a:schemeClr>
+                  </a:solidFill>
+                </a:ln>
+                <a:solidFill>
+                  <a:schemeClr val="bg2">
+                    <a:lumMod val="50000"/>
+                  </a:schemeClr>
+                </a:solidFill>
+                <a:latin typeface="맑은 고딕" panose="020B0503020000020004" pitchFamily="50" charset="-127"/>
+                <a:ea typeface="맑은 고딕" panose="020B0503020000020004" pitchFamily="50" charset="-127"/>
+                <a:cs typeface="함초롬바탕" panose="02030604000101010101" pitchFamily="18" charset="-127"/>
+              </a:rPr>
+              <a:t>금주 진행 사항</a:t>
+            </a:r>
+            <a:endParaRPr lang="en-US" altLang="ko-KR" sz="6600" dirty="0">
+              <a:latin typeface="맑은 고딕" panose="020B0503020000020004" pitchFamily="50" charset="-127"/>
+              <a:ea typeface="맑은 고딕" panose="020B0503020000020004" pitchFamily="50" charset="-127"/>
+              <a:cs typeface="함초롬바탕" panose="02030604000101010101" pitchFamily="18" charset="-127"/>
+            </a:endParaRPr>
+          </a:p>
+        </p:txBody>
+      </p:sp>
+    </p:spTree>
+    <p:extLst>
+      <p:ext uri="{BB962C8B-B14F-4D97-AF65-F5344CB8AC3E}">
+        <p14:creationId xmlns:p14="http://schemas.microsoft.com/office/powerpoint/2010/main" val="3925976724"/>
+      </p:ext>
+    </p:extLst>
+  </p:cSld>
+  <p:clrMapOvr>
+    <a:masterClrMapping/>
+  </p:clrMapOvr>
+</p:sld>
+</file>
+
+<file path=ppt/slides/slide31.xml><?xml version="1.0" encoding="utf-8"?>
 <p:sld xmlns:a="http://schemas.openxmlformats.org/drawingml/2006/main" xmlns:r="http://schemas.openxmlformats.org/officeDocument/2006/relationships" xmlns:p="http://schemas.openxmlformats.org/presentationml/2006/main">
   <p:cSld>
     <p:spTree>
@@ -28145,23 +31483,7 @@
                   <a:srgbClr val="767171"/>
                 </a:solidFill>
               </a:rPr>
-              <a:t>요청으로 주소창에 정보가 노출이 되어</a:t>
-            </a:r>
-            <a:r>
-              <a:rPr lang="en-US" altLang="ko-KR" sz="2200" b="1" dirty="0">
-                <a:solidFill>
-                  <a:srgbClr val="767171"/>
-                </a:solidFill>
-              </a:rPr>
-              <a:t>, </a:t>
-            </a:r>
-            <a:r>
-              <a:rPr lang="ko-KR" altLang="en-US" sz="2200" b="1" dirty="0">
-                <a:solidFill>
-                  <a:srgbClr val="767171"/>
-                </a:solidFill>
-              </a:rPr>
-              <a:t>노출이 </a:t>
+              <a:t>요청 방식으로 </a:t>
             </a:r>
             <a:endParaRPr lang="en-US" altLang="ko-KR" sz="2200" b="1" dirty="0">
               <a:solidFill>
@@ -28181,7 +31503,7 @@
                   <a:srgbClr val="767171"/>
                 </a:solidFill>
               </a:rPr>
-              <a:t>안되는 </a:t>
+              <a:t>주소창에 정보가 노출이 되어</a:t>
             </a:r>
             <a:r>
               <a:rPr lang="en-US" altLang="ko-KR" sz="2200" b="1" dirty="0">
@@ -28189,6 +31511,22 @@
                   <a:srgbClr val="767171"/>
                 </a:solidFill>
               </a:rPr>
+              <a:t>, </a:t>
+            </a:r>
+            <a:r>
+              <a:rPr lang="ko-KR" altLang="en-US" sz="2200" b="1" dirty="0">
+                <a:solidFill>
+                  <a:srgbClr val="767171"/>
+                </a:solidFill>
+              </a:rPr>
+              <a:t>노출이 안되는 </a:t>
+            </a:r>
+            <a:r>
+              <a:rPr lang="en-US" altLang="ko-KR" sz="2200" b="1" dirty="0">
+                <a:solidFill>
+                  <a:srgbClr val="767171"/>
+                </a:solidFill>
+              </a:rPr>
               <a:t>POST </a:t>
             </a:r>
             <a:r>
@@ -28197,7 +31535,7 @@
                   <a:srgbClr val="767171"/>
                 </a:solidFill>
               </a:rPr>
-              <a:t>방식의 요청으로 소스코드를 변경</a:t>
+              <a:t>방식으로 소스코드를 변경</a:t>
             </a:r>
             <a:endParaRPr lang="en-US" altLang="ko-KR" sz="2200" b="1" dirty="0">
               <a:solidFill>
@@ -28220,7 +31558,7 @@
 </p:sld>
 </file>
 
-<file path=ppt/slides/slide31.xml><?xml version="1.0" encoding="utf-8"?>
+<file path=ppt/slides/slide32.xml><?xml version="1.0" encoding="utf-8"?>
 <p:sld xmlns:a="http://schemas.openxmlformats.org/drawingml/2006/main" xmlns:r="http://schemas.openxmlformats.org/officeDocument/2006/relationships" xmlns:p="http://schemas.openxmlformats.org/presentationml/2006/main">
   <p:cSld>
     <p:spTree>
@@ -28429,36 +31767,6 @@
           </a:p>
         </p:txBody>
       </p:sp>
-      <p:pic>
-        <p:nvPicPr>
-          <p:cNvPr id="3" name="그림 2">
-            <a:extLst>
-              <a:ext uri="{FF2B5EF4-FFF2-40B4-BE49-F238E27FC236}">
-                <a16:creationId xmlns:a16="http://schemas.microsoft.com/office/drawing/2014/main" id="{F81D5ACB-3FD7-4C13-92E7-DF116AF24E4C}"/>
-              </a:ext>
-            </a:extLst>
-          </p:cNvPr>
-          <p:cNvPicPr>
-            <a:picLocks noChangeAspect="1"/>
-          </p:cNvPicPr>
-          <p:nvPr/>
-        </p:nvPicPr>
-        <p:blipFill>
-          <a:blip r:embed="rId3"/>
-          <a:stretch>
-            <a:fillRect/>
-          </a:stretch>
-        </p:blipFill>
-        <p:spPr>
-          <a:xfrm>
-            <a:off x="540965" y="2747873"/>
-            <a:ext cx="6492134" cy="3604554"/>
-          </a:xfrm>
-          <a:prstGeom prst="rect">
-            <a:avLst/>
-          </a:prstGeom>
-        </p:spPr>
-      </p:pic>
       <p:sp>
         <p:nvSpPr>
           <p:cNvPr id="4" name="화살표: 오른쪽 3">
@@ -28525,8 +31833,8 @@
         </p:nvSpPr>
         <p:spPr>
           <a:xfrm>
-            <a:off x="7957225" y="3429000"/>
-            <a:ext cx="4085617" cy="2015873"/>
+            <a:off x="7869675" y="3429000"/>
+            <a:ext cx="4387175" cy="2015873"/>
           </a:xfrm>
           <a:prstGeom prst="rect">
             <a:avLst/>
@@ -28689,6 +31997,36 @@
           </a:fontRef>
         </p:style>
       </p:cxnSp>
+      <p:pic>
+        <p:nvPicPr>
+          <p:cNvPr id="2" name="그림 1">
+            <a:extLst>
+              <a:ext uri="{FF2B5EF4-FFF2-40B4-BE49-F238E27FC236}">
+                <a16:creationId xmlns:a16="http://schemas.microsoft.com/office/drawing/2014/main" id="{586D56FA-F434-41F1-A153-7C14641B5207}"/>
+              </a:ext>
+            </a:extLst>
+          </p:cNvPr>
+          <p:cNvPicPr>
+            <a:picLocks noChangeAspect="1"/>
+          </p:cNvPicPr>
+          <p:nvPr/>
+        </p:nvPicPr>
+        <p:blipFill>
+          <a:blip r:embed="rId3"/>
+          <a:stretch>
+            <a:fillRect/>
+          </a:stretch>
+        </p:blipFill>
+        <p:spPr>
+          <a:xfrm>
+            <a:off x="404260" y="2830253"/>
+            <a:ext cx="6249459" cy="3760806"/>
+          </a:xfrm>
+          <a:prstGeom prst="rect">
+            <a:avLst/>
+          </a:prstGeom>
+        </p:spPr>
+      </p:pic>
     </p:spTree>
     <p:extLst>
       <p:ext uri="{BB962C8B-B14F-4D97-AF65-F5344CB8AC3E}">
@@ -28702,7 +32040,7 @@
 </p:sld>
 </file>
 
-<file path=ppt/slides/slide32.xml><?xml version="1.0" encoding="utf-8"?>
+<file path=ppt/slides/slide33.xml><?xml version="1.0" encoding="utf-8"?>
 <p:sld xmlns:a="http://schemas.openxmlformats.org/drawingml/2006/main" xmlns:r="http://schemas.openxmlformats.org/officeDocument/2006/relationships" xmlns:p="http://schemas.openxmlformats.org/presentationml/2006/main">
   <p:cSld>
     <p:spTree>
@@ -28842,7 +32180,7 @@
 </p:sld>
 </file>
 
-<file path=ppt/slides/slide33.xml><?xml version="1.0" encoding="utf-8"?>
+<file path=ppt/slides/slide34.xml><?xml version="1.0" encoding="utf-8"?>
 <p:sld xmlns:a="http://schemas.openxmlformats.org/drawingml/2006/main" xmlns:r="http://schemas.openxmlformats.org/officeDocument/2006/relationships" xmlns:p="http://schemas.openxmlformats.org/presentationml/2006/main">
   <p:cSld>
     <p:spTree>
@@ -28970,7 +32308,7 @@
           <p:nvPr>
             <p:extLst>
               <p:ext uri="{D42A27DB-BD31-4B8C-83A1-F6EECF244321}">
-                <p14:modId xmlns:p14="http://schemas.microsoft.com/office/powerpoint/2010/main" val="2405943068"/>
+                <p14:modId xmlns:p14="http://schemas.microsoft.com/office/powerpoint/2010/main" val="614514768"/>
               </p:ext>
             </p:extLst>
           </p:nvPr>
@@ -29155,7 +32493,27 @@
                             <a:srgbClr val="767171"/>
                           </a:solidFill>
                         </a:rPr>
-                        <a:t>주차에 진행하려 하였으나 데이터가 부족하여 원하는 성능이 나오지 않아 추가 데이터 수집 후 진행 예정</a:t>
+                        <a:t>주차에 진행하려 하였으나 데이터가 부족하여 원하는 성능이 나오지 </a:t>
+                      </a:r>
+                      <a:endParaRPr lang="en-US" altLang="ko-KR" b="0" dirty="0">
+                        <a:solidFill>
+                          <a:srgbClr val="767171"/>
+                        </a:solidFill>
+                      </a:endParaRPr>
+                    </a:p>
+                    <a:p>
+                      <a:pPr algn="l" latinLnBrk="1">
+                        <a:lnSpc>
+                          <a:spcPct val="150000"/>
+                        </a:lnSpc>
+                      </a:pPr>
+                      <a:r>
+                        <a:rPr lang="ko-KR" altLang="en-US" b="0" dirty="0">
+                          <a:solidFill>
+                            <a:srgbClr val="767171"/>
+                          </a:solidFill>
+                        </a:rPr>
+                        <a:t>않아 추가 데이터 수집 후 진행 예정</a:t>
                       </a:r>
                       <a:r>
                         <a:rPr lang="en-US" altLang="ko-KR" b="0" dirty="0">
@@ -29321,11 +32679,14 @@
                         </a:rPr>
                         <a:t>표본이 적은 연령대나 시간대가 있어 추가적으로 데이터를 수집</a:t>
                       </a:r>
-                      <a:endParaRPr lang="en-US" altLang="ko-KR" dirty="0">
-                        <a:solidFill>
-                          <a:srgbClr val="767171"/>
-                        </a:solidFill>
-                      </a:endParaRPr>
+                      <a:r>
+                        <a:rPr lang="en-US" altLang="ko-KR" dirty="0">
+                          <a:solidFill>
+                            <a:srgbClr val="767171"/>
+                          </a:solidFill>
+                        </a:rPr>
+                        <a:t>)</a:t>
+                      </a:r>
                     </a:p>
                   </a:txBody>
                   <a:tcPr anchor="ctr">
@@ -29391,7 +32752,7 @@
 </p:sld>
 </file>
 
-<file path=ppt/slides/slide34.xml><?xml version="1.0" encoding="utf-8"?>
+<file path=ppt/slides/slide35.xml><?xml version="1.0" encoding="utf-8"?>
 <p:sld xmlns:a="http://schemas.openxmlformats.org/drawingml/2006/main" xmlns:r="http://schemas.openxmlformats.org/officeDocument/2006/relationships" xmlns:p="http://schemas.openxmlformats.org/presentationml/2006/main">
   <p:cSld>
     <p:spTree>
@@ -31686,6 +35047,10 @@
                 <a:cs typeface="함초롬바탕" panose="02030604000101010101" pitchFamily="18" charset="-127"/>
               </a:rPr>
               <a:t>프론트엔드</a:t>
+            </a:r>
+            <a:r>
+              <a:rPr lang="ko-KR" altLang="en-US" dirty="0"/>
+              <a:t/>
             </a:r>
             <a:br>
               <a:rPr lang="ko-KR" altLang="en-US" dirty="0"/>
@@ -33869,7 +37234,7 @@
                           <a:hlinkClick r:id="rId3">
                             <a:extLst>
                               <a:ext uri="{A12FA001-AC4F-418D-AE19-62706E023703}">
-                                <ahyp:hlinkClr xmlns:ahyp="http://schemas.microsoft.com/office/drawing/2018/hyperlinkcolor" val="tx"/>
+                                <ahyp:hlinkClr xmlns="" xmlns:ahyp="http://schemas.microsoft.com/office/drawing/2018/hyperlinkcolor" val="tx"/>
                               </a:ext>
                             </a:extLst>
                           </a:hlinkClick>
@@ -34273,7 +37638,7 @@
                           <a:hlinkClick r:id="rId4">
                             <a:extLst>
                               <a:ext uri="{A12FA001-AC4F-418D-AE19-62706E023703}">
-                                <ahyp:hlinkClr xmlns:ahyp="http://schemas.microsoft.com/office/drawing/2018/hyperlinkcolor" val="tx"/>
+                                <ahyp:hlinkClr xmlns="" xmlns:ahyp="http://schemas.microsoft.com/office/drawing/2018/hyperlinkcolor" val="tx"/>
                               </a:ext>
                             </a:extLst>
                           </a:hlinkClick>
@@ -34746,7 +38111,7 @@
                           <a:hlinkClick r:id="rId5">
                             <a:extLst>
                               <a:ext uri="{A12FA001-AC4F-418D-AE19-62706E023703}">
-                                <ahyp:hlinkClr xmlns:ahyp="http://schemas.microsoft.com/office/drawing/2018/hyperlinkcolor" val="tx"/>
+                                <ahyp:hlinkClr xmlns="" xmlns:ahyp="http://schemas.microsoft.com/office/drawing/2018/hyperlinkcolor" val="tx"/>
                               </a:ext>
                             </a:extLst>
                           </a:hlinkClick>
@@ -35262,7 +38627,7 @@
                           <a:hlinkClick r:id="rId6">
                             <a:extLst>
                               <a:ext uri="{A12FA001-AC4F-418D-AE19-62706E023703}">
-                                <ahyp:hlinkClr xmlns:ahyp="http://schemas.microsoft.com/office/drawing/2018/hyperlinkcolor" val="tx"/>
+                                <ahyp:hlinkClr xmlns="" xmlns:ahyp="http://schemas.microsoft.com/office/drawing/2018/hyperlinkcolor" val="tx"/>
                               </a:ext>
                             </a:extLst>
                           </a:hlinkClick>
@@ -35746,7 +39111,7 @@
                           <a:hlinkClick r:id="rId7">
                             <a:extLst>
                               <a:ext uri="{A12FA001-AC4F-418D-AE19-62706E023703}">
-                                <ahyp:hlinkClr xmlns:ahyp="http://schemas.microsoft.com/office/drawing/2018/hyperlinkcolor" val="tx"/>
+                                <ahyp:hlinkClr xmlns="" xmlns:ahyp="http://schemas.microsoft.com/office/drawing/2018/hyperlinkcolor" val="tx"/>
                               </a:ext>
                             </a:extLst>
                           </a:hlinkClick>

--- a/Week_11/1조_11주차_cd_발표PPT.pptx
+++ b/Week_11/1조_11주차_cd_발표PPT.pptx
@@ -5,10 +5,10 @@
     <p:sldMasterId id="2147483648" r:id="rId1"/>
   </p:sldMasterIdLst>
   <p:notesMasterIdLst>
-    <p:notesMasterId r:id="rId37"/>
+    <p:notesMasterId r:id="rId38"/>
   </p:notesMasterIdLst>
   <p:handoutMasterIdLst>
-    <p:handoutMasterId r:id="rId38"/>
+    <p:handoutMasterId r:id="rId39"/>
   </p:handoutMasterIdLst>
   <p:sldIdLst>
     <p:sldId id="256" r:id="rId2"/>
@@ -45,7 +45,8 @@
     <p:sldId id="342" r:id="rId33"/>
     <p:sldId id="359" r:id="rId34"/>
     <p:sldId id="299" r:id="rId35"/>
-    <p:sldId id="327" r:id="rId36"/>
+    <p:sldId id="368" r:id="rId36"/>
+    <p:sldId id="327" r:id="rId37"/>
   </p:sldIdLst>
   <p:sldSz cx="12192000" cy="6858000"/>
   <p:notesSz cx="6858000" cy="9144000"/>
@@ -249,7 +250,7 @@
           <a:p>
             <a:fld id="{F708F334-0BC8-4772-BE31-097A600F09A1}" type="datetimeFigureOut">
               <a:rPr lang="ko-KR" altLang="en-US" smtClean="0"/>
-              <a:t>2020-06-03</a:t>
+              <a:t>2020-06-04</a:t>
             </a:fld>
             <a:endParaRPr lang="ko-KR" altLang="en-US"/>
           </a:p>
@@ -414,7 +415,7 @@
           <a:p>
             <a:fld id="{6C48FC29-C020-4DB6-86E3-01FBF24CFD99}" type="datetimeFigureOut">
               <a:rPr lang="ko-KR" altLang="en-US" smtClean="0"/>
-              <a:t>2020-06-03</a:t>
+              <a:t>2020-06-04</a:t>
             </a:fld>
             <a:endParaRPr lang="ko-KR" altLang="en-US"/>
           </a:p>
@@ -2172,7 +2173,7 @@
           <a:p>
             <a:fld id="{DFBB5CF1-FC4D-498E-B2DB-618EE3700C43}" type="datetimeFigureOut">
               <a:rPr lang="ko-KR" altLang="en-US" smtClean="0"/>
-              <a:t>2020-06-03</a:t>
+              <a:t>2020-06-04</a:t>
             </a:fld>
             <a:endParaRPr lang="ko-KR" altLang="en-US"/>
           </a:p>
@@ -2370,7 +2371,7 @@
           <a:p>
             <a:fld id="{DFBB5CF1-FC4D-498E-B2DB-618EE3700C43}" type="datetimeFigureOut">
               <a:rPr lang="ko-KR" altLang="en-US" smtClean="0"/>
-              <a:t>2020-06-03</a:t>
+              <a:t>2020-06-04</a:t>
             </a:fld>
             <a:endParaRPr lang="ko-KR" altLang="en-US"/>
           </a:p>
@@ -2578,7 +2579,7 @@
           <a:p>
             <a:fld id="{DFBB5CF1-FC4D-498E-B2DB-618EE3700C43}" type="datetimeFigureOut">
               <a:rPr lang="ko-KR" altLang="en-US" smtClean="0"/>
-              <a:t>2020-06-03</a:t>
+              <a:t>2020-06-04</a:t>
             </a:fld>
             <a:endParaRPr lang="ko-KR" altLang="en-US"/>
           </a:p>
@@ -2776,7 +2777,7 @@
           <a:p>
             <a:fld id="{DFBB5CF1-FC4D-498E-B2DB-618EE3700C43}" type="datetimeFigureOut">
               <a:rPr lang="ko-KR" altLang="en-US" smtClean="0"/>
-              <a:t>2020-06-03</a:t>
+              <a:t>2020-06-04</a:t>
             </a:fld>
             <a:endParaRPr lang="ko-KR" altLang="en-US"/>
           </a:p>
@@ -3051,7 +3052,7 @@
           <a:p>
             <a:fld id="{DFBB5CF1-FC4D-498E-B2DB-618EE3700C43}" type="datetimeFigureOut">
               <a:rPr lang="ko-KR" altLang="en-US" smtClean="0"/>
-              <a:t>2020-06-03</a:t>
+              <a:t>2020-06-04</a:t>
             </a:fld>
             <a:endParaRPr lang="ko-KR" altLang="en-US"/>
           </a:p>
@@ -3316,7 +3317,7 @@
           <a:p>
             <a:fld id="{DFBB5CF1-FC4D-498E-B2DB-618EE3700C43}" type="datetimeFigureOut">
               <a:rPr lang="ko-KR" altLang="en-US" smtClean="0"/>
-              <a:t>2020-06-03</a:t>
+              <a:t>2020-06-04</a:t>
             </a:fld>
             <a:endParaRPr lang="ko-KR" altLang="en-US"/>
           </a:p>
@@ -3728,7 +3729,7 @@
           <a:p>
             <a:fld id="{DFBB5CF1-FC4D-498E-B2DB-618EE3700C43}" type="datetimeFigureOut">
               <a:rPr lang="ko-KR" altLang="en-US" smtClean="0"/>
-              <a:t>2020-06-03</a:t>
+              <a:t>2020-06-04</a:t>
             </a:fld>
             <a:endParaRPr lang="ko-KR" altLang="en-US"/>
           </a:p>
@@ -3869,7 +3870,7 @@
           <a:p>
             <a:fld id="{DFBB5CF1-FC4D-498E-B2DB-618EE3700C43}" type="datetimeFigureOut">
               <a:rPr lang="ko-KR" altLang="en-US" smtClean="0"/>
-              <a:t>2020-06-03</a:t>
+              <a:t>2020-06-04</a:t>
             </a:fld>
             <a:endParaRPr lang="ko-KR" altLang="en-US"/>
           </a:p>
@@ -3982,7 +3983,7 @@
           <a:p>
             <a:fld id="{DFBB5CF1-FC4D-498E-B2DB-618EE3700C43}" type="datetimeFigureOut">
               <a:rPr lang="ko-KR" altLang="en-US" smtClean="0"/>
-              <a:t>2020-06-03</a:t>
+              <a:t>2020-06-04</a:t>
             </a:fld>
             <a:endParaRPr lang="ko-KR" altLang="en-US"/>
           </a:p>
@@ -4293,7 +4294,7 @@
           <a:p>
             <a:fld id="{DFBB5CF1-FC4D-498E-B2DB-618EE3700C43}" type="datetimeFigureOut">
               <a:rPr lang="ko-KR" altLang="en-US" smtClean="0"/>
-              <a:t>2020-06-03</a:t>
+              <a:t>2020-06-04</a:t>
             </a:fld>
             <a:endParaRPr lang="ko-KR" altLang="en-US"/>
           </a:p>
@@ -4581,7 +4582,7 @@
           <a:p>
             <a:fld id="{DFBB5CF1-FC4D-498E-B2DB-618EE3700C43}" type="datetimeFigureOut">
               <a:rPr lang="ko-KR" altLang="en-US" smtClean="0"/>
-              <a:t>2020-06-03</a:t>
+              <a:t>2020-06-04</a:t>
             </a:fld>
             <a:endParaRPr lang="ko-KR" altLang="en-US"/>
           </a:p>
@@ -4832,7 +4833,7 @@
           <a:p>
             <a:fld id="{DFBB5CF1-FC4D-498E-B2DB-618EE3700C43}" type="datetimeFigureOut">
               <a:rPr lang="ko-KR" altLang="en-US" smtClean="0"/>
-              <a:t>2020-06-03</a:t>
+              <a:t>2020-06-04</a:t>
             </a:fld>
             <a:endParaRPr lang="ko-KR" altLang="en-US"/>
           </a:p>
@@ -5995,6 +5996,13 @@
   <p:clrMapOvr>
     <a:masterClrMapping/>
   </p:clrMapOvr>
+  <p:timing>
+    <p:tnLst>
+      <p:par>
+        <p:cTn id="1" dur="indefinite" restart="never" nodeType="tmRoot"/>
+      </p:par>
+    </p:tnLst>
+  </p:timing>
 </p:sld>
 </file>
 
@@ -11219,11 +11227,7 @@
           <a:p>
             <a:r>
               <a:rPr lang="ko-KR" altLang="en-US" sz="2000" b="1" dirty="0" smtClean="0"/>
-              <a:t>따뜻함</a:t>
-            </a:r>
-            <a:r>
-              <a:rPr lang="ko-KR" altLang="en-US" sz="2000" b="1" dirty="0" smtClean="0"/>
-              <a:t> </a:t>
+              <a:t>따뜻함 </a:t>
             </a:r>
             <a:r>
               <a:rPr lang="en-US" altLang="ko-KR" sz="2000" b="1" dirty="0" smtClean="0"/>
@@ -19447,6 +19451,13 @@
   <p:clrMapOvr>
     <a:masterClrMapping/>
   </p:clrMapOvr>
+  <p:timing>
+    <p:tnLst>
+      <p:par>
+        <p:cTn id="1" dur="indefinite" restart="never" nodeType="tmRoot"/>
+      </p:par>
+    </p:tnLst>
+  </p:timing>
 </p:sld>
 </file>
 
@@ -32749,10 +32760,352 @@
   <p:clrMapOvr>
     <a:masterClrMapping/>
   </p:clrMapOvr>
+  <p:timing>
+    <p:tnLst>
+      <p:par>
+        <p:cTn id="1" dur="indefinite" restart="never" nodeType="tmRoot"/>
+      </p:par>
+    </p:tnLst>
+  </p:timing>
 </p:sld>
 </file>
 
 <file path=ppt/slides/slide35.xml><?xml version="1.0" encoding="utf-8"?>
+<p:sld xmlns:a="http://schemas.openxmlformats.org/drawingml/2006/main" xmlns:r="http://schemas.openxmlformats.org/officeDocument/2006/relationships" xmlns:p="http://schemas.openxmlformats.org/presentationml/2006/main">
+  <p:cSld>
+    <p:spTree>
+      <p:nvGrpSpPr>
+        <p:cNvPr id="1" name=""/>
+        <p:cNvGrpSpPr/>
+        <p:nvPr/>
+      </p:nvGrpSpPr>
+      <p:grpSpPr>
+        <a:xfrm>
+          <a:off x="0" y="0"/>
+          <a:ext cx="0" cy="0"/>
+          <a:chOff x="0" y="0"/>
+          <a:chExt cx="0" cy="0"/>
+        </a:xfrm>
+      </p:grpSpPr>
+      <p:sp>
+        <p:nvSpPr>
+          <p:cNvPr id="4" name="직사각형 3">
+            <a:extLst>
+              <a:ext uri="{FF2B5EF4-FFF2-40B4-BE49-F238E27FC236}">
+                <a16:creationId xmlns:a16="http://schemas.microsoft.com/office/drawing/2014/main" id="{28F04EAB-6C7D-48B3-92CF-E9E7645E4C30}"/>
+              </a:ext>
+            </a:extLst>
+          </p:cNvPr>
+          <p:cNvSpPr/>
+          <p:nvPr/>
+        </p:nvSpPr>
+        <p:spPr>
+          <a:xfrm>
+            <a:off x="404260" y="512131"/>
+            <a:ext cx="885525" cy="356132"/>
+          </a:xfrm>
+          <a:prstGeom prst="rect">
+            <a:avLst/>
+          </a:prstGeom>
+          <a:solidFill>
+            <a:srgbClr val="F0D252"/>
+          </a:solidFill>
+          <a:ln>
+            <a:noFill/>
+          </a:ln>
+        </p:spPr>
+        <p:style>
+          <a:lnRef idx="2">
+            <a:schemeClr val="accent1">
+              <a:shade val="50000"/>
+            </a:schemeClr>
+          </a:lnRef>
+          <a:fillRef idx="1">
+            <a:schemeClr val="accent1"/>
+          </a:fillRef>
+          <a:effectRef idx="0">
+            <a:schemeClr val="accent1"/>
+          </a:effectRef>
+          <a:fontRef idx="minor">
+            <a:schemeClr val="lt1"/>
+          </a:fontRef>
+        </p:style>
+        <p:txBody>
+          <a:bodyPr rtlCol="0" anchor="ctr"/>
+          <a:lstStyle/>
+          <a:p>
+            <a:pPr algn="ctr"/>
+            <a:endParaRPr lang="ko-KR" altLang="en-US"/>
+          </a:p>
+        </p:txBody>
+      </p:sp>
+      <p:sp>
+        <p:nvSpPr>
+          <p:cNvPr id="5" name="TextBox 4">
+            <a:extLst>
+              <a:ext uri="{FF2B5EF4-FFF2-40B4-BE49-F238E27FC236}">
+                <a16:creationId xmlns:a16="http://schemas.microsoft.com/office/drawing/2014/main" id="{D7B4B6BF-0FD2-47C3-BC64-7D7D09641ECE}"/>
+              </a:ext>
+            </a:extLst>
+          </p:cNvPr>
+          <p:cNvSpPr txBox="1"/>
+          <p:nvPr/>
+        </p:nvSpPr>
+        <p:spPr>
+          <a:xfrm>
+            <a:off x="465222" y="523116"/>
+            <a:ext cx="9653336" cy="707886"/>
+          </a:xfrm>
+          <a:prstGeom prst="rect">
+            <a:avLst/>
+          </a:prstGeom>
+          <a:noFill/>
+        </p:spPr>
+        <p:txBody>
+          <a:bodyPr wrap="square" rtlCol="0">
+            <a:spAutoFit/>
+          </a:bodyPr>
+          <a:lstStyle/>
+          <a:p>
+            <a:r>
+              <a:rPr lang="en-US" altLang="ko-KR" sz="4000" b="1" dirty="0" err="1" smtClean="0">
+                <a:solidFill>
+                  <a:schemeClr val="tx1">
+                    <a:lumMod val="50000"/>
+                    <a:lumOff val="50000"/>
+                  </a:schemeClr>
+                </a:solidFill>
+                <a:latin typeface="맑은 고딕" panose="020B0503020000020004" pitchFamily="50" charset="-127"/>
+                <a:cs typeface="함초롬바탕" panose="02030604000101010101" pitchFamily="18" charset="-127"/>
+              </a:rPr>
+              <a:t>Github</a:t>
+            </a:r>
+            <a:r>
+              <a:rPr lang="en-US" altLang="ko-KR" sz="4000" b="1" dirty="0" smtClean="0">
+                <a:solidFill>
+                  <a:schemeClr val="tx1">
+                    <a:lumMod val="50000"/>
+                    <a:lumOff val="50000"/>
+                  </a:schemeClr>
+                </a:solidFill>
+                <a:latin typeface="맑은 고딕" panose="020B0503020000020004" pitchFamily="50" charset="-127"/>
+                <a:cs typeface="함초롬바탕" panose="02030604000101010101" pitchFamily="18" charset="-127"/>
+              </a:rPr>
+              <a:t> </a:t>
+            </a:r>
+            <a:r>
+              <a:rPr lang="ko-KR" altLang="en-US" sz="4000" b="1" dirty="0" smtClean="0">
+                <a:solidFill>
+                  <a:schemeClr val="tx1">
+                    <a:lumMod val="50000"/>
+                    <a:lumOff val="50000"/>
+                  </a:schemeClr>
+                </a:solidFill>
+                <a:latin typeface="맑은 고딕" panose="020B0503020000020004" pitchFamily="50" charset="-127"/>
+                <a:cs typeface="함초롬바탕" panose="02030604000101010101" pitchFamily="18" charset="-127"/>
+              </a:rPr>
+              <a:t>주소</a:t>
+            </a:r>
+            <a:endParaRPr lang="ko-KR" altLang="en-US" sz="4000" b="1" dirty="0">
+              <a:solidFill>
+                <a:schemeClr val="tx1">
+                  <a:lumMod val="50000"/>
+                  <a:lumOff val="50000"/>
+                </a:schemeClr>
+              </a:solidFill>
+              <a:latin typeface="맑은 고딕" panose="020B0503020000020004" pitchFamily="50" charset="-127"/>
+              <a:cs typeface="함초롬바탕" panose="02030604000101010101" pitchFamily="18" charset="-127"/>
+            </a:endParaRPr>
+          </a:p>
+        </p:txBody>
+      </p:sp>
+      <p:sp>
+        <p:nvSpPr>
+          <p:cNvPr id="6" name="직사각형 5">
+            <a:extLst>
+              <a:ext uri="{FF2B5EF4-FFF2-40B4-BE49-F238E27FC236}">
+                <a16:creationId xmlns:a16="http://schemas.microsoft.com/office/drawing/2014/main" id="{EBB5E121-33D9-4744-9E7C-89E4FF83A3B3}"/>
+              </a:ext>
+            </a:extLst>
+          </p:cNvPr>
+          <p:cNvSpPr/>
+          <p:nvPr/>
+        </p:nvSpPr>
+        <p:spPr>
+          <a:xfrm>
+            <a:off x="743636" y="1659285"/>
+            <a:ext cx="10452900" cy="3908762"/>
+          </a:xfrm>
+          <a:prstGeom prst="rect">
+            <a:avLst/>
+          </a:prstGeom>
+          <a:noFill/>
+          <a:ln>
+            <a:solidFill>
+              <a:srgbClr val="767171"/>
+            </a:solidFill>
+          </a:ln>
+        </p:spPr>
+        <p:txBody>
+          <a:bodyPr wrap="square">
+            <a:spAutoFit/>
+          </a:bodyPr>
+          <a:lstStyle/>
+          <a:p>
+            <a:pPr algn="ctr"/>
+            <a:endParaRPr lang="en-US" altLang="ko-KR" sz="1600" b="1" dirty="0">
+              <a:solidFill>
+                <a:srgbClr val="767171"/>
+              </a:solidFill>
+              <a:latin typeface="Consolas" panose="020B0609020204030204" pitchFamily="49" charset="0"/>
+            </a:endParaRPr>
+          </a:p>
+          <a:p>
+            <a:pPr algn="ctr"/>
+            <a:endParaRPr lang="en-US" altLang="ko-KR" sz="1600" b="1" dirty="0">
+              <a:solidFill>
+                <a:srgbClr val="767171"/>
+              </a:solidFill>
+              <a:latin typeface="Consolas" panose="020B0609020204030204" pitchFamily="49" charset="0"/>
+            </a:endParaRPr>
+          </a:p>
+          <a:p>
+            <a:pPr algn="ctr"/>
+            <a:endParaRPr lang="en-US" altLang="ko-KR" sz="1600" b="1" dirty="0">
+              <a:solidFill>
+                <a:srgbClr val="767171"/>
+              </a:solidFill>
+              <a:latin typeface="Consolas" panose="020B0609020204030204" pitchFamily="49" charset="0"/>
+            </a:endParaRPr>
+          </a:p>
+          <a:p>
+            <a:pPr algn="ctr"/>
+            <a:endParaRPr lang="en-US" altLang="ko-KR" sz="1600" b="1" dirty="0">
+              <a:solidFill>
+                <a:srgbClr val="767171"/>
+              </a:solidFill>
+              <a:latin typeface="Consolas" panose="020B0609020204030204" pitchFamily="49" charset="0"/>
+            </a:endParaRPr>
+          </a:p>
+          <a:p>
+            <a:pPr algn="ctr"/>
+            <a:endParaRPr lang="en-US" altLang="ko-KR" sz="1600" b="1" dirty="0">
+              <a:solidFill>
+                <a:srgbClr val="767171"/>
+              </a:solidFill>
+              <a:latin typeface="Consolas" panose="020B0609020204030204" pitchFamily="49" charset="0"/>
+            </a:endParaRPr>
+          </a:p>
+          <a:p>
+            <a:pPr algn="ctr"/>
+            <a:endParaRPr lang="en-US" altLang="ko-KR" sz="1600" b="1" dirty="0">
+              <a:solidFill>
+                <a:srgbClr val="767171"/>
+              </a:solidFill>
+              <a:latin typeface="Consolas" panose="020B0609020204030204" pitchFamily="49" charset="0"/>
+            </a:endParaRPr>
+          </a:p>
+          <a:p>
+            <a:pPr algn="ctr"/>
+            <a:endParaRPr lang="en-US" altLang="ko-KR" sz="1600" b="1" dirty="0">
+              <a:solidFill>
+                <a:srgbClr val="767171"/>
+              </a:solidFill>
+              <a:latin typeface="Consolas" panose="020B0609020204030204" pitchFamily="49" charset="0"/>
+            </a:endParaRPr>
+          </a:p>
+          <a:p>
+            <a:pPr algn="ctr"/>
+            <a:r>
+              <a:rPr lang="en-US" altLang="ko-KR" sz="4000" dirty="0">
+                <a:hlinkClick r:id="rId2"/>
+              </a:rPr>
+              <a:t>https://github.com/Ultimate-ItubProject</a:t>
+            </a:r>
+            <a:endParaRPr lang="en-US" altLang="ko-KR" sz="1600" b="1" dirty="0">
+              <a:solidFill>
+                <a:srgbClr val="767171"/>
+              </a:solidFill>
+              <a:latin typeface="Consolas" panose="020B0609020204030204" pitchFamily="49" charset="0"/>
+            </a:endParaRPr>
+          </a:p>
+          <a:p>
+            <a:pPr algn="ctr"/>
+            <a:endParaRPr lang="en-US" altLang="ko-KR" sz="1600" b="1" dirty="0">
+              <a:solidFill>
+                <a:srgbClr val="767171"/>
+              </a:solidFill>
+              <a:latin typeface="Consolas" panose="020B0609020204030204" pitchFamily="49" charset="0"/>
+            </a:endParaRPr>
+          </a:p>
+          <a:p>
+            <a:pPr algn="ctr"/>
+            <a:endParaRPr lang="en-US" altLang="ko-KR" sz="1600" b="1" dirty="0">
+              <a:solidFill>
+                <a:srgbClr val="767171"/>
+              </a:solidFill>
+              <a:latin typeface="Consolas" panose="020B0609020204030204" pitchFamily="49" charset="0"/>
+            </a:endParaRPr>
+          </a:p>
+          <a:p>
+            <a:pPr algn="ctr"/>
+            <a:endParaRPr lang="en-US" altLang="ko-KR" sz="1600" b="1" dirty="0">
+              <a:solidFill>
+                <a:srgbClr val="767171"/>
+              </a:solidFill>
+              <a:latin typeface="Consolas" panose="020B0609020204030204" pitchFamily="49" charset="0"/>
+            </a:endParaRPr>
+          </a:p>
+          <a:p>
+            <a:pPr algn="ctr"/>
+            <a:endParaRPr lang="en-US" altLang="ko-KR" sz="1600" b="1" dirty="0">
+              <a:solidFill>
+                <a:srgbClr val="767171"/>
+              </a:solidFill>
+              <a:latin typeface="Consolas" panose="020B0609020204030204" pitchFamily="49" charset="0"/>
+            </a:endParaRPr>
+          </a:p>
+          <a:p>
+            <a:pPr algn="ctr"/>
+            <a:endParaRPr lang="en-US" altLang="ko-KR" sz="1600" b="1" dirty="0">
+              <a:solidFill>
+                <a:srgbClr val="767171"/>
+              </a:solidFill>
+              <a:latin typeface="Consolas" panose="020B0609020204030204" pitchFamily="49" charset="0"/>
+            </a:endParaRPr>
+          </a:p>
+          <a:p>
+            <a:pPr algn="ctr"/>
+            <a:endParaRPr lang="en-US" altLang="ko-KR" sz="1600" b="1" dirty="0">
+              <a:solidFill>
+                <a:srgbClr val="767171"/>
+              </a:solidFill>
+              <a:latin typeface="Consolas" panose="020B0609020204030204" pitchFamily="49" charset="0"/>
+            </a:endParaRPr>
+          </a:p>
+        </p:txBody>
+      </p:sp>
+    </p:spTree>
+    <p:extLst>
+      <p:ext uri="{BB962C8B-B14F-4D97-AF65-F5344CB8AC3E}">
+        <p14:creationId xmlns:p14="http://schemas.microsoft.com/office/powerpoint/2010/main" val="2270292983"/>
+      </p:ext>
+    </p:extLst>
+  </p:cSld>
+  <p:clrMapOvr>
+    <a:masterClrMapping/>
+  </p:clrMapOvr>
+  <p:timing>
+    <p:tnLst>
+      <p:par>
+        <p:cTn id="1" dur="indefinite" restart="never" nodeType="tmRoot"/>
+      </p:par>
+    </p:tnLst>
+  </p:timing>
+</p:sld>
+</file>
+
+<file path=ppt/slides/slide36.xml><?xml version="1.0" encoding="utf-8"?>
 <p:sld xmlns:a="http://schemas.openxmlformats.org/drawingml/2006/main" xmlns:r="http://schemas.openxmlformats.org/officeDocument/2006/relationships" xmlns:p="http://schemas.openxmlformats.org/presentationml/2006/main">
   <p:cSld>
     <p:spTree>
@@ -32943,6 +33296,13 @@
   <p:clrMapOvr>
     <a:masterClrMapping/>
   </p:clrMapOvr>
+  <p:timing>
+    <p:tnLst>
+      <p:par>
+        <p:cTn id="1" dur="indefinite" restart="never" nodeType="tmRoot"/>
+      </p:par>
+    </p:tnLst>
+  </p:timing>
 </p:sld>
 </file>
 
@@ -37234,7 +37594,7 @@
                           <a:hlinkClick r:id="rId3">
                             <a:extLst>
                               <a:ext uri="{A12FA001-AC4F-418D-AE19-62706E023703}">
-                                <ahyp:hlinkClr xmlns="" xmlns:ahyp="http://schemas.microsoft.com/office/drawing/2018/hyperlinkcolor" val="tx"/>
+                                <ahyp:hlinkClr xmlns:ahyp="http://schemas.microsoft.com/office/drawing/2018/hyperlinkcolor" xmlns="" val="tx"/>
                               </a:ext>
                             </a:extLst>
                           </a:hlinkClick>
@@ -37638,7 +37998,7 @@
                           <a:hlinkClick r:id="rId4">
                             <a:extLst>
                               <a:ext uri="{A12FA001-AC4F-418D-AE19-62706E023703}">
-                                <ahyp:hlinkClr xmlns="" xmlns:ahyp="http://schemas.microsoft.com/office/drawing/2018/hyperlinkcolor" val="tx"/>
+                                <ahyp:hlinkClr xmlns:ahyp="http://schemas.microsoft.com/office/drawing/2018/hyperlinkcolor" xmlns="" val="tx"/>
                               </a:ext>
                             </a:extLst>
                           </a:hlinkClick>
@@ -38111,7 +38471,7 @@
                           <a:hlinkClick r:id="rId5">
                             <a:extLst>
                               <a:ext uri="{A12FA001-AC4F-418D-AE19-62706E023703}">
-                                <ahyp:hlinkClr xmlns="" xmlns:ahyp="http://schemas.microsoft.com/office/drawing/2018/hyperlinkcolor" val="tx"/>
+                                <ahyp:hlinkClr xmlns:ahyp="http://schemas.microsoft.com/office/drawing/2018/hyperlinkcolor" xmlns="" val="tx"/>
                               </a:ext>
                             </a:extLst>
                           </a:hlinkClick>
@@ -38627,7 +38987,7 @@
                           <a:hlinkClick r:id="rId6">
                             <a:extLst>
                               <a:ext uri="{A12FA001-AC4F-418D-AE19-62706E023703}">
-                                <ahyp:hlinkClr xmlns="" xmlns:ahyp="http://schemas.microsoft.com/office/drawing/2018/hyperlinkcolor" val="tx"/>
+                                <ahyp:hlinkClr xmlns:ahyp="http://schemas.microsoft.com/office/drawing/2018/hyperlinkcolor" xmlns="" val="tx"/>
                               </a:ext>
                             </a:extLst>
                           </a:hlinkClick>
@@ -39111,7 +39471,7 @@
                           <a:hlinkClick r:id="rId7">
                             <a:extLst>
                               <a:ext uri="{A12FA001-AC4F-418D-AE19-62706E023703}">
-                                <ahyp:hlinkClr xmlns="" xmlns:ahyp="http://schemas.microsoft.com/office/drawing/2018/hyperlinkcolor" val="tx"/>
+                                <ahyp:hlinkClr xmlns:ahyp="http://schemas.microsoft.com/office/drawing/2018/hyperlinkcolor" xmlns="" val="tx"/>
                               </a:ext>
                             </a:extLst>
                           </a:hlinkClick>

--- a/Week_11/1조_11주차_cd_발표PPT.pptx
+++ b/Week_11/1조_11주차_cd_발표PPT.pptx
@@ -5515,7 +5515,7 @@
         <p:spPr>
           <a:xfrm>
             <a:off x="7668128" y="4017481"/>
-            <a:ext cx="4267302" cy="2585323"/>
+            <a:ext cx="4267302" cy="2308324"/>
           </a:xfrm>
           <a:prstGeom prst="rect">
             <a:avLst/>
@@ -5933,32 +5933,6 @@
                 </a:solidFill>
               </a:rPr>
               <a:t>(20154199)</a:t>
-            </a:r>
-          </a:p>
-          <a:p>
-            <a:r>
-              <a:rPr kumimoji="1" lang="ko-KR" altLang="en-US" b="1" dirty="0">
-                <a:solidFill>
-                  <a:srgbClr val="767171"/>
-                </a:solidFill>
-              </a:rPr>
-              <a:t>                 </a:t>
-            </a:r>
-            <a:r>
-              <a:rPr kumimoji="1" lang="ko-KR" altLang="en-US" b="1" dirty="0" err="1">
-                <a:solidFill>
-                  <a:srgbClr val="767171"/>
-                </a:solidFill>
-              </a:rPr>
-              <a:t>조휘훈</a:t>
-            </a:r>
-            <a:r>
-              <a:rPr kumimoji="1" lang="en-US" altLang="ko-KR" b="1" dirty="0">
-                <a:solidFill>
-                  <a:srgbClr val="767171"/>
-                </a:solidFill>
-              </a:rPr>
-              <a:t>(20154219)</a:t>
             </a:r>
           </a:p>
           <a:p>
@@ -5996,13 +5970,6 @@
   <p:clrMapOvr>
     <a:masterClrMapping/>
   </p:clrMapOvr>
-  <p:timing>
-    <p:tnLst>
-      <p:par>
-        <p:cTn id="1" dur="indefinite" restart="never" nodeType="tmRoot"/>
-      </p:par>
-    </p:tnLst>
-  </p:timing>
 </p:sld>
 </file>
 
@@ -9723,18 +9690,13 @@
                     <a:p>
                       <a:pPr algn="ctr" latinLnBrk="1"/>
                       <a:r>
-                        <a:rPr lang="ko-KR" altLang="en-US" dirty="0" smtClean="0">
+                        <a:rPr lang="ko-KR" altLang="en-US" dirty="0">
                           <a:solidFill>
                             <a:schemeClr val="tx1"/>
                           </a:solidFill>
                         </a:rPr>
                         <a:t>평균</a:t>
                       </a:r>
-                      <a:endParaRPr lang="ko-KR" altLang="en-US" dirty="0">
-                        <a:solidFill>
-                          <a:schemeClr val="tx1"/>
-                        </a:solidFill>
-                      </a:endParaRPr>
                     </a:p>
                   </a:txBody>
                   <a:tcPr>
@@ -9784,18 +9746,13 @@
                     <a:p>
                       <a:pPr algn="ctr" latinLnBrk="1"/>
                       <a:r>
-                        <a:rPr lang="ko-KR" altLang="en-US" dirty="0" smtClean="0">
+                        <a:rPr lang="ko-KR" altLang="en-US" dirty="0">
                           <a:solidFill>
                             <a:schemeClr val="tx1"/>
                           </a:solidFill>
                         </a:rPr>
                         <a:t>최소값</a:t>
                       </a:r>
-                      <a:endParaRPr lang="ko-KR" altLang="en-US" dirty="0">
-                        <a:solidFill>
-                          <a:schemeClr val="tx1"/>
-                        </a:solidFill>
-                      </a:endParaRPr>
                     </a:p>
                   </a:txBody>
                   <a:tcPr>
@@ -9845,18 +9802,13 @@
                     <a:p>
                       <a:pPr algn="ctr" latinLnBrk="1"/>
                       <a:r>
-                        <a:rPr lang="ko-KR" altLang="en-US" dirty="0" smtClean="0">
+                        <a:rPr lang="ko-KR" altLang="en-US" dirty="0">
                           <a:solidFill>
                             <a:schemeClr val="tx1"/>
                           </a:solidFill>
                         </a:rPr>
                         <a:t>최대값</a:t>
                       </a:r>
-                      <a:endParaRPr lang="ko-KR" altLang="en-US" dirty="0">
-                        <a:solidFill>
-                          <a:schemeClr val="tx1"/>
-                        </a:solidFill>
-                      </a:endParaRPr>
                     </a:p>
                   </a:txBody>
                   <a:tcPr>
@@ -9913,7 +9865,7 @@
                     <a:p>
                       <a:pPr algn="ctr" latinLnBrk="1"/>
                       <a:r>
-                        <a:rPr lang="en-US" altLang="ko-KR" dirty="0" smtClean="0">
+                        <a:rPr lang="en-US" altLang="ko-KR" dirty="0">
                           <a:solidFill>
                             <a:schemeClr val="tx1"/>
                           </a:solidFill>
@@ -9921,18 +9873,13 @@
                         <a:t>28</a:t>
                       </a:r>
                       <a:r>
-                        <a:rPr lang="ko-KR" altLang="en-US" dirty="0" smtClean="0">
+                        <a:rPr lang="ko-KR" altLang="en-US" dirty="0">
                           <a:solidFill>
                             <a:schemeClr val="tx1"/>
                           </a:solidFill>
                         </a:rPr>
                         <a:t>세</a:t>
                       </a:r>
-                      <a:endParaRPr lang="ko-KR" altLang="en-US" dirty="0">
-                        <a:solidFill>
-                          <a:schemeClr val="tx1"/>
-                        </a:solidFill>
-                      </a:endParaRPr>
                     </a:p>
                   </a:txBody>
                   <a:tcPr>
@@ -9982,7 +9929,7 @@
                     <a:p>
                       <a:pPr algn="ctr" latinLnBrk="1"/>
                       <a:r>
-                        <a:rPr lang="en-US" altLang="ko-KR" dirty="0" smtClean="0">
+                        <a:rPr lang="en-US" altLang="ko-KR" dirty="0">
                           <a:solidFill>
                             <a:schemeClr val="tx1"/>
                           </a:solidFill>
@@ -9990,18 +9937,13 @@
                         <a:t>12</a:t>
                       </a:r>
                       <a:r>
-                        <a:rPr lang="ko-KR" altLang="en-US" dirty="0" smtClean="0">
+                        <a:rPr lang="ko-KR" altLang="en-US" dirty="0">
                           <a:solidFill>
                             <a:schemeClr val="tx1"/>
                           </a:solidFill>
                         </a:rPr>
                         <a:t>세</a:t>
                       </a:r>
-                      <a:endParaRPr lang="ko-KR" altLang="en-US" dirty="0">
-                        <a:solidFill>
-                          <a:schemeClr val="tx1"/>
-                        </a:solidFill>
-                      </a:endParaRPr>
                     </a:p>
                   </a:txBody>
                   <a:tcPr>
@@ -10051,7 +9993,7 @@
                     <a:p>
                       <a:pPr algn="ctr" latinLnBrk="1"/>
                       <a:r>
-                        <a:rPr lang="en-US" altLang="ko-KR" dirty="0" smtClean="0">
+                        <a:rPr lang="en-US" altLang="ko-KR" dirty="0">
                           <a:solidFill>
                             <a:schemeClr val="tx1"/>
                           </a:solidFill>
@@ -10059,18 +10001,13 @@
                         <a:t>68</a:t>
                       </a:r>
                       <a:r>
-                        <a:rPr lang="ko-KR" altLang="en-US" dirty="0" smtClean="0">
+                        <a:rPr lang="ko-KR" altLang="en-US" dirty="0">
                           <a:solidFill>
                             <a:schemeClr val="tx1"/>
                           </a:solidFill>
                         </a:rPr>
                         <a:t>세</a:t>
                       </a:r>
-                      <a:endParaRPr lang="ko-KR" altLang="en-US" dirty="0">
-                        <a:solidFill>
-                          <a:schemeClr val="tx1"/>
-                        </a:solidFill>
-                      </a:endParaRPr>
                     </a:p>
                   </a:txBody>
                   <a:tcPr>
@@ -11226,26 +11163,25 @@
           <a:lstStyle/>
           <a:p>
             <a:r>
-              <a:rPr lang="ko-KR" altLang="en-US" sz="2000" b="1" dirty="0" smtClean="0"/>
+              <a:rPr lang="ko-KR" altLang="en-US" sz="2000" b="1" dirty="0"/>
               <a:t>따뜻함 </a:t>
             </a:r>
             <a:r>
-              <a:rPr lang="en-US" altLang="ko-KR" sz="2000" b="1" dirty="0" smtClean="0"/>
+              <a:rPr lang="en-US" altLang="ko-KR" sz="2000" b="1" dirty="0"/>
               <a:t>&gt; </a:t>
             </a:r>
             <a:r>
-              <a:rPr lang="ko-KR" altLang="en-US" sz="2000" b="1" dirty="0" smtClean="0"/>
+              <a:rPr lang="ko-KR" altLang="en-US" sz="2000" b="1" dirty="0"/>
               <a:t>시원함 </a:t>
             </a:r>
             <a:r>
-              <a:rPr lang="en-US" altLang="ko-KR" sz="2000" b="1" dirty="0" smtClean="0"/>
+              <a:rPr lang="en-US" altLang="ko-KR" sz="2000" b="1" dirty="0"/>
               <a:t>&gt; </a:t>
             </a:r>
             <a:r>
-              <a:rPr lang="ko-KR" altLang="en-US" sz="2000" b="1" dirty="0" smtClean="0"/>
+              <a:rPr lang="ko-KR" altLang="en-US" sz="2000" b="1" dirty="0"/>
               <a:t>미지근함</a:t>
             </a:r>
-            <a:endParaRPr lang="ko-KR" altLang="en-US" sz="2000" b="1" dirty="0"/>
           </a:p>
         </p:txBody>
       </p:sp>
@@ -12358,18 +12294,13 @@
                     <a:p>
                       <a:pPr algn="ctr" latinLnBrk="1"/>
                       <a:r>
-                        <a:rPr lang="ko-KR" altLang="en-US" dirty="0" smtClean="0">
+                        <a:rPr lang="ko-KR" altLang="en-US" dirty="0">
                           <a:solidFill>
                             <a:schemeClr val="tx1"/>
                           </a:solidFill>
                         </a:rPr>
                         <a:t>평균</a:t>
                       </a:r>
-                      <a:endParaRPr lang="ko-KR" altLang="en-US" dirty="0">
-                        <a:solidFill>
-                          <a:schemeClr val="tx1"/>
-                        </a:solidFill>
-                      </a:endParaRPr>
                     </a:p>
                   </a:txBody>
                   <a:tcPr>
@@ -12419,18 +12350,13 @@
                     <a:p>
                       <a:pPr algn="ctr" latinLnBrk="1"/>
                       <a:r>
-                        <a:rPr lang="ko-KR" altLang="en-US" dirty="0" smtClean="0">
+                        <a:rPr lang="ko-KR" altLang="en-US" dirty="0">
                           <a:solidFill>
                             <a:schemeClr val="tx1"/>
                           </a:solidFill>
                         </a:rPr>
                         <a:t>최소값</a:t>
                       </a:r>
-                      <a:endParaRPr lang="ko-KR" altLang="en-US" dirty="0">
-                        <a:solidFill>
-                          <a:schemeClr val="tx1"/>
-                        </a:solidFill>
-                      </a:endParaRPr>
                     </a:p>
                   </a:txBody>
                   <a:tcPr>
@@ -12480,18 +12406,13 @@
                     <a:p>
                       <a:pPr algn="ctr" latinLnBrk="1"/>
                       <a:r>
-                        <a:rPr lang="ko-KR" altLang="en-US" dirty="0" smtClean="0">
+                        <a:rPr lang="ko-KR" altLang="en-US" dirty="0">
                           <a:solidFill>
                             <a:schemeClr val="tx1"/>
                           </a:solidFill>
                         </a:rPr>
                         <a:t>최대값</a:t>
                       </a:r>
-                      <a:endParaRPr lang="ko-KR" altLang="en-US" dirty="0">
-                        <a:solidFill>
-                          <a:schemeClr val="tx1"/>
-                        </a:solidFill>
-                      </a:endParaRPr>
                     </a:p>
                   </a:txBody>
                   <a:tcPr>
@@ -12548,7 +12469,7 @@
                     <a:p>
                       <a:pPr algn="ctr" latinLnBrk="1"/>
                       <a:r>
-                        <a:rPr lang="en-US" altLang="ko-KR" dirty="0" smtClean="0">
+                        <a:rPr lang="en-US" altLang="ko-KR" dirty="0">
                           <a:solidFill>
                             <a:schemeClr val="tx1"/>
                           </a:solidFill>
@@ -12556,18 +12477,13 @@
                         <a:t>16</a:t>
                       </a:r>
                       <a:r>
-                        <a:rPr lang="ko-KR" altLang="en-US" dirty="0" smtClean="0">
+                        <a:rPr lang="ko-KR" altLang="en-US" dirty="0">
                           <a:solidFill>
                             <a:schemeClr val="tx1"/>
                           </a:solidFill>
                         </a:rPr>
                         <a:t>시</a:t>
                       </a:r>
-                      <a:endParaRPr lang="ko-KR" altLang="en-US" dirty="0">
-                        <a:solidFill>
-                          <a:schemeClr val="tx1"/>
-                        </a:solidFill>
-                      </a:endParaRPr>
                     </a:p>
                   </a:txBody>
                   <a:tcPr>
@@ -12617,7 +12533,7 @@
                     <a:p>
                       <a:pPr algn="ctr" latinLnBrk="1"/>
                       <a:r>
-                        <a:rPr lang="en-US" altLang="ko-KR" dirty="0" smtClean="0">
+                        <a:rPr lang="en-US" altLang="ko-KR" dirty="0">
                           <a:solidFill>
                             <a:schemeClr val="tx1"/>
                           </a:solidFill>
@@ -12625,18 +12541,13 @@
                         <a:t>5</a:t>
                       </a:r>
                       <a:r>
-                        <a:rPr lang="ko-KR" altLang="en-US" dirty="0" smtClean="0">
+                        <a:rPr lang="ko-KR" altLang="en-US" dirty="0">
                           <a:solidFill>
                             <a:schemeClr val="tx1"/>
                           </a:solidFill>
                         </a:rPr>
                         <a:t>시</a:t>
                       </a:r>
-                      <a:endParaRPr lang="ko-KR" altLang="en-US" dirty="0">
-                        <a:solidFill>
-                          <a:schemeClr val="tx1"/>
-                        </a:solidFill>
-                      </a:endParaRPr>
                     </a:p>
                   </a:txBody>
                   <a:tcPr>
@@ -12686,7 +12597,7 @@
                     <a:p>
                       <a:pPr algn="ctr" latinLnBrk="1"/>
                       <a:r>
-                        <a:rPr lang="en-US" altLang="ko-KR" dirty="0" smtClean="0">
+                        <a:rPr lang="en-US" altLang="ko-KR" dirty="0">
                           <a:solidFill>
                             <a:schemeClr val="tx1"/>
                           </a:solidFill>
@@ -12694,18 +12605,13 @@
                         <a:t>23</a:t>
                       </a:r>
                       <a:r>
-                        <a:rPr lang="ko-KR" altLang="en-US" dirty="0" smtClean="0">
+                        <a:rPr lang="ko-KR" altLang="en-US" dirty="0">
                           <a:solidFill>
                             <a:schemeClr val="tx1"/>
                           </a:solidFill>
                         </a:rPr>
                         <a:t>시</a:t>
                       </a:r>
-                      <a:endParaRPr lang="ko-KR" altLang="en-US" dirty="0">
-                        <a:solidFill>
-                          <a:schemeClr val="tx1"/>
-                        </a:solidFill>
-                      </a:endParaRPr>
                     </a:p>
                   </a:txBody>
                   <a:tcPr>
@@ -13840,18 +13746,13 @@
                     <a:p>
                       <a:pPr algn="ctr" latinLnBrk="1"/>
                       <a:r>
-                        <a:rPr lang="ko-KR" altLang="en-US" dirty="0" smtClean="0">
+                        <a:rPr lang="ko-KR" altLang="en-US" dirty="0">
                           <a:solidFill>
                             <a:schemeClr val="tx1"/>
                           </a:solidFill>
                         </a:rPr>
                         <a:t>평균</a:t>
                       </a:r>
-                      <a:endParaRPr lang="ko-KR" altLang="en-US" dirty="0">
-                        <a:solidFill>
-                          <a:schemeClr val="tx1"/>
-                        </a:solidFill>
-                      </a:endParaRPr>
                     </a:p>
                   </a:txBody>
                   <a:tcPr>
@@ -13901,18 +13802,13 @@
                     <a:p>
                       <a:pPr algn="ctr" latinLnBrk="1"/>
                       <a:r>
-                        <a:rPr lang="ko-KR" altLang="en-US" dirty="0" smtClean="0">
+                        <a:rPr lang="ko-KR" altLang="en-US" dirty="0">
                           <a:solidFill>
                             <a:schemeClr val="tx1"/>
                           </a:solidFill>
                         </a:rPr>
                         <a:t>최소값</a:t>
                       </a:r>
-                      <a:endParaRPr lang="ko-KR" altLang="en-US" dirty="0">
-                        <a:solidFill>
-                          <a:schemeClr val="tx1"/>
-                        </a:solidFill>
-                      </a:endParaRPr>
                     </a:p>
                   </a:txBody>
                   <a:tcPr>
@@ -13962,18 +13858,13 @@
                     <a:p>
                       <a:pPr algn="ctr" latinLnBrk="1"/>
                       <a:r>
-                        <a:rPr lang="ko-KR" altLang="en-US" dirty="0" smtClean="0">
+                        <a:rPr lang="ko-KR" altLang="en-US" dirty="0">
                           <a:solidFill>
                             <a:schemeClr val="tx1"/>
                           </a:solidFill>
                         </a:rPr>
                         <a:t>최대값</a:t>
                       </a:r>
-                      <a:endParaRPr lang="ko-KR" altLang="en-US" dirty="0">
-                        <a:solidFill>
-                          <a:schemeClr val="tx1"/>
-                        </a:solidFill>
-                      </a:endParaRPr>
                     </a:p>
                   </a:txBody>
                   <a:tcPr>
@@ -14030,7 +13921,7 @@
                     <a:p>
                       <a:pPr algn="ctr" latinLnBrk="1"/>
                       <a:r>
-                        <a:rPr lang="en-US" altLang="ko-KR" dirty="0" smtClean="0">
+                        <a:rPr lang="en-US" altLang="ko-KR" dirty="0">
                           <a:solidFill>
                             <a:schemeClr val="tx1"/>
                           </a:solidFill>
@@ -14038,18 +13929,13 @@
                         <a:t>23</a:t>
                       </a:r>
                       <a:r>
-                        <a:rPr lang="ko-KR" altLang="en-US" dirty="0" smtClean="0">
+                        <a:rPr lang="ko-KR" altLang="en-US" dirty="0">
                           <a:solidFill>
                             <a:schemeClr val="tx1"/>
                           </a:solidFill>
                         </a:rPr>
                         <a:t>분</a:t>
                       </a:r>
-                      <a:endParaRPr lang="ko-KR" altLang="en-US" dirty="0">
-                        <a:solidFill>
-                          <a:schemeClr val="tx1"/>
-                        </a:solidFill>
-                      </a:endParaRPr>
                     </a:p>
                   </a:txBody>
                   <a:tcPr>
@@ -14099,7 +13985,7 @@
                     <a:p>
                       <a:pPr algn="ctr" latinLnBrk="1"/>
                       <a:r>
-                        <a:rPr lang="en-US" altLang="ko-KR" dirty="0" smtClean="0">
+                        <a:rPr lang="en-US" altLang="ko-KR" dirty="0">
                           <a:solidFill>
                             <a:schemeClr val="tx1"/>
                           </a:solidFill>
@@ -14107,18 +13993,13 @@
                         <a:t>5</a:t>
                       </a:r>
                       <a:r>
-                        <a:rPr lang="ko-KR" altLang="en-US" dirty="0" smtClean="0">
+                        <a:rPr lang="ko-KR" altLang="en-US" dirty="0">
                           <a:solidFill>
                             <a:schemeClr val="tx1"/>
                           </a:solidFill>
                         </a:rPr>
                         <a:t>분</a:t>
                       </a:r>
-                      <a:endParaRPr lang="ko-KR" altLang="en-US" dirty="0">
-                        <a:solidFill>
-                          <a:schemeClr val="tx1"/>
-                        </a:solidFill>
-                      </a:endParaRPr>
                     </a:p>
                   </a:txBody>
                   <a:tcPr>
@@ -14168,7 +14049,7 @@
                     <a:p>
                       <a:pPr algn="ctr" latinLnBrk="1"/>
                       <a:r>
-                        <a:rPr lang="en-US" altLang="ko-KR" dirty="0" smtClean="0">
+                        <a:rPr lang="en-US" altLang="ko-KR" dirty="0">
                           <a:solidFill>
                             <a:schemeClr val="tx1"/>
                           </a:solidFill>
@@ -14176,18 +14057,13 @@
                         <a:t>120</a:t>
                       </a:r>
                       <a:r>
-                        <a:rPr lang="ko-KR" altLang="en-US" dirty="0" smtClean="0">
+                        <a:rPr lang="ko-KR" altLang="en-US" dirty="0">
                           <a:solidFill>
                             <a:schemeClr val="tx1"/>
                           </a:solidFill>
                         </a:rPr>
                         <a:t>분</a:t>
                       </a:r>
-                      <a:endParaRPr lang="ko-KR" altLang="en-US" dirty="0">
-                        <a:solidFill>
-                          <a:schemeClr val="tx1"/>
-                        </a:solidFill>
-                      </a:endParaRPr>
                     </a:p>
                   </a:txBody>
                   <a:tcPr>
@@ -19451,13 +19327,6 @@
   <p:clrMapOvr>
     <a:masterClrMapping/>
   </p:clrMapOvr>
-  <p:timing>
-    <p:tnLst>
-      <p:par>
-        <p:cTn id="1" dur="indefinite" restart="never" nodeType="tmRoot"/>
-      </p:par>
-    </p:tnLst>
-  </p:timing>
 </p:sld>
 </file>
 
@@ -32760,13 +32629,6 @@
   <p:clrMapOvr>
     <a:masterClrMapping/>
   </p:clrMapOvr>
-  <p:timing>
-    <p:tnLst>
-      <p:par>
-        <p:cTn id="1" dur="indefinite" restart="never" nodeType="tmRoot"/>
-      </p:par>
-    </p:tnLst>
-  </p:timing>
 </p:sld>
 </file>
 
@@ -32868,7 +32730,7 @@
           <a:lstStyle/>
           <a:p>
             <a:r>
-              <a:rPr lang="en-US" altLang="ko-KR" sz="4000" b="1" dirty="0" err="1" smtClean="0">
+              <a:rPr lang="en-US" altLang="ko-KR" sz="4000" b="1" dirty="0" err="1">
                 <a:solidFill>
                   <a:schemeClr val="tx1">
                     <a:lumMod val="50000"/>
@@ -32881,7 +32743,7 @@
               <a:t>Github</a:t>
             </a:r>
             <a:r>
-              <a:rPr lang="en-US" altLang="ko-KR" sz="4000" b="1" dirty="0" smtClean="0">
+              <a:rPr lang="en-US" altLang="ko-KR" sz="4000" b="1" dirty="0">
                 <a:solidFill>
                   <a:schemeClr val="tx1">
                     <a:lumMod val="50000"/>
@@ -32894,7 +32756,7 @@
               <a:t> </a:t>
             </a:r>
             <a:r>
-              <a:rPr lang="ko-KR" altLang="en-US" sz="4000" b="1" dirty="0" smtClean="0">
+              <a:rPr lang="ko-KR" altLang="en-US" sz="4000" b="1" dirty="0">
                 <a:solidFill>
                   <a:schemeClr val="tx1">
                     <a:lumMod val="50000"/>
@@ -32906,16 +32768,6 @@
               </a:rPr>
               <a:t>주소</a:t>
             </a:r>
-            <a:endParaRPr lang="ko-KR" altLang="en-US" sz="4000" b="1" dirty="0">
-              <a:solidFill>
-                <a:schemeClr val="tx1">
-                  <a:lumMod val="50000"/>
-                  <a:lumOff val="50000"/>
-                </a:schemeClr>
-              </a:solidFill>
-              <a:latin typeface="맑은 고딕" panose="020B0503020000020004" pitchFamily="50" charset="-127"/>
-              <a:cs typeface="함초롬바탕" panose="02030604000101010101" pitchFamily="18" charset="-127"/>
-            </a:endParaRPr>
           </a:p>
         </p:txBody>
       </p:sp>
@@ -33095,13 +32947,6 @@
   <p:clrMapOvr>
     <a:masterClrMapping/>
   </p:clrMapOvr>
-  <p:timing>
-    <p:tnLst>
-      <p:par>
-        <p:cTn id="1" dur="indefinite" restart="never" nodeType="tmRoot"/>
-      </p:par>
-    </p:tnLst>
-  </p:timing>
 </p:sld>
 </file>
 
@@ -33296,13 +33141,6 @@
   <p:clrMapOvr>
     <a:masterClrMapping/>
   </p:clrMapOvr>
-  <p:timing>
-    <p:tnLst>
-      <p:par>
-        <p:cTn id="1" dur="indefinite" restart="never" nodeType="tmRoot"/>
-      </p:par>
-    </p:tnLst>
-  </p:timing>
 </p:sld>
 </file>
 
@@ -35230,7 +35068,7 @@
         <p:spPr>
           <a:xfrm>
             <a:off x="8306395" y="4613356"/>
-            <a:ext cx="2242922" cy="1692771"/>
+            <a:ext cx="3207929" cy="1692771"/>
           </a:xfrm>
           <a:prstGeom prst="rect">
             <a:avLst/>
@@ -35409,8 +35247,46 @@
               <a:t>프론트엔드</a:t>
             </a:r>
             <a:r>
-              <a:rPr lang="ko-KR" altLang="en-US" dirty="0"/>
-              <a:t/>
+              <a:rPr lang="en-US" altLang="ko-KR" b="1" dirty="0">
+                <a:ln>
+                  <a:solidFill>
+                    <a:schemeClr val="accent1">
+                      <a:alpha val="0"/>
+                    </a:schemeClr>
+                  </a:solidFill>
+                </a:ln>
+                <a:solidFill>
+                  <a:schemeClr val="tx1">
+                    <a:lumMod val="75000"/>
+                    <a:lumOff val="25000"/>
+                  </a:schemeClr>
+                </a:solidFill>
+                <a:latin typeface="맑은 고딕" panose="020B0503020000020004" pitchFamily="50" charset="-127"/>
+                <a:ea typeface="맑은 고딕" panose="020B0503020000020004" pitchFamily="50" charset="-127"/>
+                <a:cs typeface="함초롬바탕" panose="02030604000101010101" pitchFamily="18" charset="-127"/>
+              </a:rPr>
+              <a:t>, </a:t>
+            </a:r>
+            <a:r>
+              <a:rPr lang="ko-KR" altLang="en-US" b="1">
+                <a:ln>
+                  <a:solidFill>
+                    <a:schemeClr val="accent1">
+                      <a:alpha val="0"/>
+                    </a:schemeClr>
+                  </a:solidFill>
+                </a:ln>
+                <a:solidFill>
+                  <a:schemeClr val="tx1">
+                    <a:lumMod val="75000"/>
+                    <a:lumOff val="25000"/>
+                  </a:schemeClr>
+                </a:solidFill>
+                <a:latin typeface="맑은 고딕" panose="020B0503020000020004" pitchFamily="50" charset="-127"/>
+                <a:ea typeface="맑은 고딕" panose="020B0503020000020004" pitchFamily="50" charset="-127"/>
+                <a:cs typeface="함초롬바탕" panose="02030604000101010101" pitchFamily="18" charset="-127"/>
+              </a:rPr>
+              <a:t>데이터 수집</a:t>
             </a:r>
             <a:br>
               <a:rPr lang="ko-KR" altLang="en-US" dirty="0"/>
@@ -37594,7 +37470,7 @@
                           <a:hlinkClick r:id="rId3">
                             <a:extLst>
                               <a:ext uri="{A12FA001-AC4F-418D-AE19-62706E023703}">
-                                <ahyp:hlinkClr xmlns:ahyp="http://schemas.microsoft.com/office/drawing/2018/hyperlinkcolor" xmlns="" val="tx"/>
+                                <ahyp:hlinkClr xmlns:ahyp="http://schemas.microsoft.com/office/drawing/2018/hyperlinkcolor" val="tx"/>
                               </a:ext>
                             </a:extLst>
                           </a:hlinkClick>
@@ -37998,7 +37874,7 @@
                           <a:hlinkClick r:id="rId4">
                             <a:extLst>
                               <a:ext uri="{A12FA001-AC4F-418D-AE19-62706E023703}">
-                                <ahyp:hlinkClr xmlns:ahyp="http://schemas.microsoft.com/office/drawing/2018/hyperlinkcolor" xmlns="" val="tx"/>
+                                <ahyp:hlinkClr xmlns:ahyp="http://schemas.microsoft.com/office/drawing/2018/hyperlinkcolor" val="tx"/>
                               </a:ext>
                             </a:extLst>
                           </a:hlinkClick>
@@ -38471,7 +38347,7 @@
                           <a:hlinkClick r:id="rId5">
                             <a:extLst>
                               <a:ext uri="{A12FA001-AC4F-418D-AE19-62706E023703}">
-                                <ahyp:hlinkClr xmlns:ahyp="http://schemas.microsoft.com/office/drawing/2018/hyperlinkcolor" xmlns="" val="tx"/>
+                                <ahyp:hlinkClr xmlns:ahyp="http://schemas.microsoft.com/office/drawing/2018/hyperlinkcolor" val="tx"/>
                               </a:ext>
                             </a:extLst>
                           </a:hlinkClick>
@@ -38987,7 +38863,7 @@
                           <a:hlinkClick r:id="rId6">
                             <a:extLst>
                               <a:ext uri="{A12FA001-AC4F-418D-AE19-62706E023703}">
-                                <ahyp:hlinkClr xmlns:ahyp="http://schemas.microsoft.com/office/drawing/2018/hyperlinkcolor" xmlns="" val="tx"/>
+                                <ahyp:hlinkClr xmlns:ahyp="http://schemas.microsoft.com/office/drawing/2018/hyperlinkcolor" val="tx"/>
                               </a:ext>
                             </a:extLst>
                           </a:hlinkClick>
@@ -39471,7 +39347,7 @@
                           <a:hlinkClick r:id="rId7">
                             <a:extLst>
                               <a:ext uri="{A12FA001-AC4F-418D-AE19-62706E023703}">
-                                <ahyp:hlinkClr xmlns:ahyp="http://schemas.microsoft.com/office/drawing/2018/hyperlinkcolor" xmlns="" val="tx"/>
+                                <ahyp:hlinkClr xmlns:ahyp="http://schemas.microsoft.com/office/drawing/2018/hyperlinkcolor" val="tx"/>
                               </a:ext>
                             </a:extLst>
                           </a:hlinkClick>
